--- a/2020 12 tanggal 24 - 25/Misa hari raya natal jam 09.00 WIB - Indo - Proses.pptx
+++ b/2020 12 tanggal 24 - 25/Misa hari raya natal jam 09.00 WIB - Indo - Proses.pptx
@@ -5,7 +5,7 @@
     <p:sldMasterId id="2147483675" r:id="rId1"/>
   </p:sldMasterIdLst>
   <p:notesMasterIdLst>
-    <p:notesMasterId r:id="rId62"/>
+    <p:notesMasterId r:id="rId70"/>
   </p:notesMasterIdLst>
   <p:sldIdLst>
     <p:sldId id="256" r:id="rId2"/>
@@ -62,32 +62,40 @@
     <p:sldId id="350" r:id="rId53"/>
     <p:sldId id="351" r:id="rId54"/>
     <p:sldId id="352" r:id="rId55"/>
-    <p:sldId id="332" r:id="rId56"/>
-    <p:sldId id="333" r:id="rId57"/>
-    <p:sldId id="353" r:id="rId58"/>
-    <p:sldId id="354" r:id="rId59"/>
-    <p:sldId id="355" r:id="rId60"/>
-    <p:sldId id="356" r:id="rId61"/>
+    <p:sldId id="357" r:id="rId56"/>
+    <p:sldId id="358" r:id="rId57"/>
+    <p:sldId id="359" r:id="rId58"/>
+    <p:sldId id="360" r:id="rId59"/>
+    <p:sldId id="361" r:id="rId60"/>
+    <p:sldId id="362" r:id="rId61"/>
+    <p:sldId id="363" r:id="rId62"/>
+    <p:sldId id="364" r:id="rId63"/>
+    <p:sldId id="332" r:id="rId64"/>
+    <p:sldId id="333" r:id="rId65"/>
+    <p:sldId id="353" r:id="rId66"/>
+    <p:sldId id="354" r:id="rId67"/>
+    <p:sldId id="355" r:id="rId68"/>
+    <p:sldId id="356" r:id="rId69"/>
   </p:sldIdLst>
   <p:sldSz cx="9144000" cy="5143500" type="screen16x9"/>
   <p:notesSz cx="6858000" cy="9144000"/>
   <p:embeddedFontLst>
     <p:embeddedFont>
-      <p:font typeface="Fredoka One" panose="020B0604020202020204" charset="0"/>
-      <p:regular r:id="rId63"/>
+      <p:font typeface="Comfortaa" panose="020B0604020202020204" charset="0"/>
+      <p:regular r:id="rId71"/>
+      <p:bold r:id="rId72"/>
     </p:embeddedFont>
     <p:embeddedFont>
       <p:font typeface="Arial Black" panose="020B0A04020102020204" pitchFamily="34" charset="0"/>
-      <p:bold r:id="rId64"/>
+      <p:bold r:id="rId73"/>
     </p:embeddedFont>
     <p:embeddedFont>
-      <p:font typeface="Comfortaa" panose="020B0604020202020204" charset="0"/>
-      <p:regular r:id="rId65"/>
-      <p:bold r:id="rId66"/>
+      <p:font typeface="Fredoka One" panose="020B0604020202020204" charset="0"/>
+      <p:regular r:id="rId74"/>
     </p:embeddedFont>
     <p:embeddedFont>
       <p:font typeface="Holtwood One SC" panose="020B0604020202020204" charset="0"/>
-      <p:regular r:id="rId67"/>
+      <p:regular r:id="rId75"/>
     </p:embeddedFont>
   </p:embeddedFontLst>
   <p:defaultTextStyle>
@@ -424,6 +432,18 @@
             <p14:sldId id="352"/>
           </p14:sldIdLst>
         </p14:section>
+        <p14:section name="Komuni 2" id="{079D7C58-70ED-481C-A445-8C5310EF03AB}">
+          <p14:sldIdLst>
+            <p14:sldId id="357"/>
+            <p14:sldId id="358"/>
+            <p14:sldId id="359"/>
+            <p14:sldId id="360"/>
+            <p14:sldId id="361"/>
+            <p14:sldId id="362"/>
+            <p14:sldId id="363"/>
+            <p14:sldId id="364"/>
+          </p14:sldIdLst>
+        </p14:section>
         <p14:section name="Lagu Penutup" id="{A29E94CE-DBF3-4716-9FF7-96C4234AB8F9}">
           <p14:sldIdLst>
             <p14:sldId id="332"/>
@@ -6438,7 +6458,7 @@
     </p:spTree>
     <p:extLst>
       <p:ext uri="{BB962C8B-B14F-4D97-AF65-F5344CB8AC3E}">
-        <p14:creationId xmlns:p14="http://schemas.microsoft.com/office/powerpoint/2010/main" val="2129472696"/>
+        <p14:creationId xmlns:p14="http://schemas.microsoft.com/office/powerpoint/2010/main" val="2522149019"/>
       </p:ext>
     </p:extLst>
   </p:cSld>
@@ -6547,7 +6567,7 @@
     </p:spTree>
     <p:extLst>
       <p:ext uri="{BB962C8B-B14F-4D97-AF65-F5344CB8AC3E}">
-        <p14:creationId xmlns:p14="http://schemas.microsoft.com/office/powerpoint/2010/main" val="859143092"/>
+        <p14:creationId xmlns:p14="http://schemas.microsoft.com/office/powerpoint/2010/main" val="740978976"/>
       </p:ext>
     </p:extLst>
   </p:cSld>
@@ -6656,7 +6676,7 @@
     </p:spTree>
     <p:extLst>
       <p:ext uri="{BB962C8B-B14F-4D97-AF65-F5344CB8AC3E}">
-        <p14:creationId xmlns:p14="http://schemas.microsoft.com/office/powerpoint/2010/main" val="1770624623"/>
+        <p14:creationId xmlns:p14="http://schemas.microsoft.com/office/powerpoint/2010/main" val="1841864059"/>
       </p:ext>
     </p:extLst>
   </p:cSld>
@@ -6765,7 +6785,7 @@
     </p:spTree>
     <p:extLst>
       <p:ext uri="{BB962C8B-B14F-4D97-AF65-F5344CB8AC3E}">
-        <p14:creationId xmlns:p14="http://schemas.microsoft.com/office/powerpoint/2010/main" val="506553663"/>
+        <p14:creationId xmlns:p14="http://schemas.microsoft.com/office/powerpoint/2010/main" val="3610451921"/>
       </p:ext>
     </p:extLst>
   </p:cSld>
@@ -6874,7 +6894,7 @@
     </p:spTree>
     <p:extLst>
       <p:ext uri="{BB962C8B-B14F-4D97-AF65-F5344CB8AC3E}">
-        <p14:creationId xmlns:p14="http://schemas.microsoft.com/office/powerpoint/2010/main" val="3068784598"/>
+        <p14:creationId xmlns:p14="http://schemas.microsoft.com/office/powerpoint/2010/main" val="66968"/>
       </p:ext>
     </p:extLst>
   </p:cSld>
@@ -6994,6 +7014,878 @@
 </file>
 
 <file path=ppt/notesSlides/notesSlide60.xml><?xml version="1.0" encoding="utf-8"?>
+<p:notes xmlns:a="http://schemas.openxmlformats.org/drawingml/2006/main" xmlns:r="http://schemas.openxmlformats.org/officeDocument/2006/relationships" xmlns:p="http://schemas.openxmlformats.org/presentationml/2006/main" showMasterSp="0" showMasterPhAnim="0">
+  <p:cSld>
+    <p:spTree>
+      <p:nvGrpSpPr>
+        <p:cNvPr id="1" name="Shape 825"/>
+        <p:cNvGrpSpPr/>
+        <p:nvPr/>
+      </p:nvGrpSpPr>
+      <p:grpSpPr>
+        <a:xfrm>
+          <a:off x="0" y="0"/>
+          <a:ext cx="0" cy="0"/>
+          <a:chOff x="0" y="0"/>
+          <a:chExt cx="0" cy="0"/>
+        </a:xfrm>
+      </p:grpSpPr>
+      <p:sp>
+        <p:nvSpPr>
+          <p:cNvPr id="826" name="Google Shape;826;g8c30849765_0_813:notes"/>
+          <p:cNvSpPr>
+            <a:spLocks noGrp="1" noRot="1" noChangeAspect="1"/>
+          </p:cNvSpPr>
+          <p:nvPr>
+            <p:ph type="sldImg" idx="2"/>
+          </p:nvPr>
+        </p:nvSpPr>
+        <p:spPr>
+          <a:xfrm>
+            <a:off x="381000" y="685800"/>
+            <a:ext cx="6096000" cy="3429000"/>
+          </a:xfrm>
+          <a:custGeom>
+            <a:avLst/>
+            <a:gdLst/>
+            <a:ahLst/>
+            <a:cxnLst/>
+            <a:rect l="l" t="t" r="r" b="b"/>
+            <a:pathLst>
+              <a:path w="120000" h="120000" extrusionOk="0">
+                <a:moveTo>
+                  <a:pt x="0" y="0"/>
+                </a:moveTo>
+                <a:lnTo>
+                  <a:pt x="120000" y="0"/>
+                </a:lnTo>
+                <a:lnTo>
+                  <a:pt x="120000" y="120000"/>
+                </a:lnTo>
+                <a:lnTo>
+                  <a:pt x="0" y="120000"/>
+                </a:lnTo>
+                <a:close/>
+              </a:path>
+            </a:pathLst>
+          </a:custGeom>
+        </p:spPr>
+      </p:sp>
+      <p:sp>
+        <p:nvSpPr>
+          <p:cNvPr id="827" name="Google Shape;827;g8c30849765_0_813:notes"/>
+          <p:cNvSpPr txBox="1">
+            <a:spLocks noGrp="1"/>
+          </p:cNvSpPr>
+          <p:nvPr>
+            <p:ph type="body" idx="1"/>
+          </p:nvPr>
+        </p:nvSpPr>
+        <p:spPr>
+          <a:xfrm>
+            <a:off x="685800" y="4343400"/>
+            <a:ext cx="5486400" cy="4114800"/>
+          </a:xfrm>
+          <a:prstGeom prst="rect">
+            <a:avLst/>
+          </a:prstGeom>
+        </p:spPr>
+        <p:txBody>
+          <a:bodyPr spcFirstLastPara="1" wrap="square" lIns="91425" tIns="91425" rIns="91425" bIns="91425" anchor="t" anchorCtr="0">
+            <a:noAutofit/>
+          </a:bodyPr>
+          <a:lstStyle/>
+          <a:p>
+            <a:pPr marL="0" lvl="0" indent="0" algn="l" rtl="0">
+              <a:spcBef>
+                <a:spcPts val="0"/>
+              </a:spcBef>
+              <a:spcAft>
+                <a:spcPts val="0"/>
+              </a:spcAft>
+              <a:buNone/>
+            </a:pPr>
+            <a:endParaRPr/>
+          </a:p>
+        </p:txBody>
+      </p:sp>
+    </p:spTree>
+    <p:extLst>
+      <p:ext uri="{BB962C8B-B14F-4D97-AF65-F5344CB8AC3E}">
+        <p14:creationId xmlns:p14="http://schemas.microsoft.com/office/powerpoint/2010/main" val="2271844634"/>
+      </p:ext>
+    </p:extLst>
+  </p:cSld>
+  <p:clrMapOvr>
+    <a:masterClrMapping/>
+  </p:clrMapOvr>
+</p:notes>
+</file>
+
+<file path=ppt/notesSlides/notesSlide61.xml><?xml version="1.0" encoding="utf-8"?>
+<p:notes xmlns:a="http://schemas.openxmlformats.org/drawingml/2006/main" xmlns:r="http://schemas.openxmlformats.org/officeDocument/2006/relationships" xmlns:p="http://schemas.openxmlformats.org/presentationml/2006/main" showMasterSp="0" showMasterPhAnim="0">
+  <p:cSld>
+    <p:spTree>
+      <p:nvGrpSpPr>
+        <p:cNvPr id="1" name="Shape 825"/>
+        <p:cNvGrpSpPr/>
+        <p:nvPr/>
+      </p:nvGrpSpPr>
+      <p:grpSpPr>
+        <a:xfrm>
+          <a:off x="0" y="0"/>
+          <a:ext cx="0" cy="0"/>
+          <a:chOff x="0" y="0"/>
+          <a:chExt cx="0" cy="0"/>
+        </a:xfrm>
+      </p:grpSpPr>
+      <p:sp>
+        <p:nvSpPr>
+          <p:cNvPr id="826" name="Google Shape;826;g8c30849765_0_813:notes"/>
+          <p:cNvSpPr>
+            <a:spLocks noGrp="1" noRot="1" noChangeAspect="1"/>
+          </p:cNvSpPr>
+          <p:nvPr>
+            <p:ph type="sldImg" idx="2"/>
+          </p:nvPr>
+        </p:nvSpPr>
+        <p:spPr>
+          <a:xfrm>
+            <a:off x="381000" y="685800"/>
+            <a:ext cx="6096000" cy="3429000"/>
+          </a:xfrm>
+          <a:custGeom>
+            <a:avLst/>
+            <a:gdLst/>
+            <a:ahLst/>
+            <a:cxnLst/>
+            <a:rect l="l" t="t" r="r" b="b"/>
+            <a:pathLst>
+              <a:path w="120000" h="120000" extrusionOk="0">
+                <a:moveTo>
+                  <a:pt x="0" y="0"/>
+                </a:moveTo>
+                <a:lnTo>
+                  <a:pt x="120000" y="0"/>
+                </a:lnTo>
+                <a:lnTo>
+                  <a:pt x="120000" y="120000"/>
+                </a:lnTo>
+                <a:lnTo>
+                  <a:pt x="0" y="120000"/>
+                </a:lnTo>
+                <a:close/>
+              </a:path>
+            </a:pathLst>
+          </a:custGeom>
+        </p:spPr>
+      </p:sp>
+      <p:sp>
+        <p:nvSpPr>
+          <p:cNvPr id="827" name="Google Shape;827;g8c30849765_0_813:notes"/>
+          <p:cNvSpPr txBox="1">
+            <a:spLocks noGrp="1"/>
+          </p:cNvSpPr>
+          <p:nvPr>
+            <p:ph type="body" idx="1"/>
+          </p:nvPr>
+        </p:nvSpPr>
+        <p:spPr>
+          <a:xfrm>
+            <a:off x="685800" y="4343400"/>
+            <a:ext cx="5486400" cy="4114800"/>
+          </a:xfrm>
+          <a:prstGeom prst="rect">
+            <a:avLst/>
+          </a:prstGeom>
+        </p:spPr>
+        <p:txBody>
+          <a:bodyPr spcFirstLastPara="1" wrap="square" lIns="91425" tIns="91425" rIns="91425" bIns="91425" anchor="t" anchorCtr="0">
+            <a:noAutofit/>
+          </a:bodyPr>
+          <a:lstStyle/>
+          <a:p>
+            <a:pPr marL="0" lvl="0" indent="0" algn="l" rtl="0">
+              <a:spcBef>
+                <a:spcPts val="0"/>
+              </a:spcBef>
+              <a:spcAft>
+                <a:spcPts val="0"/>
+              </a:spcAft>
+              <a:buNone/>
+            </a:pPr>
+            <a:endParaRPr/>
+          </a:p>
+        </p:txBody>
+      </p:sp>
+    </p:spTree>
+    <p:extLst>
+      <p:ext uri="{BB962C8B-B14F-4D97-AF65-F5344CB8AC3E}">
+        <p14:creationId xmlns:p14="http://schemas.microsoft.com/office/powerpoint/2010/main" val="1350015065"/>
+      </p:ext>
+    </p:extLst>
+  </p:cSld>
+  <p:clrMapOvr>
+    <a:masterClrMapping/>
+  </p:clrMapOvr>
+</p:notes>
+</file>
+
+<file path=ppt/notesSlides/notesSlide62.xml><?xml version="1.0" encoding="utf-8"?>
+<p:notes xmlns:a="http://schemas.openxmlformats.org/drawingml/2006/main" xmlns:r="http://schemas.openxmlformats.org/officeDocument/2006/relationships" xmlns:p="http://schemas.openxmlformats.org/presentationml/2006/main" showMasterSp="0" showMasterPhAnim="0">
+  <p:cSld>
+    <p:spTree>
+      <p:nvGrpSpPr>
+        <p:cNvPr id="1" name="Shape 825"/>
+        <p:cNvGrpSpPr/>
+        <p:nvPr/>
+      </p:nvGrpSpPr>
+      <p:grpSpPr>
+        <a:xfrm>
+          <a:off x="0" y="0"/>
+          <a:ext cx="0" cy="0"/>
+          <a:chOff x="0" y="0"/>
+          <a:chExt cx="0" cy="0"/>
+        </a:xfrm>
+      </p:grpSpPr>
+      <p:sp>
+        <p:nvSpPr>
+          <p:cNvPr id="826" name="Google Shape;826;g8c30849765_0_813:notes"/>
+          <p:cNvSpPr>
+            <a:spLocks noGrp="1" noRot="1" noChangeAspect="1"/>
+          </p:cNvSpPr>
+          <p:nvPr>
+            <p:ph type="sldImg" idx="2"/>
+          </p:nvPr>
+        </p:nvSpPr>
+        <p:spPr>
+          <a:xfrm>
+            <a:off x="381000" y="685800"/>
+            <a:ext cx="6096000" cy="3429000"/>
+          </a:xfrm>
+          <a:custGeom>
+            <a:avLst/>
+            <a:gdLst/>
+            <a:ahLst/>
+            <a:cxnLst/>
+            <a:rect l="l" t="t" r="r" b="b"/>
+            <a:pathLst>
+              <a:path w="120000" h="120000" extrusionOk="0">
+                <a:moveTo>
+                  <a:pt x="0" y="0"/>
+                </a:moveTo>
+                <a:lnTo>
+                  <a:pt x="120000" y="0"/>
+                </a:lnTo>
+                <a:lnTo>
+                  <a:pt x="120000" y="120000"/>
+                </a:lnTo>
+                <a:lnTo>
+                  <a:pt x="0" y="120000"/>
+                </a:lnTo>
+                <a:close/>
+              </a:path>
+            </a:pathLst>
+          </a:custGeom>
+        </p:spPr>
+      </p:sp>
+      <p:sp>
+        <p:nvSpPr>
+          <p:cNvPr id="827" name="Google Shape;827;g8c30849765_0_813:notes"/>
+          <p:cNvSpPr txBox="1">
+            <a:spLocks noGrp="1"/>
+          </p:cNvSpPr>
+          <p:nvPr>
+            <p:ph type="body" idx="1"/>
+          </p:nvPr>
+        </p:nvSpPr>
+        <p:spPr>
+          <a:xfrm>
+            <a:off x="685800" y="4343400"/>
+            <a:ext cx="5486400" cy="4114800"/>
+          </a:xfrm>
+          <a:prstGeom prst="rect">
+            <a:avLst/>
+          </a:prstGeom>
+        </p:spPr>
+        <p:txBody>
+          <a:bodyPr spcFirstLastPara="1" wrap="square" lIns="91425" tIns="91425" rIns="91425" bIns="91425" anchor="t" anchorCtr="0">
+            <a:noAutofit/>
+          </a:bodyPr>
+          <a:lstStyle/>
+          <a:p>
+            <a:pPr marL="0" lvl="0" indent="0" algn="l" rtl="0">
+              <a:spcBef>
+                <a:spcPts val="0"/>
+              </a:spcBef>
+              <a:spcAft>
+                <a:spcPts val="0"/>
+              </a:spcAft>
+              <a:buNone/>
+            </a:pPr>
+            <a:endParaRPr/>
+          </a:p>
+        </p:txBody>
+      </p:sp>
+    </p:spTree>
+    <p:extLst>
+      <p:ext uri="{BB962C8B-B14F-4D97-AF65-F5344CB8AC3E}">
+        <p14:creationId xmlns:p14="http://schemas.microsoft.com/office/powerpoint/2010/main" val="4254552494"/>
+      </p:ext>
+    </p:extLst>
+  </p:cSld>
+  <p:clrMapOvr>
+    <a:masterClrMapping/>
+  </p:clrMapOvr>
+</p:notes>
+</file>
+
+<file path=ppt/notesSlides/notesSlide63.xml><?xml version="1.0" encoding="utf-8"?>
+<p:notes xmlns:a="http://schemas.openxmlformats.org/drawingml/2006/main" xmlns:r="http://schemas.openxmlformats.org/officeDocument/2006/relationships" xmlns:p="http://schemas.openxmlformats.org/presentationml/2006/main" showMasterSp="0" showMasterPhAnim="0">
+  <p:cSld>
+    <p:spTree>
+      <p:nvGrpSpPr>
+        <p:cNvPr id="1" name="Shape 825"/>
+        <p:cNvGrpSpPr/>
+        <p:nvPr/>
+      </p:nvGrpSpPr>
+      <p:grpSpPr>
+        <a:xfrm>
+          <a:off x="0" y="0"/>
+          <a:ext cx="0" cy="0"/>
+          <a:chOff x="0" y="0"/>
+          <a:chExt cx="0" cy="0"/>
+        </a:xfrm>
+      </p:grpSpPr>
+      <p:sp>
+        <p:nvSpPr>
+          <p:cNvPr id="826" name="Google Shape;826;g8c30849765_0_813:notes"/>
+          <p:cNvSpPr>
+            <a:spLocks noGrp="1" noRot="1" noChangeAspect="1"/>
+          </p:cNvSpPr>
+          <p:nvPr>
+            <p:ph type="sldImg" idx="2"/>
+          </p:nvPr>
+        </p:nvSpPr>
+        <p:spPr>
+          <a:xfrm>
+            <a:off x="381000" y="685800"/>
+            <a:ext cx="6096000" cy="3429000"/>
+          </a:xfrm>
+          <a:custGeom>
+            <a:avLst/>
+            <a:gdLst/>
+            <a:ahLst/>
+            <a:cxnLst/>
+            <a:rect l="l" t="t" r="r" b="b"/>
+            <a:pathLst>
+              <a:path w="120000" h="120000" extrusionOk="0">
+                <a:moveTo>
+                  <a:pt x="0" y="0"/>
+                </a:moveTo>
+                <a:lnTo>
+                  <a:pt x="120000" y="0"/>
+                </a:lnTo>
+                <a:lnTo>
+                  <a:pt x="120000" y="120000"/>
+                </a:lnTo>
+                <a:lnTo>
+                  <a:pt x="0" y="120000"/>
+                </a:lnTo>
+                <a:close/>
+              </a:path>
+            </a:pathLst>
+          </a:custGeom>
+        </p:spPr>
+      </p:sp>
+      <p:sp>
+        <p:nvSpPr>
+          <p:cNvPr id="827" name="Google Shape;827;g8c30849765_0_813:notes"/>
+          <p:cNvSpPr txBox="1">
+            <a:spLocks noGrp="1"/>
+          </p:cNvSpPr>
+          <p:nvPr>
+            <p:ph type="body" idx="1"/>
+          </p:nvPr>
+        </p:nvSpPr>
+        <p:spPr>
+          <a:xfrm>
+            <a:off x="685800" y="4343400"/>
+            <a:ext cx="5486400" cy="4114800"/>
+          </a:xfrm>
+          <a:prstGeom prst="rect">
+            <a:avLst/>
+          </a:prstGeom>
+        </p:spPr>
+        <p:txBody>
+          <a:bodyPr spcFirstLastPara="1" wrap="square" lIns="91425" tIns="91425" rIns="91425" bIns="91425" anchor="t" anchorCtr="0">
+            <a:noAutofit/>
+          </a:bodyPr>
+          <a:lstStyle/>
+          <a:p>
+            <a:pPr marL="0" lvl="0" indent="0" algn="l" rtl="0">
+              <a:spcBef>
+                <a:spcPts val="0"/>
+              </a:spcBef>
+              <a:spcAft>
+                <a:spcPts val="0"/>
+              </a:spcAft>
+              <a:buNone/>
+            </a:pPr>
+            <a:endParaRPr/>
+          </a:p>
+        </p:txBody>
+      </p:sp>
+    </p:spTree>
+    <p:extLst>
+      <p:ext uri="{BB962C8B-B14F-4D97-AF65-F5344CB8AC3E}">
+        <p14:creationId xmlns:p14="http://schemas.microsoft.com/office/powerpoint/2010/main" val="2129472696"/>
+      </p:ext>
+    </p:extLst>
+  </p:cSld>
+  <p:clrMapOvr>
+    <a:masterClrMapping/>
+  </p:clrMapOvr>
+</p:notes>
+</file>
+
+<file path=ppt/notesSlides/notesSlide64.xml><?xml version="1.0" encoding="utf-8"?>
+<p:notes xmlns:a="http://schemas.openxmlformats.org/drawingml/2006/main" xmlns:r="http://schemas.openxmlformats.org/officeDocument/2006/relationships" xmlns:p="http://schemas.openxmlformats.org/presentationml/2006/main" showMasterSp="0" showMasterPhAnim="0">
+  <p:cSld>
+    <p:spTree>
+      <p:nvGrpSpPr>
+        <p:cNvPr id="1" name="Shape 825"/>
+        <p:cNvGrpSpPr/>
+        <p:nvPr/>
+      </p:nvGrpSpPr>
+      <p:grpSpPr>
+        <a:xfrm>
+          <a:off x="0" y="0"/>
+          <a:ext cx="0" cy="0"/>
+          <a:chOff x="0" y="0"/>
+          <a:chExt cx="0" cy="0"/>
+        </a:xfrm>
+      </p:grpSpPr>
+      <p:sp>
+        <p:nvSpPr>
+          <p:cNvPr id="826" name="Google Shape;826;g8c30849765_0_813:notes"/>
+          <p:cNvSpPr>
+            <a:spLocks noGrp="1" noRot="1" noChangeAspect="1"/>
+          </p:cNvSpPr>
+          <p:nvPr>
+            <p:ph type="sldImg" idx="2"/>
+          </p:nvPr>
+        </p:nvSpPr>
+        <p:spPr>
+          <a:xfrm>
+            <a:off x="381000" y="685800"/>
+            <a:ext cx="6096000" cy="3429000"/>
+          </a:xfrm>
+          <a:custGeom>
+            <a:avLst/>
+            <a:gdLst/>
+            <a:ahLst/>
+            <a:cxnLst/>
+            <a:rect l="l" t="t" r="r" b="b"/>
+            <a:pathLst>
+              <a:path w="120000" h="120000" extrusionOk="0">
+                <a:moveTo>
+                  <a:pt x="0" y="0"/>
+                </a:moveTo>
+                <a:lnTo>
+                  <a:pt x="120000" y="0"/>
+                </a:lnTo>
+                <a:lnTo>
+                  <a:pt x="120000" y="120000"/>
+                </a:lnTo>
+                <a:lnTo>
+                  <a:pt x="0" y="120000"/>
+                </a:lnTo>
+                <a:close/>
+              </a:path>
+            </a:pathLst>
+          </a:custGeom>
+        </p:spPr>
+      </p:sp>
+      <p:sp>
+        <p:nvSpPr>
+          <p:cNvPr id="827" name="Google Shape;827;g8c30849765_0_813:notes"/>
+          <p:cNvSpPr txBox="1">
+            <a:spLocks noGrp="1"/>
+          </p:cNvSpPr>
+          <p:nvPr>
+            <p:ph type="body" idx="1"/>
+          </p:nvPr>
+        </p:nvSpPr>
+        <p:spPr>
+          <a:xfrm>
+            <a:off x="685800" y="4343400"/>
+            <a:ext cx="5486400" cy="4114800"/>
+          </a:xfrm>
+          <a:prstGeom prst="rect">
+            <a:avLst/>
+          </a:prstGeom>
+        </p:spPr>
+        <p:txBody>
+          <a:bodyPr spcFirstLastPara="1" wrap="square" lIns="91425" tIns="91425" rIns="91425" bIns="91425" anchor="t" anchorCtr="0">
+            <a:noAutofit/>
+          </a:bodyPr>
+          <a:lstStyle/>
+          <a:p>
+            <a:pPr marL="0" lvl="0" indent="0" algn="l" rtl="0">
+              <a:spcBef>
+                <a:spcPts val="0"/>
+              </a:spcBef>
+              <a:spcAft>
+                <a:spcPts val="0"/>
+              </a:spcAft>
+              <a:buNone/>
+            </a:pPr>
+            <a:endParaRPr/>
+          </a:p>
+        </p:txBody>
+      </p:sp>
+    </p:spTree>
+    <p:extLst>
+      <p:ext uri="{BB962C8B-B14F-4D97-AF65-F5344CB8AC3E}">
+        <p14:creationId xmlns:p14="http://schemas.microsoft.com/office/powerpoint/2010/main" val="859143092"/>
+      </p:ext>
+    </p:extLst>
+  </p:cSld>
+  <p:clrMapOvr>
+    <a:masterClrMapping/>
+  </p:clrMapOvr>
+</p:notes>
+</file>
+
+<file path=ppt/notesSlides/notesSlide65.xml><?xml version="1.0" encoding="utf-8"?>
+<p:notes xmlns:a="http://schemas.openxmlformats.org/drawingml/2006/main" xmlns:r="http://schemas.openxmlformats.org/officeDocument/2006/relationships" xmlns:p="http://schemas.openxmlformats.org/presentationml/2006/main" showMasterSp="0" showMasterPhAnim="0">
+  <p:cSld>
+    <p:spTree>
+      <p:nvGrpSpPr>
+        <p:cNvPr id="1" name="Shape 825"/>
+        <p:cNvGrpSpPr/>
+        <p:nvPr/>
+      </p:nvGrpSpPr>
+      <p:grpSpPr>
+        <a:xfrm>
+          <a:off x="0" y="0"/>
+          <a:ext cx="0" cy="0"/>
+          <a:chOff x="0" y="0"/>
+          <a:chExt cx="0" cy="0"/>
+        </a:xfrm>
+      </p:grpSpPr>
+      <p:sp>
+        <p:nvSpPr>
+          <p:cNvPr id="826" name="Google Shape;826;g8c30849765_0_813:notes"/>
+          <p:cNvSpPr>
+            <a:spLocks noGrp="1" noRot="1" noChangeAspect="1"/>
+          </p:cNvSpPr>
+          <p:nvPr>
+            <p:ph type="sldImg" idx="2"/>
+          </p:nvPr>
+        </p:nvSpPr>
+        <p:spPr>
+          <a:xfrm>
+            <a:off x="381000" y="685800"/>
+            <a:ext cx="6096000" cy="3429000"/>
+          </a:xfrm>
+          <a:custGeom>
+            <a:avLst/>
+            <a:gdLst/>
+            <a:ahLst/>
+            <a:cxnLst/>
+            <a:rect l="l" t="t" r="r" b="b"/>
+            <a:pathLst>
+              <a:path w="120000" h="120000" extrusionOk="0">
+                <a:moveTo>
+                  <a:pt x="0" y="0"/>
+                </a:moveTo>
+                <a:lnTo>
+                  <a:pt x="120000" y="0"/>
+                </a:lnTo>
+                <a:lnTo>
+                  <a:pt x="120000" y="120000"/>
+                </a:lnTo>
+                <a:lnTo>
+                  <a:pt x="0" y="120000"/>
+                </a:lnTo>
+                <a:close/>
+              </a:path>
+            </a:pathLst>
+          </a:custGeom>
+        </p:spPr>
+      </p:sp>
+      <p:sp>
+        <p:nvSpPr>
+          <p:cNvPr id="827" name="Google Shape;827;g8c30849765_0_813:notes"/>
+          <p:cNvSpPr txBox="1">
+            <a:spLocks noGrp="1"/>
+          </p:cNvSpPr>
+          <p:nvPr>
+            <p:ph type="body" idx="1"/>
+          </p:nvPr>
+        </p:nvSpPr>
+        <p:spPr>
+          <a:xfrm>
+            <a:off x="685800" y="4343400"/>
+            <a:ext cx="5486400" cy="4114800"/>
+          </a:xfrm>
+          <a:prstGeom prst="rect">
+            <a:avLst/>
+          </a:prstGeom>
+        </p:spPr>
+        <p:txBody>
+          <a:bodyPr spcFirstLastPara="1" wrap="square" lIns="91425" tIns="91425" rIns="91425" bIns="91425" anchor="t" anchorCtr="0">
+            <a:noAutofit/>
+          </a:bodyPr>
+          <a:lstStyle/>
+          <a:p>
+            <a:pPr marL="0" lvl="0" indent="0" algn="l" rtl="0">
+              <a:spcBef>
+                <a:spcPts val="0"/>
+              </a:spcBef>
+              <a:spcAft>
+                <a:spcPts val="0"/>
+              </a:spcAft>
+              <a:buNone/>
+            </a:pPr>
+            <a:endParaRPr/>
+          </a:p>
+        </p:txBody>
+      </p:sp>
+    </p:spTree>
+    <p:extLst>
+      <p:ext uri="{BB962C8B-B14F-4D97-AF65-F5344CB8AC3E}">
+        <p14:creationId xmlns:p14="http://schemas.microsoft.com/office/powerpoint/2010/main" val="1770624623"/>
+      </p:ext>
+    </p:extLst>
+  </p:cSld>
+  <p:clrMapOvr>
+    <a:masterClrMapping/>
+  </p:clrMapOvr>
+</p:notes>
+</file>
+
+<file path=ppt/notesSlides/notesSlide66.xml><?xml version="1.0" encoding="utf-8"?>
+<p:notes xmlns:a="http://schemas.openxmlformats.org/drawingml/2006/main" xmlns:r="http://schemas.openxmlformats.org/officeDocument/2006/relationships" xmlns:p="http://schemas.openxmlformats.org/presentationml/2006/main" showMasterSp="0" showMasterPhAnim="0">
+  <p:cSld>
+    <p:spTree>
+      <p:nvGrpSpPr>
+        <p:cNvPr id="1" name="Shape 825"/>
+        <p:cNvGrpSpPr/>
+        <p:nvPr/>
+      </p:nvGrpSpPr>
+      <p:grpSpPr>
+        <a:xfrm>
+          <a:off x="0" y="0"/>
+          <a:ext cx="0" cy="0"/>
+          <a:chOff x="0" y="0"/>
+          <a:chExt cx="0" cy="0"/>
+        </a:xfrm>
+      </p:grpSpPr>
+      <p:sp>
+        <p:nvSpPr>
+          <p:cNvPr id="826" name="Google Shape;826;g8c30849765_0_813:notes"/>
+          <p:cNvSpPr>
+            <a:spLocks noGrp="1" noRot="1" noChangeAspect="1"/>
+          </p:cNvSpPr>
+          <p:nvPr>
+            <p:ph type="sldImg" idx="2"/>
+          </p:nvPr>
+        </p:nvSpPr>
+        <p:spPr>
+          <a:xfrm>
+            <a:off x="381000" y="685800"/>
+            <a:ext cx="6096000" cy="3429000"/>
+          </a:xfrm>
+          <a:custGeom>
+            <a:avLst/>
+            <a:gdLst/>
+            <a:ahLst/>
+            <a:cxnLst/>
+            <a:rect l="l" t="t" r="r" b="b"/>
+            <a:pathLst>
+              <a:path w="120000" h="120000" extrusionOk="0">
+                <a:moveTo>
+                  <a:pt x="0" y="0"/>
+                </a:moveTo>
+                <a:lnTo>
+                  <a:pt x="120000" y="0"/>
+                </a:lnTo>
+                <a:lnTo>
+                  <a:pt x="120000" y="120000"/>
+                </a:lnTo>
+                <a:lnTo>
+                  <a:pt x="0" y="120000"/>
+                </a:lnTo>
+                <a:close/>
+              </a:path>
+            </a:pathLst>
+          </a:custGeom>
+        </p:spPr>
+      </p:sp>
+      <p:sp>
+        <p:nvSpPr>
+          <p:cNvPr id="827" name="Google Shape;827;g8c30849765_0_813:notes"/>
+          <p:cNvSpPr txBox="1">
+            <a:spLocks noGrp="1"/>
+          </p:cNvSpPr>
+          <p:nvPr>
+            <p:ph type="body" idx="1"/>
+          </p:nvPr>
+        </p:nvSpPr>
+        <p:spPr>
+          <a:xfrm>
+            <a:off x="685800" y="4343400"/>
+            <a:ext cx="5486400" cy="4114800"/>
+          </a:xfrm>
+          <a:prstGeom prst="rect">
+            <a:avLst/>
+          </a:prstGeom>
+        </p:spPr>
+        <p:txBody>
+          <a:bodyPr spcFirstLastPara="1" wrap="square" lIns="91425" tIns="91425" rIns="91425" bIns="91425" anchor="t" anchorCtr="0">
+            <a:noAutofit/>
+          </a:bodyPr>
+          <a:lstStyle/>
+          <a:p>
+            <a:pPr marL="0" lvl="0" indent="0" algn="l" rtl="0">
+              <a:spcBef>
+                <a:spcPts val="0"/>
+              </a:spcBef>
+              <a:spcAft>
+                <a:spcPts val="0"/>
+              </a:spcAft>
+              <a:buNone/>
+            </a:pPr>
+            <a:endParaRPr/>
+          </a:p>
+        </p:txBody>
+      </p:sp>
+    </p:spTree>
+    <p:extLst>
+      <p:ext uri="{BB962C8B-B14F-4D97-AF65-F5344CB8AC3E}">
+        <p14:creationId xmlns:p14="http://schemas.microsoft.com/office/powerpoint/2010/main" val="506553663"/>
+      </p:ext>
+    </p:extLst>
+  </p:cSld>
+  <p:clrMapOvr>
+    <a:masterClrMapping/>
+  </p:clrMapOvr>
+</p:notes>
+</file>
+
+<file path=ppt/notesSlides/notesSlide67.xml><?xml version="1.0" encoding="utf-8"?>
+<p:notes xmlns:a="http://schemas.openxmlformats.org/drawingml/2006/main" xmlns:r="http://schemas.openxmlformats.org/officeDocument/2006/relationships" xmlns:p="http://schemas.openxmlformats.org/presentationml/2006/main" showMasterSp="0" showMasterPhAnim="0">
+  <p:cSld>
+    <p:spTree>
+      <p:nvGrpSpPr>
+        <p:cNvPr id="1" name="Shape 825"/>
+        <p:cNvGrpSpPr/>
+        <p:nvPr/>
+      </p:nvGrpSpPr>
+      <p:grpSpPr>
+        <a:xfrm>
+          <a:off x="0" y="0"/>
+          <a:ext cx="0" cy="0"/>
+          <a:chOff x="0" y="0"/>
+          <a:chExt cx="0" cy="0"/>
+        </a:xfrm>
+      </p:grpSpPr>
+      <p:sp>
+        <p:nvSpPr>
+          <p:cNvPr id="826" name="Google Shape;826;g8c30849765_0_813:notes"/>
+          <p:cNvSpPr>
+            <a:spLocks noGrp="1" noRot="1" noChangeAspect="1"/>
+          </p:cNvSpPr>
+          <p:nvPr>
+            <p:ph type="sldImg" idx="2"/>
+          </p:nvPr>
+        </p:nvSpPr>
+        <p:spPr>
+          <a:xfrm>
+            <a:off x="381000" y="685800"/>
+            <a:ext cx="6096000" cy="3429000"/>
+          </a:xfrm>
+          <a:custGeom>
+            <a:avLst/>
+            <a:gdLst/>
+            <a:ahLst/>
+            <a:cxnLst/>
+            <a:rect l="l" t="t" r="r" b="b"/>
+            <a:pathLst>
+              <a:path w="120000" h="120000" extrusionOk="0">
+                <a:moveTo>
+                  <a:pt x="0" y="0"/>
+                </a:moveTo>
+                <a:lnTo>
+                  <a:pt x="120000" y="0"/>
+                </a:lnTo>
+                <a:lnTo>
+                  <a:pt x="120000" y="120000"/>
+                </a:lnTo>
+                <a:lnTo>
+                  <a:pt x="0" y="120000"/>
+                </a:lnTo>
+                <a:close/>
+              </a:path>
+            </a:pathLst>
+          </a:custGeom>
+        </p:spPr>
+      </p:sp>
+      <p:sp>
+        <p:nvSpPr>
+          <p:cNvPr id="827" name="Google Shape;827;g8c30849765_0_813:notes"/>
+          <p:cNvSpPr txBox="1">
+            <a:spLocks noGrp="1"/>
+          </p:cNvSpPr>
+          <p:nvPr>
+            <p:ph type="body" idx="1"/>
+          </p:nvPr>
+        </p:nvSpPr>
+        <p:spPr>
+          <a:xfrm>
+            <a:off x="685800" y="4343400"/>
+            <a:ext cx="5486400" cy="4114800"/>
+          </a:xfrm>
+          <a:prstGeom prst="rect">
+            <a:avLst/>
+          </a:prstGeom>
+        </p:spPr>
+        <p:txBody>
+          <a:bodyPr spcFirstLastPara="1" wrap="square" lIns="91425" tIns="91425" rIns="91425" bIns="91425" anchor="t" anchorCtr="0">
+            <a:noAutofit/>
+          </a:bodyPr>
+          <a:lstStyle/>
+          <a:p>
+            <a:pPr marL="0" lvl="0" indent="0" algn="l" rtl="0">
+              <a:spcBef>
+                <a:spcPts val="0"/>
+              </a:spcBef>
+              <a:spcAft>
+                <a:spcPts val="0"/>
+              </a:spcAft>
+              <a:buNone/>
+            </a:pPr>
+            <a:endParaRPr/>
+          </a:p>
+        </p:txBody>
+      </p:sp>
+    </p:spTree>
+    <p:extLst>
+      <p:ext uri="{BB962C8B-B14F-4D97-AF65-F5344CB8AC3E}">
+        <p14:creationId xmlns:p14="http://schemas.microsoft.com/office/powerpoint/2010/main" val="3068784598"/>
+      </p:ext>
+    </p:extLst>
+  </p:cSld>
+  <p:clrMapOvr>
+    <a:masterClrMapping/>
+  </p:clrMapOvr>
+</p:notes>
+</file>
+
+<file path=ppt/notesSlides/notesSlide68.xml><?xml version="1.0" encoding="utf-8"?>
 <p:notes xmlns:a="http://schemas.openxmlformats.org/drawingml/2006/main" xmlns:r="http://schemas.openxmlformats.org/officeDocument/2006/relationships" xmlns:p="http://schemas.openxmlformats.org/presentationml/2006/main" showMasterSp="0" showMasterPhAnim="0">
   <p:cSld>
     <p:spTree>
@@ -16823,11 +17715,7 @@
             </a:br>
             <a:r>
               <a:rPr lang="en" sz="4000" dirty="0" smtClean="0"/>
-              <a:t>Hari Raya </a:t>
-            </a:r>
-            <a:r>
-              <a:rPr lang="en" sz="4000" dirty="0" smtClean="0"/>
-              <a:t>Natal</a:t>
+              <a:t>Hari Raya Natal</a:t>
             </a:r>
             <a:endParaRPr sz="4000" dirty="0"/>
           </a:p>
@@ -16869,11 +17757,7 @@
             </a:pPr>
             <a:r>
               <a:rPr lang="en" sz="2400" b="1" dirty="0" smtClean="0"/>
-              <a:t>Jumat, 25 </a:t>
-            </a:r>
-            <a:r>
-              <a:rPr lang="en" sz="2400" b="1" dirty="0" smtClean="0"/>
-              <a:t>Desember 2020</a:t>
+              <a:t>Jumat, 25 Desember 2020</a:t>
             </a:r>
             <a:endParaRPr sz="2400" b="1" dirty="0"/>
           </a:p>
@@ -27471,12 +28355,6 @@
               </a:rPr>
               <a:t>Tuhanku!</a:t>
             </a:r>
-            <a:endParaRPr lang="fi-FI" sz="3600" dirty="0">
-              <a:solidFill>
-                <a:schemeClr val="accent4"/>
-              </a:solidFill>
-              <a:latin typeface="Arial Black" panose="020B0A04020102020204" pitchFamily="34" charset="0"/>
-            </a:endParaRPr>
           </a:p>
         </p:txBody>
       </p:sp>
@@ -31253,12 +32131,6 @@
               </a:rPr>
               <a:t>segera,</a:t>
             </a:r>
-            <a:endParaRPr lang="sv-SE" sz="3600" dirty="0">
-              <a:solidFill>
-                <a:schemeClr val="accent4"/>
-              </a:solidFill>
-              <a:latin typeface="Arial Black" panose="020B0A04020102020204" pitchFamily="34" charset="0"/>
-            </a:endParaRPr>
           </a:p>
         </p:txBody>
       </p:sp>
@@ -31682,12 +32554,6 @@
               </a:rPr>
               <a:t>ternak.</a:t>
             </a:r>
-            <a:endParaRPr lang="sv-SE" sz="3600" dirty="0">
-              <a:solidFill>
-                <a:schemeClr val="accent4"/>
-              </a:solidFill>
-              <a:latin typeface="Arial Black" panose="020B0A04020102020204" pitchFamily="34" charset="0"/>
-            </a:endParaRPr>
           </a:p>
         </p:txBody>
       </p:sp>
@@ -32071,12 +32937,6 @@
               </a:rPr>
               <a:t>merdu.</a:t>
             </a:r>
-            <a:endParaRPr lang="fi-FI" sz="3600" dirty="0">
-              <a:solidFill>
-                <a:schemeClr val="accent4"/>
-              </a:solidFill>
-              <a:latin typeface="Arial Black" panose="020B0A04020102020204" pitchFamily="34" charset="0"/>
-            </a:endParaRPr>
           </a:p>
         </p:txBody>
       </p:sp>
@@ -32491,12 +33351,6 @@
               </a:rPr>
               <a:t>malam sepi. </a:t>
             </a:r>
-            <a:endParaRPr lang="sv-SE" sz="3600" dirty="0">
-              <a:solidFill>
-                <a:schemeClr val="accent4"/>
-              </a:solidFill>
-              <a:latin typeface="Arial Black" panose="020B0A04020102020204" pitchFamily="34" charset="0"/>
-            </a:endParaRPr>
           </a:p>
         </p:txBody>
       </p:sp>
@@ -32911,12 +33765,6 @@
               </a:rPr>
               <a:t>surga cerah.</a:t>
             </a:r>
-            <a:endParaRPr lang="sv-SE" sz="3600" dirty="0">
-              <a:solidFill>
-                <a:schemeClr val="accent4"/>
-              </a:solidFill>
-              <a:latin typeface="Arial Black" panose="020B0A04020102020204" pitchFamily="34" charset="0"/>
-            </a:endParaRPr>
           </a:p>
         </p:txBody>
       </p:sp>
@@ -33340,12 +34188,6 @@
               </a:rPr>
               <a:t>dan hening</a:t>
             </a:r>
-            <a:endParaRPr lang="sv-SE" sz="3600" dirty="0">
-              <a:solidFill>
-                <a:schemeClr val="accent4"/>
-              </a:solidFill>
-              <a:latin typeface="Arial Black" panose="020B0A04020102020204" pitchFamily="34" charset="0"/>
-            </a:endParaRPr>
           </a:p>
         </p:txBody>
       </p:sp>
@@ -33769,12 +34611,6 @@
               </a:rPr>
               <a:t>.</a:t>
             </a:r>
-            <a:endParaRPr lang="sv-SE" sz="3600" dirty="0">
-              <a:solidFill>
-                <a:schemeClr val="accent4"/>
-              </a:solidFill>
-              <a:latin typeface="Arial Black" panose="020B0A04020102020204" pitchFamily="34" charset="0"/>
-            </a:endParaRPr>
           </a:p>
         </p:txBody>
       </p:sp>
@@ -36981,12 +37817,6 @@
               </a:rPr>
               <a:t>indah bagimu. </a:t>
             </a:r>
-            <a:endParaRPr lang="sv-SE" sz="3600" dirty="0">
-              <a:solidFill>
-                <a:schemeClr val="accent4"/>
-              </a:solidFill>
-              <a:latin typeface="Arial Black" panose="020B0A04020102020204" pitchFamily="34" charset="0"/>
-            </a:endParaRPr>
           </a:p>
         </p:txBody>
       </p:sp>
@@ -37419,12 +38249,6 @@
               </a:rPr>
               <a:t>Tuhanku!</a:t>
             </a:r>
-            <a:endParaRPr lang="fi-FI" sz="3600" dirty="0">
-              <a:solidFill>
-                <a:schemeClr val="accent4"/>
-              </a:solidFill>
-              <a:latin typeface="Arial Black" panose="020B0A04020102020204" pitchFamily="34" charset="0"/>
-            </a:endParaRPr>
           </a:p>
         </p:txBody>
       </p:sp>
@@ -37857,12 +38681,6 @@
               </a:rPr>
               <a:t>bagi umat manusia</a:t>
             </a:r>
-            <a:endParaRPr lang="sv-SE" sz="3600" dirty="0">
-              <a:solidFill>
-                <a:schemeClr val="accent4"/>
-              </a:solidFill>
-              <a:latin typeface="Arial Black" panose="020B0A04020102020204" pitchFamily="34" charset="0"/>
-            </a:endParaRPr>
           </a:p>
         </p:txBody>
       </p:sp>
@@ -38246,12 +39064,6 @@
               </a:rPr>
               <a:t>kabar yang cerah.</a:t>
             </a:r>
-            <a:endParaRPr lang="sv-SE" sz="3600" dirty="0">
-              <a:solidFill>
-                <a:schemeClr val="accent4"/>
-              </a:solidFill>
-              <a:latin typeface="Arial Black" panose="020B0A04020102020204" pitchFamily="34" charset="0"/>
-            </a:endParaRPr>
           </a:p>
         </p:txBody>
       </p:sp>
@@ -38690,12 +39502,6 @@
               </a:rPr>
               <a:t>.</a:t>
             </a:r>
-            <a:endParaRPr lang="sv-SE" sz="3600" dirty="0">
-              <a:solidFill>
-                <a:schemeClr val="accent4"/>
-              </a:solidFill>
-              <a:latin typeface="Arial Black" panose="020B0A04020102020204" pitchFamily="34" charset="0"/>
-            </a:endParaRPr>
           </a:p>
         </p:txBody>
       </p:sp>
@@ -39054,12 +39860,6 @@
               </a:rPr>
               <a:t>yang sepi.</a:t>
             </a:r>
-            <a:endParaRPr lang="sv-SE" sz="3600" dirty="0">
-              <a:solidFill>
-                <a:schemeClr val="accent4"/>
-              </a:solidFill>
-              <a:latin typeface="Arial Black" panose="020B0A04020102020204" pitchFamily="34" charset="0"/>
-            </a:endParaRPr>
           </a:p>
         </p:txBody>
       </p:sp>
@@ -39474,12 +40274,6 @@
               </a:rPr>
               <a:t>umat manusia.</a:t>
             </a:r>
-            <a:endParaRPr lang="sv-SE" sz="3600" dirty="0">
-              <a:solidFill>
-                <a:schemeClr val="accent4"/>
-              </a:solidFill>
-              <a:latin typeface="Arial Black" panose="020B0A04020102020204" pitchFamily="34" charset="0"/>
-            </a:endParaRPr>
           </a:p>
         </p:txBody>
       </p:sp>
@@ -39795,12 +40589,52 @@
           <a:p>
             <a:pPr algn="ctr"/>
             <a:r>
-              <a:rPr lang="en-US" sz="4000">
+              <a:rPr lang="en-ID" sz="4000" dirty="0" smtClean="0">
                 <a:solidFill>
                   <a:schemeClr val="accent4"/>
                 </a:solidFill>
               </a:rPr>
-              <a:t>Gita Surga Bergema </a:t>
+              <a:t>Di </a:t>
+            </a:r>
+            <a:r>
+              <a:rPr lang="en-ID" sz="4000" dirty="0" err="1" smtClean="0">
+                <a:solidFill>
+                  <a:schemeClr val="accent4"/>
+                </a:solidFill>
+              </a:rPr>
+              <a:t>Betlehem</a:t>
+            </a:r>
+            <a:r>
+              <a:rPr lang="en-ID" sz="4000" dirty="0" smtClean="0">
+                <a:solidFill>
+                  <a:schemeClr val="accent4"/>
+                </a:solidFill>
+              </a:rPr>
+              <a:t> </a:t>
+            </a:r>
+            <a:r>
+              <a:rPr lang="en-ID" sz="4000" dirty="0" err="1" smtClean="0">
+                <a:solidFill>
+                  <a:schemeClr val="accent4"/>
+                </a:solidFill>
+              </a:rPr>
+              <a:t>T’lah</a:t>
+            </a:r>
+            <a:r>
+              <a:rPr lang="en-ID" sz="4000" dirty="0" smtClean="0">
+                <a:solidFill>
+                  <a:schemeClr val="accent4"/>
+                </a:solidFill>
+              </a:rPr>
+              <a:t> </a:t>
+            </a:r>
+            <a:r>
+              <a:rPr lang="en-ID" sz="4000" dirty="0" err="1" smtClean="0">
+                <a:solidFill>
+                  <a:schemeClr val="accent4"/>
+                </a:solidFill>
+              </a:rPr>
+              <a:t>Lahir</a:t>
             </a:r>
             <a:endParaRPr lang="en-US" sz="4000" dirty="0">
               <a:solidFill>
@@ -40089,44 +40923,13 @@
               </a:spcAft>
             </a:pPr>
             <a:r>
-              <a:rPr lang="pt-BR" sz="3600" dirty="0">
+              <a:rPr lang="pt-BR" sz="3600" dirty="0" smtClean="0">
                 <a:solidFill>
                   <a:schemeClr val="accent4"/>
                 </a:solidFill>
                 <a:latin typeface="Arial Black" panose="020B0A04020102020204" pitchFamily="34" charset="0"/>
               </a:rPr>
-              <a:t>Gita surga bergema, </a:t>
-            </a:r>
-            <a:endParaRPr lang="pt-BR" sz="3600" dirty="0" smtClean="0">
-              <a:solidFill>
-                <a:schemeClr val="accent4"/>
-              </a:solidFill>
-              <a:latin typeface="Arial Black" panose="020B0A04020102020204" pitchFamily="34" charset="0"/>
-            </a:endParaRPr>
-          </a:p>
-          <a:p>
-            <a:pPr marL="152400" indent="0" algn="l">
-              <a:spcAft>
-                <a:spcPts val="1200"/>
-              </a:spcAft>
-            </a:pPr>
-            <a:r>
-              <a:rPr lang="pt-BR" sz="3600" dirty="0" smtClean="0">
-                <a:solidFill>
-                  <a:schemeClr val="accent4"/>
-                </a:solidFill>
-                <a:latin typeface="Arial Black" panose="020B0A04020102020204" pitchFamily="34" charset="0"/>
-              </a:rPr>
-              <a:t>"</a:t>
-            </a:r>
-            <a:r>
-              <a:rPr lang="pt-BR" sz="3600" dirty="0">
-                <a:solidFill>
-                  <a:schemeClr val="accent4"/>
-                </a:solidFill>
-                <a:latin typeface="Arial Black" panose="020B0A04020102020204" pitchFamily="34" charset="0"/>
-              </a:rPr>
-              <a:t>Lahir Raja mulia!</a:t>
+              <a:t>Di Betlehem tlah lahir </a:t>
             </a:r>
           </a:p>
           <a:p>
@@ -40142,23 +40945,8 @@
                 </a:solidFill>
                 <a:latin typeface="Arial Black" panose="020B0A04020102020204" pitchFamily="34" charset="0"/>
               </a:rPr>
-              <a:t>Damai </a:t>
+              <a:t>seorang Putera</a:t>
             </a:r>
-            <a:r>
-              <a:rPr lang="pt-BR" sz="3600" dirty="0">
-                <a:solidFill>
-                  <a:schemeClr val="accent4"/>
-                </a:solidFill>
-                <a:latin typeface="Arial Black" panose="020B0A04020102020204" pitchFamily="34" charset="0"/>
-              </a:rPr>
-              <a:t>dan sejahtera </a:t>
-            </a:r>
-            <a:endParaRPr lang="pt-BR" sz="3600" dirty="0" smtClean="0">
-              <a:solidFill>
-                <a:schemeClr val="accent4"/>
-              </a:solidFill>
-              <a:latin typeface="Arial Black" panose="020B0A04020102020204" pitchFamily="34" charset="0"/>
-            </a:endParaRPr>
           </a:p>
           <a:p>
             <a:pPr marL="152400" indent="0" algn="l">
@@ -40173,16 +40961,23 @@
                 </a:solidFill>
                 <a:latin typeface="Arial Black" panose="020B0A04020102020204" pitchFamily="34" charset="0"/>
               </a:rPr>
-              <a:t>turun </a:t>
+              <a:t>Semoga’ku menjadi </a:t>
             </a:r>
+          </a:p>
+          <a:p>
+            <a:pPr marL="152400" indent="0" algn="l">
+              <a:spcAft>
+                <a:spcPts val="1200"/>
+              </a:spcAft>
+            </a:pPr>
             <a:r>
-              <a:rPr lang="pt-BR" sz="3600" dirty="0">
+              <a:rPr lang="pt-BR" sz="3600" dirty="0" smtClean="0">
                 <a:solidFill>
                   <a:schemeClr val="accent4"/>
                 </a:solidFill>
                 <a:latin typeface="Arial Black" panose="020B0A04020102020204" pitchFamily="34" charset="0"/>
               </a:rPr>
-              <a:t>dalam dunia."</a:t>
+              <a:t>abadi milikNya</a:t>
             </a:r>
             <a:endParaRPr lang="pt-BR" sz="3600" dirty="0">
               <a:solidFill>
@@ -40196,7 +40991,7 @@
     </p:spTree>
     <p:extLst>
       <p:ext uri="{BB962C8B-B14F-4D97-AF65-F5344CB8AC3E}">
-        <p14:creationId xmlns:p14="http://schemas.microsoft.com/office/powerpoint/2010/main" val="2717324518"/>
+        <p14:creationId xmlns:p14="http://schemas.microsoft.com/office/powerpoint/2010/main" val="4131269218"/>
       </p:ext>
     </p:extLst>
   </p:cSld>
@@ -40240,8 +41035,8 @@
         </p:nvSpPr>
         <p:spPr>
           <a:xfrm>
-            <a:off x="414671" y="264083"/>
-            <a:ext cx="8612371" cy="3052179"/>
+            <a:off x="372140" y="1348602"/>
+            <a:ext cx="8314659" cy="3052179"/>
           </a:xfrm>
           <a:prstGeom prst="rect">
             <a:avLst/>
@@ -40509,44 +41304,13 @@
               </a:spcAft>
             </a:pPr>
             <a:r>
-              <a:rPr lang="sv-SE" sz="3600" dirty="0">
+              <a:rPr lang="pt-BR" sz="3600" dirty="0" smtClean="0">
                 <a:solidFill>
                   <a:schemeClr val="accent4"/>
                 </a:solidFill>
                 <a:latin typeface="Arial Black" panose="020B0A04020102020204" pitchFamily="34" charset="0"/>
               </a:rPr>
-              <a:t>Bangsa-bangsa, bangkitlah </a:t>
-            </a:r>
-            <a:endParaRPr lang="sv-SE" sz="3600" dirty="0" smtClean="0">
-              <a:solidFill>
-                <a:schemeClr val="accent4"/>
-              </a:solidFill>
-              <a:latin typeface="Arial Black" panose="020B0A04020102020204" pitchFamily="34" charset="0"/>
-            </a:endParaRPr>
-          </a:p>
-          <a:p>
-            <a:pPr marL="152400" indent="0" algn="l">
-              <a:spcAft>
-                <a:spcPts val="1200"/>
-              </a:spcAft>
-            </a:pPr>
-            <a:r>
-              <a:rPr lang="sv-SE" sz="3600" dirty="0" smtClean="0">
-                <a:solidFill>
-                  <a:schemeClr val="accent4"/>
-                </a:solidFill>
-                <a:latin typeface="Arial Black" panose="020B0A04020102020204" pitchFamily="34" charset="0"/>
-              </a:rPr>
-              <a:t>permaklumkan </a:t>
-            </a:r>
-            <a:r>
-              <a:rPr lang="sv-SE" sz="3600" dirty="0">
-                <a:solidFill>
-                  <a:schemeClr val="accent4"/>
-                </a:solidFill>
-                <a:latin typeface="Arial Black" panose="020B0A04020102020204" pitchFamily="34" charset="0"/>
-              </a:rPr>
-              <a:t>segera,</a:t>
+              <a:t>Sungguh, </a:t>
             </a:r>
           </a:p>
           <a:p>
@@ -40556,114 +41320,15 @@
               </a:spcAft>
             </a:pPr>
             <a:r>
-              <a:rPr lang="sv-SE" sz="3600" dirty="0" smtClean="0">
+              <a:rPr lang="pt-BR" sz="3600" dirty="0" smtClean="0">
                 <a:solidFill>
                   <a:schemeClr val="accent4"/>
                 </a:solidFill>
                 <a:latin typeface="Arial Black" panose="020B0A04020102020204" pitchFamily="34" charset="0"/>
               </a:rPr>
-              <a:t>Kabar </a:t>
+              <a:t>sungguh abdi miliknya</a:t>
             </a:r>
-            <a:r>
-              <a:rPr lang="sv-SE" sz="3600" dirty="0">
-                <a:solidFill>
-                  <a:schemeClr val="accent4"/>
-                </a:solidFill>
-                <a:latin typeface="Arial Black" panose="020B0A04020102020204" pitchFamily="34" charset="0"/>
-              </a:rPr>
-              <a:t>baik </a:t>
-            </a:r>
-            <a:r>
-              <a:rPr lang="sv-SE" sz="3600" dirty="0" smtClean="0">
-                <a:solidFill>
-                  <a:schemeClr val="accent4"/>
-                </a:solidFill>
-                <a:latin typeface="Arial Black" panose="020B0A04020102020204" pitchFamily="34" charset="0"/>
-              </a:rPr>
-              <a:t>cemerlang</a:t>
-            </a:r>
-          </a:p>
-          <a:p>
-            <a:pPr marL="152400" indent="0" algn="l">
-              <a:spcAft>
-                <a:spcPts val="1200"/>
-              </a:spcAft>
-            </a:pPr>
-            <a:r>
-              <a:rPr lang="sv-SE" sz="3600" dirty="0" smtClean="0">
-                <a:solidFill>
-                  <a:schemeClr val="accent4"/>
-                </a:solidFill>
-                <a:latin typeface="Arial Black" panose="020B0A04020102020204" pitchFamily="34" charset="0"/>
-              </a:rPr>
-              <a:t>Lahir </a:t>
-            </a:r>
-            <a:r>
-              <a:rPr lang="sv-SE" sz="3600" dirty="0">
-                <a:solidFill>
-                  <a:schemeClr val="accent4"/>
-                </a:solidFill>
-                <a:latin typeface="Arial Black" panose="020B0A04020102020204" pitchFamily="34" charset="0"/>
-              </a:rPr>
-              <a:t>Kristus, Sang Terang!</a:t>
-            </a:r>
-          </a:p>
-          <a:p>
-            <a:pPr marL="152400" indent="0" algn="l">
-              <a:spcAft>
-                <a:spcPts val="1200"/>
-              </a:spcAft>
-            </a:pPr>
-            <a:r>
-              <a:rPr lang="sv-SE" sz="3600" dirty="0" smtClean="0">
-                <a:solidFill>
-                  <a:schemeClr val="accent4"/>
-                </a:solidFill>
-                <a:latin typeface="Arial Black" panose="020B0A04020102020204" pitchFamily="34" charset="0"/>
-              </a:rPr>
-              <a:t>Gita </a:t>
-            </a:r>
-            <a:r>
-              <a:rPr lang="sv-SE" sz="3600" dirty="0">
-                <a:solidFill>
-                  <a:schemeClr val="accent4"/>
-                </a:solidFill>
-                <a:latin typeface="Arial Black" panose="020B0A04020102020204" pitchFamily="34" charset="0"/>
-              </a:rPr>
-              <a:t>surga bergema, </a:t>
-            </a:r>
-            <a:endParaRPr lang="sv-SE" sz="3600" dirty="0" smtClean="0">
-              <a:solidFill>
-                <a:schemeClr val="accent4"/>
-              </a:solidFill>
-              <a:latin typeface="Arial Black" panose="020B0A04020102020204" pitchFamily="34" charset="0"/>
-            </a:endParaRPr>
-          </a:p>
-          <a:p>
-            <a:pPr marL="152400" indent="0" algn="l">
-              <a:spcAft>
-                <a:spcPts val="1200"/>
-              </a:spcAft>
-            </a:pPr>
-            <a:r>
-              <a:rPr lang="sv-SE" sz="3600" dirty="0" smtClean="0">
-                <a:solidFill>
-                  <a:schemeClr val="accent4"/>
-                </a:solidFill>
-                <a:latin typeface="Arial Black" panose="020B0A04020102020204" pitchFamily="34" charset="0"/>
-              </a:rPr>
-              <a:t>"</a:t>
-            </a:r>
-            <a:r>
-              <a:rPr lang="sv-SE" sz="3600" dirty="0">
-                <a:solidFill>
-                  <a:schemeClr val="accent4"/>
-                </a:solidFill>
-                <a:latin typeface="Arial Black" panose="020B0A04020102020204" pitchFamily="34" charset="0"/>
-              </a:rPr>
-              <a:t>Lahir Raja mulia !"</a:t>
-            </a:r>
-            <a:endParaRPr lang="sv-SE" sz="3600" dirty="0">
+            <a:endParaRPr lang="pt-BR" sz="3600" dirty="0">
               <a:solidFill>
                 <a:schemeClr val="accent4"/>
               </a:solidFill>
@@ -40675,7 +41340,7 @@
     </p:spTree>
     <p:extLst>
       <p:ext uri="{BB962C8B-B14F-4D97-AF65-F5344CB8AC3E}">
-        <p14:creationId xmlns:p14="http://schemas.microsoft.com/office/powerpoint/2010/main" val="770542484"/>
+        <p14:creationId xmlns:p14="http://schemas.microsoft.com/office/powerpoint/2010/main" val="1851220741"/>
       </p:ext>
     </p:extLst>
   </p:cSld>
@@ -40719,8 +41384,8 @@
         </p:nvSpPr>
         <p:spPr>
           <a:xfrm>
-            <a:off x="340243" y="774443"/>
-            <a:ext cx="8559208" cy="3052179"/>
+            <a:off x="372140" y="1348602"/>
+            <a:ext cx="8314659" cy="3052179"/>
           </a:xfrm>
           <a:prstGeom prst="rect">
             <a:avLst/>
@@ -40988,44 +41653,13 @@
               </a:spcAft>
             </a:pPr>
             <a:r>
-              <a:rPr lang="pt-BR" sz="3600" dirty="0">
+              <a:rPr lang="pt-BR" sz="3600" dirty="0" smtClean="0">
                 <a:solidFill>
                   <a:schemeClr val="accent4"/>
                 </a:solidFill>
                 <a:latin typeface="Arial Black" panose="020B0A04020102020204" pitchFamily="34" charset="0"/>
               </a:rPr>
-              <a:t>Yang di surga disembah Kristus, </a:t>
-            </a:r>
-            <a:endParaRPr lang="pt-BR" sz="3600" dirty="0" smtClean="0">
-              <a:solidFill>
-                <a:schemeClr val="accent4"/>
-              </a:solidFill>
-              <a:latin typeface="Arial Black" panose="020B0A04020102020204" pitchFamily="34" charset="0"/>
-            </a:endParaRPr>
-          </a:p>
-          <a:p>
-            <a:pPr marL="152400" indent="0" algn="l">
-              <a:spcAft>
-                <a:spcPts val="1200"/>
-              </a:spcAft>
-            </a:pPr>
-            <a:r>
-              <a:rPr lang="pt-BR" sz="3600" dirty="0" smtClean="0">
-                <a:solidFill>
-                  <a:schemeClr val="accent4"/>
-                </a:solidFill>
-                <a:latin typeface="Arial Black" panose="020B0A04020102020204" pitchFamily="34" charset="0"/>
-              </a:rPr>
-              <a:t>Raja </a:t>
-            </a:r>
-            <a:r>
-              <a:rPr lang="pt-BR" sz="3600" dirty="0">
-                <a:solidFill>
-                  <a:schemeClr val="accent4"/>
-                </a:solidFill>
-                <a:latin typeface="Arial Black" panose="020B0A04020102020204" pitchFamily="34" charset="0"/>
-              </a:rPr>
-              <a:t>yang baka,</a:t>
+              <a:t>Hatiku ku benamkan </a:t>
             </a:r>
           </a:p>
           <a:p>
@@ -41041,23 +41675,8 @@
                 </a:solidFill>
                 <a:latin typeface="Arial Black" panose="020B0A04020102020204" pitchFamily="34" charset="0"/>
               </a:rPr>
-              <a:t>Lahir </a:t>
+              <a:t>Di dalam kasihNya</a:t>
             </a:r>
-            <a:r>
-              <a:rPr lang="pt-BR" sz="3600" dirty="0">
-                <a:solidFill>
-                  <a:schemeClr val="accent4"/>
-                </a:solidFill>
-                <a:latin typeface="Arial Black" panose="020B0A04020102020204" pitchFamily="34" charset="0"/>
-              </a:rPr>
-              <a:t>dalam dunia </a:t>
-            </a:r>
-            <a:endParaRPr lang="pt-BR" sz="3600" dirty="0" smtClean="0">
-              <a:solidFill>
-                <a:schemeClr val="accent4"/>
-              </a:solidFill>
-              <a:latin typeface="Arial Black" panose="020B0A04020102020204" pitchFamily="34" charset="0"/>
-            </a:endParaRPr>
           </a:p>
           <a:p>
             <a:pPr marL="152400" indent="0" algn="l">
@@ -41072,16 +41691,23 @@
                 </a:solidFill>
                 <a:latin typeface="Arial Black" panose="020B0A04020102020204" pitchFamily="34" charset="0"/>
               </a:rPr>
-              <a:t>dan </a:t>
+              <a:t>Padanya ku serahkan diriku</a:t>
             </a:r>
+          </a:p>
+          <a:p>
+            <a:pPr marL="152400" indent="0" algn="l">
+              <a:spcAft>
+                <a:spcPts val="1200"/>
+              </a:spcAft>
+            </a:pPr>
             <a:r>
-              <a:rPr lang="pt-BR" sz="3600" dirty="0">
+              <a:rPr lang="pt-BR" sz="3600" dirty="0" smtClean="0">
                 <a:solidFill>
                   <a:schemeClr val="accent4"/>
                 </a:solidFill>
                 <a:latin typeface="Arial Black" panose="020B0A04020102020204" pitchFamily="34" charset="0"/>
               </a:rPr>
-              <a:t>Maria bundaNya.</a:t>
+              <a:t>Selamanya</a:t>
             </a:r>
             <a:endParaRPr lang="pt-BR" sz="3600" dirty="0">
               <a:solidFill>
@@ -41095,7 +41721,7 @@
     </p:spTree>
     <p:extLst>
       <p:ext uri="{BB962C8B-B14F-4D97-AF65-F5344CB8AC3E}">
-        <p14:creationId xmlns:p14="http://schemas.microsoft.com/office/powerpoint/2010/main" val="1884011829"/>
+        <p14:creationId xmlns:p14="http://schemas.microsoft.com/office/powerpoint/2010/main" val="1063978790"/>
       </p:ext>
     </p:extLst>
   </p:cSld>
@@ -41139,8 +41765,8 @@
         </p:nvSpPr>
         <p:spPr>
           <a:xfrm>
-            <a:off x="414671" y="327877"/>
-            <a:ext cx="8612371" cy="3052179"/>
+            <a:off x="372140" y="1348602"/>
+            <a:ext cx="8314659" cy="3052179"/>
           </a:xfrm>
           <a:prstGeom prst="rect">
             <a:avLst/>
@@ -41408,53 +42034,13 @@
               </a:spcAft>
             </a:pPr>
             <a:r>
-              <a:rPr lang="sv-SE" sz="3600" dirty="0">
+              <a:rPr lang="pt-BR" sz="3600" dirty="0" smtClean="0">
                 <a:solidFill>
                   <a:schemeClr val="accent4"/>
                 </a:solidFill>
                 <a:latin typeface="Arial Black" panose="020B0A04020102020204" pitchFamily="34" charset="0"/>
               </a:rPr>
-              <a:t>Dalam daging dikenal Firman </a:t>
-            </a:r>
-            <a:endParaRPr lang="sv-SE" sz="3600" dirty="0" smtClean="0">
-              <a:solidFill>
-                <a:schemeClr val="accent4"/>
-              </a:solidFill>
-              <a:latin typeface="Arial Black" panose="020B0A04020102020204" pitchFamily="34" charset="0"/>
-            </a:endParaRPr>
-          </a:p>
-          <a:p>
-            <a:pPr marL="152400" indent="0" algn="l">
-              <a:spcAft>
-                <a:spcPts val="1200"/>
-              </a:spcAft>
-            </a:pPr>
-            <a:r>
-              <a:rPr lang="sv-SE" sz="3600" dirty="0" smtClean="0">
-                <a:solidFill>
-                  <a:schemeClr val="accent4"/>
-                </a:solidFill>
-                <a:latin typeface="Arial Black" panose="020B0A04020102020204" pitchFamily="34" charset="0"/>
-              </a:rPr>
-              <a:t>Allah </a:t>
-            </a:r>
-            <a:r>
-              <a:rPr lang="sv-SE" sz="3600" dirty="0">
-                <a:solidFill>
-                  <a:schemeClr val="accent4"/>
-                </a:solidFill>
-                <a:latin typeface="Arial Black" panose="020B0A04020102020204" pitchFamily="34" charset="0"/>
-              </a:rPr>
-              <a:t>yang </a:t>
-            </a:r>
-            <a:r>
-              <a:rPr lang="sv-SE" sz="3600" dirty="0" smtClean="0">
-                <a:solidFill>
-                  <a:schemeClr val="accent4"/>
-                </a:solidFill>
-                <a:latin typeface="Arial Black" panose="020B0A04020102020204" pitchFamily="34" charset="0"/>
-              </a:rPr>
-              <a:t>kekal </a:t>
+              <a:t>Sungguh, </a:t>
             </a:r>
           </a:p>
           <a:p>
@@ -41464,120 +42050,15 @@
               </a:spcAft>
             </a:pPr>
             <a:r>
-              <a:rPr lang="sv-SE" sz="3600" dirty="0">
+              <a:rPr lang="pt-BR" sz="3600" dirty="0" smtClean="0">
                 <a:solidFill>
                   <a:schemeClr val="accent4"/>
                 </a:solidFill>
                 <a:latin typeface="Arial Black" panose="020B0A04020102020204" pitchFamily="34" charset="0"/>
               </a:rPr>
-              <a:t>D</a:t>
+              <a:t>sungguh diriku selamanya</a:t>
             </a:r>
-            <a:r>
-              <a:rPr lang="sv-SE" sz="3600" dirty="0" smtClean="0">
-                <a:solidFill>
-                  <a:schemeClr val="accent4"/>
-                </a:solidFill>
-                <a:latin typeface="Arial Black" panose="020B0A04020102020204" pitchFamily="34" charset="0"/>
-              </a:rPr>
-              <a:t>alam </a:t>
-            </a:r>
-            <a:r>
-              <a:rPr lang="sv-SE" sz="3600" dirty="0">
-                <a:solidFill>
-                  <a:schemeClr val="accent4"/>
-                </a:solidFill>
-                <a:latin typeface="Arial Black" panose="020B0A04020102020204" pitchFamily="34" charset="0"/>
-              </a:rPr>
-              <a:t>Anak yang kecil </a:t>
-            </a:r>
-            <a:endParaRPr lang="sv-SE" sz="3600" dirty="0" smtClean="0">
-              <a:solidFill>
-                <a:schemeClr val="accent4"/>
-              </a:solidFill>
-              <a:latin typeface="Arial Black" panose="020B0A04020102020204" pitchFamily="34" charset="0"/>
-            </a:endParaRPr>
-          </a:p>
-          <a:p>
-            <a:pPr marL="152400" indent="0" algn="l">
-              <a:spcAft>
-                <a:spcPts val="1200"/>
-              </a:spcAft>
-            </a:pPr>
-            <a:r>
-              <a:rPr lang="sv-SE" sz="3600" dirty="0" smtClean="0">
-                <a:solidFill>
-                  <a:schemeClr val="accent4"/>
-                </a:solidFill>
-                <a:latin typeface="Arial Black" panose="020B0A04020102020204" pitchFamily="34" charset="0"/>
-              </a:rPr>
-              <a:t>nyatalah </a:t>
-            </a:r>
-            <a:r>
-              <a:rPr lang="sv-SE" sz="3600" dirty="0">
-                <a:solidFill>
-                  <a:schemeClr val="accent4"/>
-                </a:solidFill>
-                <a:latin typeface="Arial Black" panose="020B0A04020102020204" pitchFamily="34" charset="0"/>
-              </a:rPr>
-              <a:t>Imanuel !</a:t>
-            </a:r>
-          </a:p>
-          <a:p>
-            <a:pPr marL="152400" indent="0" algn="l">
-              <a:spcAft>
-                <a:spcPts val="1200"/>
-              </a:spcAft>
-            </a:pPr>
-            <a:r>
-              <a:rPr lang="sv-SE" sz="3600" dirty="0" smtClean="0">
-                <a:solidFill>
-                  <a:schemeClr val="accent4"/>
-                </a:solidFill>
-                <a:latin typeface="Arial Black" panose="020B0A04020102020204" pitchFamily="34" charset="0"/>
-              </a:rPr>
-              <a:t>Gita </a:t>
-            </a:r>
-            <a:r>
-              <a:rPr lang="sv-SE" sz="3600" dirty="0">
-                <a:solidFill>
-                  <a:schemeClr val="accent4"/>
-                </a:solidFill>
-                <a:latin typeface="Arial Black" panose="020B0A04020102020204" pitchFamily="34" charset="0"/>
-              </a:rPr>
-              <a:t>surga bergema, </a:t>
-            </a:r>
-            <a:endParaRPr lang="sv-SE" sz="3600" dirty="0" smtClean="0">
-              <a:solidFill>
-                <a:schemeClr val="accent4"/>
-              </a:solidFill>
-              <a:latin typeface="Arial Black" panose="020B0A04020102020204" pitchFamily="34" charset="0"/>
-            </a:endParaRPr>
-          </a:p>
-          <a:p>
-            <a:pPr marL="152400" indent="0" algn="l">
-              <a:spcAft>
-                <a:spcPts val="1200"/>
-              </a:spcAft>
-            </a:pPr>
-            <a:r>
-              <a:rPr lang="sv-SE" sz="3600" dirty="0" smtClean="0">
-                <a:solidFill>
-                  <a:schemeClr val="accent4"/>
-                </a:solidFill>
-                <a:latin typeface="Arial Black" panose="020B0A04020102020204" pitchFamily="34" charset="0"/>
-              </a:rPr>
-              <a:t>"</a:t>
-            </a:r>
-            <a:r>
-              <a:rPr lang="sv-SE" sz="3600" dirty="0">
-                <a:solidFill>
-                  <a:schemeClr val="accent4"/>
-                </a:solidFill>
-                <a:latin typeface="Arial Black" panose="020B0A04020102020204" pitchFamily="34" charset="0"/>
-              </a:rPr>
-              <a:t>Lahir Raja mulia!"</a:t>
-            </a:r>
-            <a:endParaRPr lang="sv-SE" sz="3600" dirty="0">
+            <a:endParaRPr lang="pt-BR" sz="3600" dirty="0">
               <a:solidFill>
                 <a:schemeClr val="accent4"/>
               </a:solidFill>
@@ -41589,7 +42070,7 @@
     </p:spTree>
     <p:extLst>
       <p:ext uri="{BB962C8B-B14F-4D97-AF65-F5344CB8AC3E}">
-        <p14:creationId xmlns:p14="http://schemas.microsoft.com/office/powerpoint/2010/main" val="3686982243"/>
+        <p14:creationId xmlns:p14="http://schemas.microsoft.com/office/powerpoint/2010/main" val="1695178090"/>
       </p:ext>
     </p:extLst>
   </p:cSld>
@@ -41633,8 +42114,8 @@
         </p:nvSpPr>
         <p:spPr>
           <a:xfrm>
-            <a:off x="340243" y="774443"/>
-            <a:ext cx="8559208" cy="3052179"/>
+            <a:off x="372140" y="1348602"/>
+            <a:ext cx="8314659" cy="3052179"/>
           </a:xfrm>
           <a:prstGeom prst="rect">
             <a:avLst/>
@@ -41902,44 +42383,13 @@
               </a:spcAft>
             </a:pPr>
             <a:r>
-              <a:rPr lang="pt-BR" sz="3600" dirty="0">
+              <a:rPr lang="pt-BR" sz="3600" dirty="0" smtClean="0">
                 <a:solidFill>
                   <a:schemeClr val="accent4"/>
                 </a:solidFill>
                 <a:latin typeface="Arial Black" panose="020B0A04020102020204" pitchFamily="34" charset="0"/>
               </a:rPr>
-              <a:t>Raja Damai yang besar, </a:t>
-            </a:r>
-            <a:endParaRPr lang="pt-BR" sz="3600" dirty="0" smtClean="0">
-              <a:solidFill>
-                <a:schemeClr val="accent4"/>
-              </a:solidFill>
-              <a:latin typeface="Arial Black" panose="020B0A04020102020204" pitchFamily="34" charset="0"/>
-            </a:endParaRPr>
-          </a:p>
-          <a:p>
-            <a:pPr marL="152400" indent="0" algn="l">
-              <a:spcAft>
-                <a:spcPts val="1200"/>
-              </a:spcAft>
-            </a:pPr>
-            <a:r>
-              <a:rPr lang="pt-BR" sz="3600" dirty="0" smtClean="0">
-                <a:solidFill>
-                  <a:schemeClr val="accent4"/>
-                </a:solidFill>
-                <a:latin typeface="Arial Black" panose="020B0A04020102020204" pitchFamily="34" charset="0"/>
-              </a:rPr>
-              <a:t>Surya </a:t>
-            </a:r>
-            <a:r>
-              <a:rPr lang="pt-BR" sz="3600" dirty="0">
-                <a:solidFill>
-                  <a:schemeClr val="accent4"/>
-                </a:solidFill>
-                <a:latin typeface="Arial Black" panose="020B0A04020102020204" pitchFamily="34" charset="0"/>
-              </a:rPr>
-              <a:t>Hidup yang benar,</a:t>
+              <a:t>Ya Yesus kau ku cinta</a:t>
             </a:r>
           </a:p>
           <a:p>
@@ -41955,23 +42405,8 @@
                 </a:solidFill>
                 <a:latin typeface="Arial Black" panose="020B0A04020102020204" pitchFamily="34" charset="0"/>
               </a:rPr>
-              <a:t>menyembuhkan </a:t>
+              <a:t>Sepanjang hidupku</a:t>
             </a:r>
-            <a:r>
-              <a:rPr lang="pt-BR" sz="3600" dirty="0">
-                <a:solidFill>
-                  <a:schemeClr val="accent4"/>
-                </a:solidFill>
-                <a:latin typeface="Arial Black" panose="020B0A04020102020204" pitchFamily="34" charset="0"/>
-              </a:rPr>
-              <a:t>dunia </a:t>
-            </a:r>
-            <a:endParaRPr lang="pt-BR" sz="3600" dirty="0" smtClean="0">
-              <a:solidFill>
-                <a:schemeClr val="accent4"/>
-              </a:solidFill>
-              <a:latin typeface="Arial Black" panose="020B0A04020102020204" pitchFamily="34" charset="0"/>
-            </a:endParaRPr>
           </a:p>
           <a:p>
             <a:pPr marL="152400" indent="0" algn="l">
@@ -41986,16 +42421,23 @@
                 </a:solidFill>
                 <a:latin typeface="Arial Black" panose="020B0A04020102020204" pitchFamily="34" charset="0"/>
               </a:rPr>
-              <a:t>di </a:t>
+              <a:t>Bagiku makin indah </a:t>
             </a:r>
+          </a:p>
+          <a:p>
+            <a:pPr marL="152400" indent="0" algn="l">
+              <a:spcAft>
+                <a:spcPts val="1200"/>
+              </a:spcAft>
+            </a:pPr>
             <a:r>
-              <a:rPr lang="pt-BR" sz="3600" dirty="0">
+              <a:rPr lang="pt-BR" sz="3600" dirty="0" smtClean="0">
                 <a:solidFill>
                   <a:schemeClr val="accent4"/>
                 </a:solidFill>
                 <a:latin typeface="Arial Black" panose="020B0A04020102020204" pitchFamily="34" charset="0"/>
               </a:rPr>
-              <a:t>naungan sayapNya,</a:t>
+              <a:t>Cahya kasihMu</a:t>
             </a:r>
             <a:endParaRPr lang="pt-BR" sz="3600" dirty="0">
               <a:solidFill>
@@ -42009,7 +42451,7 @@
     </p:spTree>
     <p:extLst>
       <p:ext uri="{BB962C8B-B14F-4D97-AF65-F5344CB8AC3E}">
-        <p14:creationId xmlns:p14="http://schemas.microsoft.com/office/powerpoint/2010/main" val="1493349074"/>
+        <p14:creationId xmlns:p14="http://schemas.microsoft.com/office/powerpoint/2010/main" val="788047614"/>
       </p:ext>
     </p:extLst>
   </p:cSld>
@@ -42417,12 +42859,6 @@
               </a:rPr>
               <a:t>dunia.</a:t>
             </a:r>
-            <a:endParaRPr lang="fi-FI" sz="3600" dirty="0">
-              <a:solidFill>
-                <a:schemeClr val="accent4"/>
-              </a:solidFill>
-              <a:latin typeface="Arial Black" panose="020B0A04020102020204" pitchFamily="34" charset="0"/>
-            </a:endParaRPr>
           </a:p>
         </p:txBody>
       </p:sp>
@@ -42473,6 +42909,2676 @@
         </p:nvSpPr>
         <p:spPr>
           <a:xfrm>
+            <a:off x="372140" y="1348602"/>
+            <a:ext cx="8314659" cy="3052179"/>
+          </a:xfrm>
+          <a:prstGeom prst="rect">
+            <a:avLst/>
+          </a:prstGeom>
+          <a:noFill/>
+          <a:ln>
+            <a:noFill/>
+          </a:ln>
+        </p:spPr>
+        <p:txBody>
+          <a:bodyPr spcFirstLastPara="1" wrap="square" lIns="91425" tIns="91425" rIns="91425" bIns="91425" anchor="t" anchorCtr="0">
+            <a:noAutofit/>
+          </a:bodyPr>
+          <a:lstStyle>
+            <a:defPPr marR="0" lvl="0" algn="l" rtl="0">
+              <a:lnSpc>
+                <a:spcPct val="100000"/>
+              </a:lnSpc>
+              <a:spcBef>
+                <a:spcPts val="0"/>
+              </a:spcBef>
+              <a:spcAft>
+                <a:spcPts val="0"/>
+              </a:spcAft>
+            </a:defPPr>
+            <a:lvl1pPr marL="457200" marR="0" lvl="0" indent="-323850" algn="ctr" rtl="0">
+              <a:lnSpc>
+                <a:spcPct val="115000"/>
+              </a:lnSpc>
+              <a:spcBef>
+                <a:spcPts val="0"/>
+              </a:spcBef>
+              <a:spcAft>
+                <a:spcPts val="0"/>
+              </a:spcAft>
+              <a:buClr>
+                <a:srgbClr val="FBFBFB"/>
+              </a:buClr>
+              <a:buSzPts val="2000"/>
+              <a:buFont typeface="Holtwood One SC"/>
+              <a:buNone/>
+              <a:defRPr sz="2200" b="0" i="0" u="none" strike="noStrike" cap="none">
+                <a:solidFill>
+                  <a:schemeClr val="dk2"/>
+                </a:solidFill>
+                <a:latin typeface="Fredoka One"/>
+                <a:ea typeface="Fredoka One"/>
+                <a:cs typeface="Fredoka One"/>
+                <a:sym typeface="Fredoka One"/>
+              </a:defRPr>
+            </a:lvl1pPr>
+            <a:lvl2pPr marL="914400" marR="0" lvl="1" indent="-323850" algn="l" rtl="0">
+              <a:lnSpc>
+                <a:spcPct val="115000"/>
+              </a:lnSpc>
+              <a:spcBef>
+                <a:spcPts val="1600"/>
+              </a:spcBef>
+              <a:spcAft>
+                <a:spcPts val="0"/>
+              </a:spcAft>
+              <a:buClr>
+                <a:srgbClr val="FBFBFB"/>
+              </a:buClr>
+              <a:buSzPts val="2000"/>
+              <a:buFont typeface="Holtwood One SC"/>
+              <a:buNone/>
+              <a:defRPr sz="2000" b="0" i="0" u="none" strike="noStrike" cap="none">
+                <a:solidFill>
+                  <a:srgbClr val="FBFBFB"/>
+                </a:solidFill>
+                <a:latin typeface="Holtwood One SC"/>
+                <a:ea typeface="Holtwood One SC"/>
+                <a:cs typeface="Holtwood One SC"/>
+                <a:sym typeface="Holtwood One SC"/>
+              </a:defRPr>
+            </a:lvl2pPr>
+            <a:lvl3pPr marL="1371600" marR="0" lvl="2" indent="-323850" algn="l" rtl="0">
+              <a:lnSpc>
+                <a:spcPct val="115000"/>
+              </a:lnSpc>
+              <a:spcBef>
+                <a:spcPts val="1600"/>
+              </a:spcBef>
+              <a:spcAft>
+                <a:spcPts val="0"/>
+              </a:spcAft>
+              <a:buClr>
+                <a:srgbClr val="FBFBFB"/>
+              </a:buClr>
+              <a:buSzPts val="2000"/>
+              <a:buFont typeface="Holtwood One SC"/>
+              <a:buNone/>
+              <a:defRPr sz="2000" b="0" i="0" u="none" strike="noStrike" cap="none">
+                <a:solidFill>
+                  <a:srgbClr val="FBFBFB"/>
+                </a:solidFill>
+                <a:latin typeface="Holtwood One SC"/>
+                <a:ea typeface="Holtwood One SC"/>
+                <a:cs typeface="Holtwood One SC"/>
+                <a:sym typeface="Holtwood One SC"/>
+              </a:defRPr>
+            </a:lvl3pPr>
+            <a:lvl4pPr marL="1828800" marR="0" lvl="3" indent="-323850" algn="l" rtl="0">
+              <a:lnSpc>
+                <a:spcPct val="115000"/>
+              </a:lnSpc>
+              <a:spcBef>
+                <a:spcPts val="1600"/>
+              </a:spcBef>
+              <a:spcAft>
+                <a:spcPts val="0"/>
+              </a:spcAft>
+              <a:buClr>
+                <a:srgbClr val="FBFBFB"/>
+              </a:buClr>
+              <a:buSzPts val="2000"/>
+              <a:buFont typeface="Holtwood One SC"/>
+              <a:buNone/>
+              <a:defRPr sz="2000" b="0" i="0" u="none" strike="noStrike" cap="none">
+                <a:solidFill>
+                  <a:srgbClr val="FBFBFB"/>
+                </a:solidFill>
+                <a:latin typeface="Holtwood One SC"/>
+                <a:ea typeface="Holtwood One SC"/>
+                <a:cs typeface="Holtwood One SC"/>
+                <a:sym typeface="Holtwood One SC"/>
+              </a:defRPr>
+            </a:lvl4pPr>
+            <a:lvl5pPr marL="2286000" marR="0" lvl="4" indent="-323850" algn="l" rtl="0">
+              <a:lnSpc>
+                <a:spcPct val="115000"/>
+              </a:lnSpc>
+              <a:spcBef>
+                <a:spcPts val="1600"/>
+              </a:spcBef>
+              <a:spcAft>
+                <a:spcPts val="0"/>
+              </a:spcAft>
+              <a:buClr>
+                <a:srgbClr val="FBFBFB"/>
+              </a:buClr>
+              <a:buSzPts val="2000"/>
+              <a:buFont typeface="Holtwood One SC"/>
+              <a:buNone/>
+              <a:defRPr sz="2000" b="0" i="0" u="none" strike="noStrike" cap="none">
+                <a:solidFill>
+                  <a:srgbClr val="FBFBFB"/>
+                </a:solidFill>
+                <a:latin typeface="Holtwood One SC"/>
+                <a:ea typeface="Holtwood One SC"/>
+                <a:cs typeface="Holtwood One SC"/>
+                <a:sym typeface="Holtwood One SC"/>
+              </a:defRPr>
+            </a:lvl5pPr>
+            <a:lvl6pPr marL="2743200" marR="0" lvl="5" indent="-323850" algn="l" rtl="0">
+              <a:lnSpc>
+                <a:spcPct val="115000"/>
+              </a:lnSpc>
+              <a:spcBef>
+                <a:spcPts val="1600"/>
+              </a:spcBef>
+              <a:spcAft>
+                <a:spcPts val="0"/>
+              </a:spcAft>
+              <a:buClr>
+                <a:srgbClr val="FBFBFB"/>
+              </a:buClr>
+              <a:buSzPts val="2000"/>
+              <a:buFont typeface="Holtwood One SC"/>
+              <a:buNone/>
+              <a:defRPr sz="2000" b="0" i="0" u="none" strike="noStrike" cap="none">
+                <a:solidFill>
+                  <a:srgbClr val="FBFBFB"/>
+                </a:solidFill>
+                <a:latin typeface="Holtwood One SC"/>
+                <a:ea typeface="Holtwood One SC"/>
+                <a:cs typeface="Holtwood One SC"/>
+                <a:sym typeface="Holtwood One SC"/>
+              </a:defRPr>
+            </a:lvl6pPr>
+            <a:lvl7pPr marL="3200400" marR="0" lvl="6" indent="-317500" algn="l" rtl="0">
+              <a:lnSpc>
+                <a:spcPct val="115000"/>
+              </a:lnSpc>
+              <a:spcBef>
+                <a:spcPts val="1600"/>
+              </a:spcBef>
+              <a:spcAft>
+                <a:spcPts val="0"/>
+              </a:spcAft>
+              <a:buClr>
+                <a:srgbClr val="FBFBFB"/>
+              </a:buClr>
+              <a:buSzPts val="2000"/>
+              <a:buFont typeface="Holtwood One SC"/>
+              <a:buNone/>
+              <a:defRPr sz="2000" b="0" i="0" u="none" strike="noStrike" cap="none">
+                <a:solidFill>
+                  <a:srgbClr val="FBFBFB"/>
+                </a:solidFill>
+                <a:latin typeface="Holtwood One SC"/>
+                <a:ea typeface="Holtwood One SC"/>
+                <a:cs typeface="Holtwood One SC"/>
+                <a:sym typeface="Holtwood One SC"/>
+              </a:defRPr>
+            </a:lvl7pPr>
+            <a:lvl8pPr marL="3657600" marR="0" lvl="7" indent="-317500" algn="l" rtl="0">
+              <a:lnSpc>
+                <a:spcPct val="115000"/>
+              </a:lnSpc>
+              <a:spcBef>
+                <a:spcPts val="1600"/>
+              </a:spcBef>
+              <a:spcAft>
+                <a:spcPts val="0"/>
+              </a:spcAft>
+              <a:buClr>
+                <a:schemeClr val="dk2"/>
+              </a:buClr>
+              <a:buSzPts val="2000"/>
+              <a:buFont typeface="Holtwood One SC"/>
+              <a:buNone/>
+              <a:defRPr sz="2000" b="0" i="0" u="none" strike="noStrike" cap="none">
+                <a:solidFill>
+                  <a:schemeClr val="dk2"/>
+                </a:solidFill>
+                <a:latin typeface="Holtwood One SC"/>
+                <a:ea typeface="Holtwood One SC"/>
+                <a:cs typeface="Holtwood One SC"/>
+                <a:sym typeface="Holtwood One SC"/>
+              </a:defRPr>
+            </a:lvl8pPr>
+            <a:lvl9pPr marL="4114800" marR="0" lvl="8" indent="-317500" algn="l" rtl="0">
+              <a:lnSpc>
+                <a:spcPct val="115000"/>
+              </a:lnSpc>
+              <a:spcBef>
+                <a:spcPts val="1600"/>
+              </a:spcBef>
+              <a:spcAft>
+                <a:spcPts val="1600"/>
+              </a:spcAft>
+              <a:buClr>
+                <a:schemeClr val="dk2"/>
+              </a:buClr>
+              <a:buSzPts val="2000"/>
+              <a:buFont typeface="Holtwood One SC"/>
+              <a:buNone/>
+              <a:defRPr sz="2000" b="0" i="0" u="none" strike="noStrike" cap="none">
+                <a:solidFill>
+                  <a:schemeClr val="dk2"/>
+                </a:solidFill>
+                <a:latin typeface="Holtwood One SC"/>
+                <a:ea typeface="Holtwood One SC"/>
+                <a:cs typeface="Holtwood One SC"/>
+                <a:sym typeface="Holtwood One SC"/>
+              </a:defRPr>
+            </a:lvl9pPr>
+          </a:lstStyle>
+          <a:p>
+            <a:pPr marL="152400" indent="0" algn="l">
+              <a:spcAft>
+                <a:spcPts val="1200"/>
+              </a:spcAft>
+            </a:pPr>
+            <a:r>
+              <a:rPr lang="pt-BR" sz="3600" dirty="0" smtClean="0">
+                <a:solidFill>
+                  <a:schemeClr val="accent4"/>
+                </a:solidFill>
+                <a:latin typeface="Arial Black" panose="020B0A04020102020204" pitchFamily="34" charset="0"/>
+              </a:rPr>
+              <a:t>Sungguh, </a:t>
+            </a:r>
+          </a:p>
+          <a:p>
+            <a:pPr marL="152400" indent="0" algn="l">
+              <a:spcAft>
+                <a:spcPts val="1200"/>
+              </a:spcAft>
+            </a:pPr>
+            <a:r>
+              <a:rPr lang="pt-BR" sz="3600" dirty="0" smtClean="0">
+                <a:solidFill>
+                  <a:schemeClr val="accent4"/>
+                </a:solidFill>
+                <a:latin typeface="Arial Black" panose="020B0A04020102020204" pitchFamily="34" charset="0"/>
+              </a:rPr>
+              <a:t>sungguh cahaya kasihMu</a:t>
+            </a:r>
+            <a:endParaRPr lang="pt-BR" sz="3600" dirty="0">
+              <a:solidFill>
+                <a:schemeClr val="accent4"/>
+              </a:solidFill>
+              <a:latin typeface="Arial Black" panose="020B0A04020102020204" pitchFamily="34" charset="0"/>
+            </a:endParaRPr>
+          </a:p>
+        </p:txBody>
+      </p:sp>
+    </p:spTree>
+    <p:extLst>
+      <p:ext uri="{BB962C8B-B14F-4D97-AF65-F5344CB8AC3E}">
+        <p14:creationId xmlns:p14="http://schemas.microsoft.com/office/powerpoint/2010/main" val="94441062"/>
+      </p:ext>
+    </p:extLst>
+  </p:cSld>
+  <p:clrMapOvr>
+    <a:masterClrMapping/>
+  </p:clrMapOvr>
+  <p:timing>
+    <p:tnLst>
+      <p:par>
+        <p:cTn id="1" dur="indefinite" restart="never" nodeType="tmRoot"/>
+      </p:par>
+    </p:tnLst>
+  </p:timing>
+</p:sld>
+</file>
+
+<file path=ppt/slides/slide61.xml><?xml version="1.0" encoding="utf-8"?>
+<p:sld xmlns:a="http://schemas.openxmlformats.org/drawingml/2006/main" xmlns:r="http://schemas.openxmlformats.org/officeDocument/2006/relationships" xmlns:p="http://schemas.openxmlformats.org/presentationml/2006/main">
+  <p:cSld>
+    <p:spTree>
+      <p:nvGrpSpPr>
+        <p:cNvPr id="1" name="Shape 828"/>
+        <p:cNvGrpSpPr/>
+        <p:nvPr/>
+      </p:nvGrpSpPr>
+      <p:grpSpPr>
+        <a:xfrm>
+          <a:off x="0" y="0"/>
+          <a:ext cx="0" cy="0"/>
+          <a:chOff x="0" y="0"/>
+          <a:chExt cx="0" cy="0"/>
+        </a:xfrm>
+      </p:grpSpPr>
+      <p:sp>
+        <p:nvSpPr>
+          <p:cNvPr id="7" name="Text Placeholder 1"/>
+          <p:cNvSpPr txBox="1">
+            <a:spLocks/>
+          </p:cNvSpPr>
+          <p:nvPr/>
+        </p:nvSpPr>
+        <p:spPr>
+          <a:xfrm>
+            <a:off x="372140" y="1348602"/>
+            <a:ext cx="8314659" cy="3052179"/>
+          </a:xfrm>
+          <a:prstGeom prst="rect">
+            <a:avLst/>
+          </a:prstGeom>
+          <a:noFill/>
+          <a:ln>
+            <a:noFill/>
+          </a:ln>
+        </p:spPr>
+        <p:txBody>
+          <a:bodyPr spcFirstLastPara="1" wrap="square" lIns="91425" tIns="91425" rIns="91425" bIns="91425" anchor="t" anchorCtr="0">
+            <a:noAutofit/>
+          </a:bodyPr>
+          <a:lstStyle>
+            <a:defPPr marR="0" lvl="0" algn="l" rtl="0">
+              <a:lnSpc>
+                <a:spcPct val="100000"/>
+              </a:lnSpc>
+              <a:spcBef>
+                <a:spcPts val="0"/>
+              </a:spcBef>
+              <a:spcAft>
+                <a:spcPts val="0"/>
+              </a:spcAft>
+            </a:defPPr>
+            <a:lvl1pPr marL="457200" marR="0" lvl="0" indent="-323850" algn="ctr" rtl="0">
+              <a:lnSpc>
+                <a:spcPct val="115000"/>
+              </a:lnSpc>
+              <a:spcBef>
+                <a:spcPts val="0"/>
+              </a:spcBef>
+              <a:spcAft>
+                <a:spcPts val="0"/>
+              </a:spcAft>
+              <a:buClr>
+                <a:srgbClr val="FBFBFB"/>
+              </a:buClr>
+              <a:buSzPts val="2000"/>
+              <a:buFont typeface="Holtwood One SC"/>
+              <a:buNone/>
+              <a:defRPr sz="2200" b="0" i="0" u="none" strike="noStrike" cap="none">
+                <a:solidFill>
+                  <a:schemeClr val="dk2"/>
+                </a:solidFill>
+                <a:latin typeface="Fredoka One"/>
+                <a:ea typeface="Fredoka One"/>
+                <a:cs typeface="Fredoka One"/>
+                <a:sym typeface="Fredoka One"/>
+              </a:defRPr>
+            </a:lvl1pPr>
+            <a:lvl2pPr marL="914400" marR="0" lvl="1" indent="-323850" algn="l" rtl="0">
+              <a:lnSpc>
+                <a:spcPct val="115000"/>
+              </a:lnSpc>
+              <a:spcBef>
+                <a:spcPts val="1600"/>
+              </a:spcBef>
+              <a:spcAft>
+                <a:spcPts val="0"/>
+              </a:spcAft>
+              <a:buClr>
+                <a:srgbClr val="FBFBFB"/>
+              </a:buClr>
+              <a:buSzPts val="2000"/>
+              <a:buFont typeface="Holtwood One SC"/>
+              <a:buNone/>
+              <a:defRPr sz="2000" b="0" i="0" u="none" strike="noStrike" cap="none">
+                <a:solidFill>
+                  <a:srgbClr val="FBFBFB"/>
+                </a:solidFill>
+                <a:latin typeface="Holtwood One SC"/>
+                <a:ea typeface="Holtwood One SC"/>
+                <a:cs typeface="Holtwood One SC"/>
+                <a:sym typeface="Holtwood One SC"/>
+              </a:defRPr>
+            </a:lvl2pPr>
+            <a:lvl3pPr marL="1371600" marR="0" lvl="2" indent="-323850" algn="l" rtl="0">
+              <a:lnSpc>
+                <a:spcPct val="115000"/>
+              </a:lnSpc>
+              <a:spcBef>
+                <a:spcPts val="1600"/>
+              </a:spcBef>
+              <a:spcAft>
+                <a:spcPts val="0"/>
+              </a:spcAft>
+              <a:buClr>
+                <a:srgbClr val="FBFBFB"/>
+              </a:buClr>
+              <a:buSzPts val="2000"/>
+              <a:buFont typeface="Holtwood One SC"/>
+              <a:buNone/>
+              <a:defRPr sz="2000" b="0" i="0" u="none" strike="noStrike" cap="none">
+                <a:solidFill>
+                  <a:srgbClr val="FBFBFB"/>
+                </a:solidFill>
+                <a:latin typeface="Holtwood One SC"/>
+                <a:ea typeface="Holtwood One SC"/>
+                <a:cs typeface="Holtwood One SC"/>
+                <a:sym typeface="Holtwood One SC"/>
+              </a:defRPr>
+            </a:lvl3pPr>
+            <a:lvl4pPr marL="1828800" marR="0" lvl="3" indent="-323850" algn="l" rtl="0">
+              <a:lnSpc>
+                <a:spcPct val="115000"/>
+              </a:lnSpc>
+              <a:spcBef>
+                <a:spcPts val="1600"/>
+              </a:spcBef>
+              <a:spcAft>
+                <a:spcPts val="0"/>
+              </a:spcAft>
+              <a:buClr>
+                <a:srgbClr val="FBFBFB"/>
+              </a:buClr>
+              <a:buSzPts val="2000"/>
+              <a:buFont typeface="Holtwood One SC"/>
+              <a:buNone/>
+              <a:defRPr sz="2000" b="0" i="0" u="none" strike="noStrike" cap="none">
+                <a:solidFill>
+                  <a:srgbClr val="FBFBFB"/>
+                </a:solidFill>
+                <a:latin typeface="Holtwood One SC"/>
+                <a:ea typeface="Holtwood One SC"/>
+                <a:cs typeface="Holtwood One SC"/>
+                <a:sym typeface="Holtwood One SC"/>
+              </a:defRPr>
+            </a:lvl4pPr>
+            <a:lvl5pPr marL="2286000" marR="0" lvl="4" indent="-323850" algn="l" rtl="0">
+              <a:lnSpc>
+                <a:spcPct val="115000"/>
+              </a:lnSpc>
+              <a:spcBef>
+                <a:spcPts val="1600"/>
+              </a:spcBef>
+              <a:spcAft>
+                <a:spcPts val="0"/>
+              </a:spcAft>
+              <a:buClr>
+                <a:srgbClr val="FBFBFB"/>
+              </a:buClr>
+              <a:buSzPts val="2000"/>
+              <a:buFont typeface="Holtwood One SC"/>
+              <a:buNone/>
+              <a:defRPr sz="2000" b="0" i="0" u="none" strike="noStrike" cap="none">
+                <a:solidFill>
+                  <a:srgbClr val="FBFBFB"/>
+                </a:solidFill>
+                <a:latin typeface="Holtwood One SC"/>
+                <a:ea typeface="Holtwood One SC"/>
+                <a:cs typeface="Holtwood One SC"/>
+                <a:sym typeface="Holtwood One SC"/>
+              </a:defRPr>
+            </a:lvl5pPr>
+            <a:lvl6pPr marL="2743200" marR="0" lvl="5" indent="-323850" algn="l" rtl="0">
+              <a:lnSpc>
+                <a:spcPct val="115000"/>
+              </a:lnSpc>
+              <a:spcBef>
+                <a:spcPts val="1600"/>
+              </a:spcBef>
+              <a:spcAft>
+                <a:spcPts val="0"/>
+              </a:spcAft>
+              <a:buClr>
+                <a:srgbClr val="FBFBFB"/>
+              </a:buClr>
+              <a:buSzPts val="2000"/>
+              <a:buFont typeface="Holtwood One SC"/>
+              <a:buNone/>
+              <a:defRPr sz="2000" b="0" i="0" u="none" strike="noStrike" cap="none">
+                <a:solidFill>
+                  <a:srgbClr val="FBFBFB"/>
+                </a:solidFill>
+                <a:latin typeface="Holtwood One SC"/>
+                <a:ea typeface="Holtwood One SC"/>
+                <a:cs typeface="Holtwood One SC"/>
+                <a:sym typeface="Holtwood One SC"/>
+              </a:defRPr>
+            </a:lvl6pPr>
+            <a:lvl7pPr marL="3200400" marR="0" lvl="6" indent="-317500" algn="l" rtl="0">
+              <a:lnSpc>
+                <a:spcPct val="115000"/>
+              </a:lnSpc>
+              <a:spcBef>
+                <a:spcPts val="1600"/>
+              </a:spcBef>
+              <a:spcAft>
+                <a:spcPts val="0"/>
+              </a:spcAft>
+              <a:buClr>
+                <a:srgbClr val="FBFBFB"/>
+              </a:buClr>
+              <a:buSzPts val="2000"/>
+              <a:buFont typeface="Holtwood One SC"/>
+              <a:buNone/>
+              <a:defRPr sz="2000" b="0" i="0" u="none" strike="noStrike" cap="none">
+                <a:solidFill>
+                  <a:srgbClr val="FBFBFB"/>
+                </a:solidFill>
+                <a:latin typeface="Holtwood One SC"/>
+                <a:ea typeface="Holtwood One SC"/>
+                <a:cs typeface="Holtwood One SC"/>
+                <a:sym typeface="Holtwood One SC"/>
+              </a:defRPr>
+            </a:lvl7pPr>
+            <a:lvl8pPr marL="3657600" marR="0" lvl="7" indent="-317500" algn="l" rtl="0">
+              <a:lnSpc>
+                <a:spcPct val="115000"/>
+              </a:lnSpc>
+              <a:spcBef>
+                <a:spcPts val="1600"/>
+              </a:spcBef>
+              <a:spcAft>
+                <a:spcPts val="0"/>
+              </a:spcAft>
+              <a:buClr>
+                <a:schemeClr val="dk2"/>
+              </a:buClr>
+              <a:buSzPts val="2000"/>
+              <a:buFont typeface="Holtwood One SC"/>
+              <a:buNone/>
+              <a:defRPr sz="2000" b="0" i="0" u="none" strike="noStrike" cap="none">
+                <a:solidFill>
+                  <a:schemeClr val="dk2"/>
+                </a:solidFill>
+                <a:latin typeface="Holtwood One SC"/>
+                <a:ea typeface="Holtwood One SC"/>
+                <a:cs typeface="Holtwood One SC"/>
+                <a:sym typeface="Holtwood One SC"/>
+              </a:defRPr>
+            </a:lvl8pPr>
+            <a:lvl9pPr marL="4114800" marR="0" lvl="8" indent="-317500" algn="l" rtl="0">
+              <a:lnSpc>
+                <a:spcPct val="115000"/>
+              </a:lnSpc>
+              <a:spcBef>
+                <a:spcPts val="1600"/>
+              </a:spcBef>
+              <a:spcAft>
+                <a:spcPts val="1600"/>
+              </a:spcAft>
+              <a:buClr>
+                <a:schemeClr val="dk2"/>
+              </a:buClr>
+              <a:buSzPts val="2000"/>
+              <a:buFont typeface="Holtwood One SC"/>
+              <a:buNone/>
+              <a:defRPr sz="2000" b="0" i="0" u="none" strike="noStrike" cap="none">
+                <a:solidFill>
+                  <a:schemeClr val="dk2"/>
+                </a:solidFill>
+                <a:latin typeface="Holtwood One SC"/>
+                <a:ea typeface="Holtwood One SC"/>
+                <a:cs typeface="Holtwood One SC"/>
+                <a:sym typeface="Holtwood One SC"/>
+              </a:defRPr>
+            </a:lvl9pPr>
+          </a:lstStyle>
+          <a:p>
+            <a:pPr marL="152400" indent="0" algn="l">
+              <a:spcAft>
+                <a:spcPts val="1200"/>
+              </a:spcAft>
+            </a:pPr>
+            <a:r>
+              <a:rPr lang="pt-BR" sz="3600" dirty="0" smtClean="0">
+                <a:solidFill>
+                  <a:schemeClr val="accent4"/>
+                </a:solidFill>
+                <a:latin typeface="Arial Black" panose="020B0A04020102020204" pitchFamily="34" charset="0"/>
+              </a:rPr>
+              <a:t>Tandanya ku aminkan</a:t>
+            </a:r>
+          </a:p>
+          <a:p>
+            <a:pPr marL="152400" indent="0" algn="l">
+              <a:spcAft>
+                <a:spcPts val="1200"/>
+              </a:spcAft>
+            </a:pPr>
+            <a:r>
+              <a:rPr lang="pt-BR" sz="3600" dirty="0" smtClean="0">
+                <a:solidFill>
+                  <a:schemeClr val="accent4"/>
+                </a:solidFill>
+                <a:latin typeface="Arial Black" panose="020B0A04020102020204" pitchFamily="34" charset="0"/>
+              </a:rPr>
+              <a:t>Jaminan janjiMu</a:t>
+            </a:r>
+          </a:p>
+          <a:p>
+            <a:pPr marL="152400" indent="0" algn="l">
+              <a:spcAft>
+                <a:spcPts val="1200"/>
+              </a:spcAft>
+            </a:pPr>
+            <a:r>
+              <a:rPr lang="pt-BR" sz="3600" dirty="0" smtClean="0">
+                <a:solidFill>
+                  <a:schemeClr val="accent4"/>
+                </a:solidFill>
+                <a:latin typeface="Arial Black" panose="020B0A04020102020204" pitchFamily="34" charset="0"/>
+              </a:rPr>
+              <a:t>padaMu ku titipkan </a:t>
+            </a:r>
+          </a:p>
+          <a:p>
+            <a:pPr marL="152400" indent="0" algn="l">
+              <a:spcAft>
+                <a:spcPts val="1200"/>
+              </a:spcAft>
+            </a:pPr>
+            <a:r>
+              <a:rPr lang="pt-BR" sz="3600" dirty="0" smtClean="0">
+                <a:solidFill>
+                  <a:schemeClr val="accent4"/>
+                </a:solidFill>
+                <a:latin typeface="Arial Black" panose="020B0A04020102020204" pitchFamily="34" charset="0"/>
+              </a:rPr>
+              <a:t>Seluruh hatiku</a:t>
+            </a:r>
+            <a:endParaRPr lang="pt-BR" sz="3600" dirty="0">
+              <a:solidFill>
+                <a:schemeClr val="accent4"/>
+              </a:solidFill>
+              <a:latin typeface="Arial Black" panose="020B0A04020102020204" pitchFamily="34" charset="0"/>
+            </a:endParaRPr>
+          </a:p>
+        </p:txBody>
+      </p:sp>
+    </p:spTree>
+    <p:extLst>
+      <p:ext uri="{BB962C8B-B14F-4D97-AF65-F5344CB8AC3E}">
+        <p14:creationId xmlns:p14="http://schemas.microsoft.com/office/powerpoint/2010/main" val="2207264409"/>
+      </p:ext>
+    </p:extLst>
+  </p:cSld>
+  <p:clrMapOvr>
+    <a:masterClrMapping/>
+  </p:clrMapOvr>
+  <p:timing>
+    <p:tnLst>
+      <p:par>
+        <p:cTn id="1" dur="indefinite" restart="never" nodeType="tmRoot"/>
+      </p:par>
+    </p:tnLst>
+  </p:timing>
+</p:sld>
+</file>
+
+<file path=ppt/slides/slide62.xml><?xml version="1.0" encoding="utf-8"?>
+<p:sld xmlns:a="http://schemas.openxmlformats.org/drawingml/2006/main" xmlns:r="http://schemas.openxmlformats.org/officeDocument/2006/relationships" xmlns:p="http://schemas.openxmlformats.org/presentationml/2006/main">
+  <p:cSld>
+    <p:spTree>
+      <p:nvGrpSpPr>
+        <p:cNvPr id="1" name="Shape 828"/>
+        <p:cNvGrpSpPr/>
+        <p:nvPr/>
+      </p:nvGrpSpPr>
+      <p:grpSpPr>
+        <a:xfrm>
+          <a:off x="0" y="0"/>
+          <a:ext cx="0" cy="0"/>
+          <a:chOff x="0" y="0"/>
+          <a:chExt cx="0" cy="0"/>
+        </a:xfrm>
+      </p:grpSpPr>
+      <p:sp>
+        <p:nvSpPr>
+          <p:cNvPr id="7" name="Text Placeholder 1"/>
+          <p:cNvSpPr txBox="1">
+            <a:spLocks/>
+          </p:cNvSpPr>
+          <p:nvPr/>
+        </p:nvSpPr>
+        <p:spPr>
+          <a:xfrm>
+            <a:off x="372140" y="1348602"/>
+            <a:ext cx="8314659" cy="3052179"/>
+          </a:xfrm>
+          <a:prstGeom prst="rect">
+            <a:avLst/>
+          </a:prstGeom>
+          <a:noFill/>
+          <a:ln>
+            <a:noFill/>
+          </a:ln>
+        </p:spPr>
+        <p:txBody>
+          <a:bodyPr spcFirstLastPara="1" wrap="square" lIns="91425" tIns="91425" rIns="91425" bIns="91425" anchor="t" anchorCtr="0">
+            <a:noAutofit/>
+          </a:bodyPr>
+          <a:lstStyle>
+            <a:defPPr marR="0" lvl="0" algn="l" rtl="0">
+              <a:lnSpc>
+                <a:spcPct val="100000"/>
+              </a:lnSpc>
+              <a:spcBef>
+                <a:spcPts val="0"/>
+              </a:spcBef>
+              <a:spcAft>
+                <a:spcPts val="0"/>
+              </a:spcAft>
+            </a:defPPr>
+            <a:lvl1pPr marL="457200" marR="0" lvl="0" indent="-323850" algn="ctr" rtl="0">
+              <a:lnSpc>
+                <a:spcPct val="115000"/>
+              </a:lnSpc>
+              <a:spcBef>
+                <a:spcPts val="0"/>
+              </a:spcBef>
+              <a:spcAft>
+                <a:spcPts val="0"/>
+              </a:spcAft>
+              <a:buClr>
+                <a:srgbClr val="FBFBFB"/>
+              </a:buClr>
+              <a:buSzPts val="2000"/>
+              <a:buFont typeface="Holtwood One SC"/>
+              <a:buNone/>
+              <a:defRPr sz="2200" b="0" i="0" u="none" strike="noStrike" cap="none">
+                <a:solidFill>
+                  <a:schemeClr val="dk2"/>
+                </a:solidFill>
+                <a:latin typeface="Fredoka One"/>
+                <a:ea typeface="Fredoka One"/>
+                <a:cs typeface="Fredoka One"/>
+                <a:sym typeface="Fredoka One"/>
+              </a:defRPr>
+            </a:lvl1pPr>
+            <a:lvl2pPr marL="914400" marR="0" lvl="1" indent="-323850" algn="l" rtl="0">
+              <a:lnSpc>
+                <a:spcPct val="115000"/>
+              </a:lnSpc>
+              <a:spcBef>
+                <a:spcPts val="1600"/>
+              </a:spcBef>
+              <a:spcAft>
+                <a:spcPts val="0"/>
+              </a:spcAft>
+              <a:buClr>
+                <a:srgbClr val="FBFBFB"/>
+              </a:buClr>
+              <a:buSzPts val="2000"/>
+              <a:buFont typeface="Holtwood One SC"/>
+              <a:buNone/>
+              <a:defRPr sz="2000" b="0" i="0" u="none" strike="noStrike" cap="none">
+                <a:solidFill>
+                  <a:srgbClr val="FBFBFB"/>
+                </a:solidFill>
+                <a:latin typeface="Holtwood One SC"/>
+                <a:ea typeface="Holtwood One SC"/>
+                <a:cs typeface="Holtwood One SC"/>
+                <a:sym typeface="Holtwood One SC"/>
+              </a:defRPr>
+            </a:lvl2pPr>
+            <a:lvl3pPr marL="1371600" marR="0" lvl="2" indent="-323850" algn="l" rtl="0">
+              <a:lnSpc>
+                <a:spcPct val="115000"/>
+              </a:lnSpc>
+              <a:spcBef>
+                <a:spcPts val="1600"/>
+              </a:spcBef>
+              <a:spcAft>
+                <a:spcPts val="0"/>
+              </a:spcAft>
+              <a:buClr>
+                <a:srgbClr val="FBFBFB"/>
+              </a:buClr>
+              <a:buSzPts val="2000"/>
+              <a:buFont typeface="Holtwood One SC"/>
+              <a:buNone/>
+              <a:defRPr sz="2000" b="0" i="0" u="none" strike="noStrike" cap="none">
+                <a:solidFill>
+                  <a:srgbClr val="FBFBFB"/>
+                </a:solidFill>
+                <a:latin typeface="Holtwood One SC"/>
+                <a:ea typeface="Holtwood One SC"/>
+                <a:cs typeface="Holtwood One SC"/>
+                <a:sym typeface="Holtwood One SC"/>
+              </a:defRPr>
+            </a:lvl3pPr>
+            <a:lvl4pPr marL="1828800" marR="0" lvl="3" indent="-323850" algn="l" rtl="0">
+              <a:lnSpc>
+                <a:spcPct val="115000"/>
+              </a:lnSpc>
+              <a:spcBef>
+                <a:spcPts val="1600"/>
+              </a:spcBef>
+              <a:spcAft>
+                <a:spcPts val="0"/>
+              </a:spcAft>
+              <a:buClr>
+                <a:srgbClr val="FBFBFB"/>
+              </a:buClr>
+              <a:buSzPts val="2000"/>
+              <a:buFont typeface="Holtwood One SC"/>
+              <a:buNone/>
+              <a:defRPr sz="2000" b="0" i="0" u="none" strike="noStrike" cap="none">
+                <a:solidFill>
+                  <a:srgbClr val="FBFBFB"/>
+                </a:solidFill>
+                <a:latin typeface="Holtwood One SC"/>
+                <a:ea typeface="Holtwood One SC"/>
+                <a:cs typeface="Holtwood One SC"/>
+                <a:sym typeface="Holtwood One SC"/>
+              </a:defRPr>
+            </a:lvl4pPr>
+            <a:lvl5pPr marL="2286000" marR="0" lvl="4" indent="-323850" algn="l" rtl="0">
+              <a:lnSpc>
+                <a:spcPct val="115000"/>
+              </a:lnSpc>
+              <a:spcBef>
+                <a:spcPts val="1600"/>
+              </a:spcBef>
+              <a:spcAft>
+                <a:spcPts val="0"/>
+              </a:spcAft>
+              <a:buClr>
+                <a:srgbClr val="FBFBFB"/>
+              </a:buClr>
+              <a:buSzPts val="2000"/>
+              <a:buFont typeface="Holtwood One SC"/>
+              <a:buNone/>
+              <a:defRPr sz="2000" b="0" i="0" u="none" strike="noStrike" cap="none">
+                <a:solidFill>
+                  <a:srgbClr val="FBFBFB"/>
+                </a:solidFill>
+                <a:latin typeface="Holtwood One SC"/>
+                <a:ea typeface="Holtwood One SC"/>
+                <a:cs typeface="Holtwood One SC"/>
+                <a:sym typeface="Holtwood One SC"/>
+              </a:defRPr>
+            </a:lvl5pPr>
+            <a:lvl6pPr marL="2743200" marR="0" lvl="5" indent="-323850" algn="l" rtl="0">
+              <a:lnSpc>
+                <a:spcPct val="115000"/>
+              </a:lnSpc>
+              <a:spcBef>
+                <a:spcPts val="1600"/>
+              </a:spcBef>
+              <a:spcAft>
+                <a:spcPts val="0"/>
+              </a:spcAft>
+              <a:buClr>
+                <a:srgbClr val="FBFBFB"/>
+              </a:buClr>
+              <a:buSzPts val="2000"/>
+              <a:buFont typeface="Holtwood One SC"/>
+              <a:buNone/>
+              <a:defRPr sz="2000" b="0" i="0" u="none" strike="noStrike" cap="none">
+                <a:solidFill>
+                  <a:srgbClr val="FBFBFB"/>
+                </a:solidFill>
+                <a:latin typeface="Holtwood One SC"/>
+                <a:ea typeface="Holtwood One SC"/>
+                <a:cs typeface="Holtwood One SC"/>
+                <a:sym typeface="Holtwood One SC"/>
+              </a:defRPr>
+            </a:lvl6pPr>
+            <a:lvl7pPr marL="3200400" marR="0" lvl="6" indent="-317500" algn="l" rtl="0">
+              <a:lnSpc>
+                <a:spcPct val="115000"/>
+              </a:lnSpc>
+              <a:spcBef>
+                <a:spcPts val="1600"/>
+              </a:spcBef>
+              <a:spcAft>
+                <a:spcPts val="0"/>
+              </a:spcAft>
+              <a:buClr>
+                <a:srgbClr val="FBFBFB"/>
+              </a:buClr>
+              <a:buSzPts val="2000"/>
+              <a:buFont typeface="Holtwood One SC"/>
+              <a:buNone/>
+              <a:defRPr sz="2000" b="0" i="0" u="none" strike="noStrike" cap="none">
+                <a:solidFill>
+                  <a:srgbClr val="FBFBFB"/>
+                </a:solidFill>
+                <a:latin typeface="Holtwood One SC"/>
+                <a:ea typeface="Holtwood One SC"/>
+                <a:cs typeface="Holtwood One SC"/>
+                <a:sym typeface="Holtwood One SC"/>
+              </a:defRPr>
+            </a:lvl7pPr>
+            <a:lvl8pPr marL="3657600" marR="0" lvl="7" indent="-317500" algn="l" rtl="0">
+              <a:lnSpc>
+                <a:spcPct val="115000"/>
+              </a:lnSpc>
+              <a:spcBef>
+                <a:spcPts val="1600"/>
+              </a:spcBef>
+              <a:spcAft>
+                <a:spcPts val="0"/>
+              </a:spcAft>
+              <a:buClr>
+                <a:schemeClr val="dk2"/>
+              </a:buClr>
+              <a:buSzPts val="2000"/>
+              <a:buFont typeface="Holtwood One SC"/>
+              <a:buNone/>
+              <a:defRPr sz="2000" b="0" i="0" u="none" strike="noStrike" cap="none">
+                <a:solidFill>
+                  <a:schemeClr val="dk2"/>
+                </a:solidFill>
+                <a:latin typeface="Holtwood One SC"/>
+                <a:ea typeface="Holtwood One SC"/>
+                <a:cs typeface="Holtwood One SC"/>
+                <a:sym typeface="Holtwood One SC"/>
+              </a:defRPr>
+            </a:lvl8pPr>
+            <a:lvl9pPr marL="4114800" marR="0" lvl="8" indent="-317500" algn="l" rtl="0">
+              <a:lnSpc>
+                <a:spcPct val="115000"/>
+              </a:lnSpc>
+              <a:spcBef>
+                <a:spcPts val="1600"/>
+              </a:spcBef>
+              <a:spcAft>
+                <a:spcPts val="1600"/>
+              </a:spcAft>
+              <a:buClr>
+                <a:schemeClr val="dk2"/>
+              </a:buClr>
+              <a:buSzPts val="2000"/>
+              <a:buFont typeface="Holtwood One SC"/>
+              <a:buNone/>
+              <a:defRPr sz="2000" b="0" i="0" u="none" strike="noStrike" cap="none">
+                <a:solidFill>
+                  <a:schemeClr val="dk2"/>
+                </a:solidFill>
+                <a:latin typeface="Holtwood One SC"/>
+                <a:ea typeface="Holtwood One SC"/>
+                <a:cs typeface="Holtwood One SC"/>
+                <a:sym typeface="Holtwood One SC"/>
+              </a:defRPr>
+            </a:lvl9pPr>
+          </a:lstStyle>
+          <a:p>
+            <a:pPr marL="152400" indent="0" algn="l">
+              <a:spcAft>
+                <a:spcPts val="1200"/>
+              </a:spcAft>
+            </a:pPr>
+            <a:r>
+              <a:rPr lang="pt-BR" sz="3600" dirty="0" smtClean="0">
+                <a:solidFill>
+                  <a:schemeClr val="accent4"/>
+                </a:solidFill>
+                <a:latin typeface="Arial Black" panose="020B0A04020102020204" pitchFamily="34" charset="0"/>
+              </a:rPr>
+              <a:t>Sungguh, </a:t>
+            </a:r>
+          </a:p>
+          <a:p>
+            <a:pPr marL="152400" indent="0" algn="l">
+              <a:spcAft>
+                <a:spcPts val="1200"/>
+              </a:spcAft>
+            </a:pPr>
+            <a:r>
+              <a:rPr lang="pt-BR" sz="3600" dirty="0" smtClean="0">
+                <a:solidFill>
+                  <a:schemeClr val="accent4"/>
+                </a:solidFill>
+                <a:latin typeface="Arial Black" panose="020B0A04020102020204" pitchFamily="34" charset="0"/>
+              </a:rPr>
+              <a:t>sungguh seluruh hatiku</a:t>
+            </a:r>
+            <a:endParaRPr lang="pt-BR" sz="3600" dirty="0">
+              <a:solidFill>
+                <a:schemeClr val="accent4"/>
+              </a:solidFill>
+              <a:latin typeface="Arial Black" panose="020B0A04020102020204" pitchFamily="34" charset="0"/>
+            </a:endParaRPr>
+          </a:p>
+        </p:txBody>
+      </p:sp>
+    </p:spTree>
+    <p:extLst>
+      <p:ext uri="{BB962C8B-B14F-4D97-AF65-F5344CB8AC3E}">
+        <p14:creationId xmlns:p14="http://schemas.microsoft.com/office/powerpoint/2010/main" val="1031581723"/>
+      </p:ext>
+    </p:extLst>
+  </p:cSld>
+  <p:clrMapOvr>
+    <a:masterClrMapping/>
+  </p:clrMapOvr>
+  <p:timing>
+    <p:tnLst>
+      <p:par>
+        <p:cTn id="1" dur="indefinite" restart="never" nodeType="tmRoot"/>
+      </p:par>
+    </p:tnLst>
+  </p:timing>
+</p:sld>
+</file>
+
+<file path=ppt/slides/slide63.xml><?xml version="1.0" encoding="utf-8"?>
+<p:sld xmlns:a="http://schemas.openxmlformats.org/drawingml/2006/main" xmlns:r="http://schemas.openxmlformats.org/officeDocument/2006/relationships" xmlns:p="http://schemas.openxmlformats.org/presentationml/2006/main">
+  <p:cSld>
+    <p:spTree>
+      <p:nvGrpSpPr>
+        <p:cNvPr id="1" name="Shape 828"/>
+        <p:cNvGrpSpPr/>
+        <p:nvPr/>
+      </p:nvGrpSpPr>
+      <p:grpSpPr>
+        <a:xfrm>
+          <a:off x="0" y="0"/>
+          <a:ext cx="0" cy="0"/>
+          <a:chOff x="0" y="0"/>
+          <a:chExt cx="0" cy="0"/>
+        </a:xfrm>
+      </p:grpSpPr>
+      <p:sp>
+        <p:nvSpPr>
+          <p:cNvPr id="6" name="Google Shape;813;p37"/>
+          <p:cNvSpPr txBox="1">
+            <a:spLocks/>
+          </p:cNvSpPr>
+          <p:nvPr/>
+        </p:nvSpPr>
+        <p:spPr>
+          <a:xfrm>
+            <a:off x="778727" y="384763"/>
+            <a:ext cx="7612911" cy="502800"/>
+          </a:xfrm>
+          <a:prstGeom prst="rect">
+            <a:avLst/>
+          </a:prstGeom>
+          <a:noFill/>
+          <a:ln>
+            <a:noFill/>
+          </a:ln>
+        </p:spPr>
+        <p:txBody>
+          <a:bodyPr spcFirstLastPara="1" wrap="square" lIns="91425" tIns="91425" rIns="91425" bIns="91425" anchor="ctr" anchorCtr="0">
+            <a:noAutofit/>
+          </a:bodyPr>
+          <a:lstStyle>
+            <a:defPPr marR="0" lvl="0" algn="l" rtl="0">
+              <a:lnSpc>
+                <a:spcPct val="100000"/>
+              </a:lnSpc>
+              <a:spcBef>
+                <a:spcPts val="0"/>
+              </a:spcBef>
+              <a:spcAft>
+                <a:spcPts val="0"/>
+              </a:spcAft>
+            </a:defPPr>
+            <a:lvl1pPr marR="0" lvl="0" algn="l" rtl="0">
+              <a:lnSpc>
+                <a:spcPct val="100000"/>
+              </a:lnSpc>
+              <a:spcBef>
+                <a:spcPts val="0"/>
+              </a:spcBef>
+              <a:spcAft>
+                <a:spcPts val="0"/>
+              </a:spcAft>
+              <a:buClr>
+                <a:schemeClr val="dk2"/>
+              </a:buClr>
+              <a:buSzPts val="3500"/>
+              <a:buFont typeface="Fredoka One"/>
+              <a:buNone/>
+              <a:defRPr sz="3000" b="0" i="0" u="none" strike="noStrike" cap="none">
+                <a:solidFill>
+                  <a:schemeClr val="accent1"/>
+                </a:solidFill>
+                <a:latin typeface="Fredoka One"/>
+                <a:ea typeface="Fredoka One"/>
+                <a:cs typeface="Fredoka One"/>
+                <a:sym typeface="Fredoka One"/>
+              </a:defRPr>
+            </a:lvl1pPr>
+            <a:lvl2pPr marR="0" lvl="1" algn="l" rtl="0">
+              <a:lnSpc>
+                <a:spcPct val="100000"/>
+              </a:lnSpc>
+              <a:spcBef>
+                <a:spcPts val="0"/>
+              </a:spcBef>
+              <a:spcAft>
+                <a:spcPts val="0"/>
+              </a:spcAft>
+              <a:buClr>
+                <a:schemeClr val="dk1"/>
+              </a:buClr>
+              <a:buSzPts val="2800"/>
+              <a:buFont typeface="Arial"/>
+              <a:buNone/>
+              <a:defRPr sz="2800" b="0" i="0" u="none" strike="noStrike" cap="none">
+                <a:solidFill>
+                  <a:schemeClr val="dk1"/>
+                </a:solidFill>
+                <a:latin typeface="Comfortaa"/>
+                <a:ea typeface="Comfortaa"/>
+                <a:cs typeface="Comfortaa"/>
+                <a:sym typeface="Comfortaa"/>
+              </a:defRPr>
+            </a:lvl2pPr>
+            <a:lvl3pPr marR="0" lvl="2" algn="l" rtl="0">
+              <a:lnSpc>
+                <a:spcPct val="100000"/>
+              </a:lnSpc>
+              <a:spcBef>
+                <a:spcPts val="0"/>
+              </a:spcBef>
+              <a:spcAft>
+                <a:spcPts val="0"/>
+              </a:spcAft>
+              <a:buClr>
+                <a:schemeClr val="dk1"/>
+              </a:buClr>
+              <a:buSzPts val="2800"/>
+              <a:buFont typeface="Arial"/>
+              <a:buNone/>
+              <a:defRPr sz="2800" b="0" i="0" u="none" strike="noStrike" cap="none">
+                <a:solidFill>
+                  <a:schemeClr val="dk1"/>
+                </a:solidFill>
+                <a:latin typeface="Comfortaa"/>
+                <a:ea typeface="Comfortaa"/>
+                <a:cs typeface="Comfortaa"/>
+                <a:sym typeface="Comfortaa"/>
+              </a:defRPr>
+            </a:lvl3pPr>
+            <a:lvl4pPr marR="0" lvl="3" algn="l" rtl="0">
+              <a:lnSpc>
+                <a:spcPct val="100000"/>
+              </a:lnSpc>
+              <a:spcBef>
+                <a:spcPts val="0"/>
+              </a:spcBef>
+              <a:spcAft>
+                <a:spcPts val="0"/>
+              </a:spcAft>
+              <a:buClr>
+                <a:schemeClr val="dk1"/>
+              </a:buClr>
+              <a:buSzPts val="2800"/>
+              <a:buFont typeface="Arial"/>
+              <a:buNone/>
+              <a:defRPr sz="2800" b="0" i="0" u="none" strike="noStrike" cap="none">
+                <a:solidFill>
+                  <a:schemeClr val="dk1"/>
+                </a:solidFill>
+                <a:latin typeface="Comfortaa"/>
+                <a:ea typeface="Comfortaa"/>
+                <a:cs typeface="Comfortaa"/>
+                <a:sym typeface="Comfortaa"/>
+              </a:defRPr>
+            </a:lvl4pPr>
+            <a:lvl5pPr marR="0" lvl="4" algn="l" rtl="0">
+              <a:lnSpc>
+                <a:spcPct val="100000"/>
+              </a:lnSpc>
+              <a:spcBef>
+                <a:spcPts val="0"/>
+              </a:spcBef>
+              <a:spcAft>
+                <a:spcPts val="0"/>
+              </a:spcAft>
+              <a:buClr>
+                <a:schemeClr val="dk1"/>
+              </a:buClr>
+              <a:buSzPts val="2800"/>
+              <a:buFont typeface="Arial"/>
+              <a:buNone/>
+              <a:defRPr sz="2800" b="0" i="0" u="none" strike="noStrike" cap="none">
+                <a:solidFill>
+                  <a:schemeClr val="dk1"/>
+                </a:solidFill>
+                <a:latin typeface="Comfortaa"/>
+                <a:ea typeface="Comfortaa"/>
+                <a:cs typeface="Comfortaa"/>
+                <a:sym typeface="Comfortaa"/>
+              </a:defRPr>
+            </a:lvl5pPr>
+            <a:lvl6pPr marR="0" lvl="5" algn="l" rtl="0">
+              <a:lnSpc>
+                <a:spcPct val="100000"/>
+              </a:lnSpc>
+              <a:spcBef>
+                <a:spcPts val="0"/>
+              </a:spcBef>
+              <a:spcAft>
+                <a:spcPts val="0"/>
+              </a:spcAft>
+              <a:buClr>
+                <a:schemeClr val="dk1"/>
+              </a:buClr>
+              <a:buSzPts val="2800"/>
+              <a:buFont typeface="Arial"/>
+              <a:buNone/>
+              <a:defRPr sz="2800" b="0" i="0" u="none" strike="noStrike" cap="none">
+                <a:solidFill>
+                  <a:schemeClr val="dk1"/>
+                </a:solidFill>
+                <a:latin typeface="Comfortaa"/>
+                <a:ea typeface="Comfortaa"/>
+                <a:cs typeface="Comfortaa"/>
+                <a:sym typeface="Comfortaa"/>
+              </a:defRPr>
+            </a:lvl6pPr>
+            <a:lvl7pPr marR="0" lvl="6" algn="l" rtl="0">
+              <a:lnSpc>
+                <a:spcPct val="100000"/>
+              </a:lnSpc>
+              <a:spcBef>
+                <a:spcPts val="0"/>
+              </a:spcBef>
+              <a:spcAft>
+                <a:spcPts val="0"/>
+              </a:spcAft>
+              <a:buClr>
+                <a:schemeClr val="dk1"/>
+              </a:buClr>
+              <a:buSzPts val="2800"/>
+              <a:buFont typeface="Arial"/>
+              <a:buNone/>
+              <a:defRPr sz="2800" b="0" i="0" u="none" strike="noStrike" cap="none">
+                <a:solidFill>
+                  <a:schemeClr val="dk1"/>
+                </a:solidFill>
+                <a:latin typeface="Comfortaa"/>
+                <a:ea typeface="Comfortaa"/>
+                <a:cs typeface="Comfortaa"/>
+                <a:sym typeface="Comfortaa"/>
+              </a:defRPr>
+            </a:lvl7pPr>
+            <a:lvl8pPr marR="0" lvl="7" algn="l" rtl="0">
+              <a:lnSpc>
+                <a:spcPct val="100000"/>
+              </a:lnSpc>
+              <a:spcBef>
+                <a:spcPts val="0"/>
+              </a:spcBef>
+              <a:spcAft>
+                <a:spcPts val="0"/>
+              </a:spcAft>
+              <a:buClr>
+                <a:schemeClr val="dk1"/>
+              </a:buClr>
+              <a:buSzPts val="2800"/>
+              <a:buFont typeface="Arial"/>
+              <a:buNone/>
+              <a:defRPr sz="2800" b="0" i="0" u="none" strike="noStrike" cap="none">
+                <a:solidFill>
+                  <a:schemeClr val="dk1"/>
+                </a:solidFill>
+                <a:latin typeface="Comfortaa"/>
+                <a:ea typeface="Comfortaa"/>
+                <a:cs typeface="Comfortaa"/>
+                <a:sym typeface="Comfortaa"/>
+              </a:defRPr>
+            </a:lvl8pPr>
+            <a:lvl9pPr marR="0" lvl="8" algn="l" rtl="0">
+              <a:lnSpc>
+                <a:spcPct val="100000"/>
+              </a:lnSpc>
+              <a:spcBef>
+                <a:spcPts val="0"/>
+              </a:spcBef>
+              <a:spcAft>
+                <a:spcPts val="0"/>
+              </a:spcAft>
+              <a:buClr>
+                <a:schemeClr val="dk1"/>
+              </a:buClr>
+              <a:buSzPts val="2800"/>
+              <a:buFont typeface="Arial"/>
+              <a:buNone/>
+              <a:defRPr sz="2800" b="0" i="0" u="none" strike="noStrike" cap="none">
+                <a:solidFill>
+                  <a:schemeClr val="dk1"/>
+                </a:solidFill>
+                <a:latin typeface="Comfortaa"/>
+                <a:ea typeface="Comfortaa"/>
+                <a:cs typeface="Comfortaa"/>
+                <a:sym typeface="Comfortaa"/>
+              </a:defRPr>
+            </a:lvl9pPr>
+          </a:lstStyle>
+          <a:p>
+            <a:pPr algn="ctr"/>
+            <a:r>
+              <a:rPr lang="en-US" sz="4000">
+                <a:solidFill>
+                  <a:schemeClr val="accent4"/>
+                </a:solidFill>
+              </a:rPr>
+              <a:t>Gita Surga Bergema </a:t>
+            </a:r>
+            <a:endParaRPr lang="en-US" sz="4000" dirty="0">
+              <a:solidFill>
+                <a:schemeClr val="accent4"/>
+              </a:solidFill>
+            </a:endParaRPr>
+          </a:p>
+        </p:txBody>
+      </p:sp>
+      <p:sp>
+        <p:nvSpPr>
+          <p:cNvPr id="7" name="Text Placeholder 1"/>
+          <p:cNvSpPr txBox="1">
+            <a:spLocks/>
+          </p:cNvSpPr>
+          <p:nvPr/>
+        </p:nvSpPr>
+        <p:spPr>
+          <a:xfrm>
+            <a:off x="372140" y="1348602"/>
+            <a:ext cx="8314659" cy="3052179"/>
+          </a:xfrm>
+          <a:prstGeom prst="rect">
+            <a:avLst/>
+          </a:prstGeom>
+          <a:noFill/>
+          <a:ln>
+            <a:noFill/>
+          </a:ln>
+        </p:spPr>
+        <p:txBody>
+          <a:bodyPr spcFirstLastPara="1" wrap="square" lIns="91425" tIns="91425" rIns="91425" bIns="91425" anchor="t" anchorCtr="0">
+            <a:noAutofit/>
+          </a:bodyPr>
+          <a:lstStyle>
+            <a:defPPr marR="0" lvl="0" algn="l" rtl="0">
+              <a:lnSpc>
+                <a:spcPct val="100000"/>
+              </a:lnSpc>
+              <a:spcBef>
+                <a:spcPts val="0"/>
+              </a:spcBef>
+              <a:spcAft>
+                <a:spcPts val="0"/>
+              </a:spcAft>
+            </a:defPPr>
+            <a:lvl1pPr marL="457200" marR="0" lvl="0" indent="-323850" algn="ctr" rtl="0">
+              <a:lnSpc>
+                <a:spcPct val="115000"/>
+              </a:lnSpc>
+              <a:spcBef>
+                <a:spcPts val="0"/>
+              </a:spcBef>
+              <a:spcAft>
+                <a:spcPts val="0"/>
+              </a:spcAft>
+              <a:buClr>
+                <a:srgbClr val="FBFBFB"/>
+              </a:buClr>
+              <a:buSzPts val="2000"/>
+              <a:buFont typeface="Holtwood One SC"/>
+              <a:buNone/>
+              <a:defRPr sz="2200" b="0" i="0" u="none" strike="noStrike" cap="none">
+                <a:solidFill>
+                  <a:schemeClr val="dk2"/>
+                </a:solidFill>
+                <a:latin typeface="Fredoka One"/>
+                <a:ea typeface="Fredoka One"/>
+                <a:cs typeface="Fredoka One"/>
+                <a:sym typeface="Fredoka One"/>
+              </a:defRPr>
+            </a:lvl1pPr>
+            <a:lvl2pPr marL="914400" marR="0" lvl="1" indent="-323850" algn="l" rtl="0">
+              <a:lnSpc>
+                <a:spcPct val="115000"/>
+              </a:lnSpc>
+              <a:spcBef>
+                <a:spcPts val="1600"/>
+              </a:spcBef>
+              <a:spcAft>
+                <a:spcPts val="0"/>
+              </a:spcAft>
+              <a:buClr>
+                <a:srgbClr val="FBFBFB"/>
+              </a:buClr>
+              <a:buSzPts val="2000"/>
+              <a:buFont typeface="Holtwood One SC"/>
+              <a:buNone/>
+              <a:defRPr sz="2000" b="0" i="0" u="none" strike="noStrike" cap="none">
+                <a:solidFill>
+                  <a:srgbClr val="FBFBFB"/>
+                </a:solidFill>
+                <a:latin typeface="Holtwood One SC"/>
+                <a:ea typeface="Holtwood One SC"/>
+                <a:cs typeface="Holtwood One SC"/>
+                <a:sym typeface="Holtwood One SC"/>
+              </a:defRPr>
+            </a:lvl2pPr>
+            <a:lvl3pPr marL="1371600" marR="0" lvl="2" indent="-323850" algn="l" rtl="0">
+              <a:lnSpc>
+                <a:spcPct val="115000"/>
+              </a:lnSpc>
+              <a:spcBef>
+                <a:spcPts val="1600"/>
+              </a:spcBef>
+              <a:spcAft>
+                <a:spcPts val="0"/>
+              </a:spcAft>
+              <a:buClr>
+                <a:srgbClr val="FBFBFB"/>
+              </a:buClr>
+              <a:buSzPts val="2000"/>
+              <a:buFont typeface="Holtwood One SC"/>
+              <a:buNone/>
+              <a:defRPr sz="2000" b="0" i="0" u="none" strike="noStrike" cap="none">
+                <a:solidFill>
+                  <a:srgbClr val="FBFBFB"/>
+                </a:solidFill>
+                <a:latin typeface="Holtwood One SC"/>
+                <a:ea typeface="Holtwood One SC"/>
+                <a:cs typeface="Holtwood One SC"/>
+                <a:sym typeface="Holtwood One SC"/>
+              </a:defRPr>
+            </a:lvl3pPr>
+            <a:lvl4pPr marL="1828800" marR="0" lvl="3" indent="-323850" algn="l" rtl="0">
+              <a:lnSpc>
+                <a:spcPct val="115000"/>
+              </a:lnSpc>
+              <a:spcBef>
+                <a:spcPts val="1600"/>
+              </a:spcBef>
+              <a:spcAft>
+                <a:spcPts val="0"/>
+              </a:spcAft>
+              <a:buClr>
+                <a:srgbClr val="FBFBFB"/>
+              </a:buClr>
+              <a:buSzPts val="2000"/>
+              <a:buFont typeface="Holtwood One SC"/>
+              <a:buNone/>
+              <a:defRPr sz="2000" b="0" i="0" u="none" strike="noStrike" cap="none">
+                <a:solidFill>
+                  <a:srgbClr val="FBFBFB"/>
+                </a:solidFill>
+                <a:latin typeface="Holtwood One SC"/>
+                <a:ea typeface="Holtwood One SC"/>
+                <a:cs typeface="Holtwood One SC"/>
+                <a:sym typeface="Holtwood One SC"/>
+              </a:defRPr>
+            </a:lvl4pPr>
+            <a:lvl5pPr marL="2286000" marR="0" lvl="4" indent="-323850" algn="l" rtl="0">
+              <a:lnSpc>
+                <a:spcPct val="115000"/>
+              </a:lnSpc>
+              <a:spcBef>
+                <a:spcPts val="1600"/>
+              </a:spcBef>
+              <a:spcAft>
+                <a:spcPts val="0"/>
+              </a:spcAft>
+              <a:buClr>
+                <a:srgbClr val="FBFBFB"/>
+              </a:buClr>
+              <a:buSzPts val="2000"/>
+              <a:buFont typeface="Holtwood One SC"/>
+              <a:buNone/>
+              <a:defRPr sz="2000" b="0" i="0" u="none" strike="noStrike" cap="none">
+                <a:solidFill>
+                  <a:srgbClr val="FBFBFB"/>
+                </a:solidFill>
+                <a:latin typeface="Holtwood One SC"/>
+                <a:ea typeface="Holtwood One SC"/>
+                <a:cs typeface="Holtwood One SC"/>
+                <a:sym typeface="Holtwood One SC"/>
+              </a:defRPr>
+            </a:lvl5pPr>
+            <a:lvl6pPr marL="2743200" marR="0" lvl="5" indent="-323850" algn="l" rtl="0">
+              <a:lnSpc>
+                <a:spcPct val="115000"/>
+              </a:lnSpc>
+              <a:spcBef>
+                <a:spcPts val="1600"/>
+              </a:spcBef>
+              <a:spcAft>
+                <a:spcPts val="0"/>
+              </a:spcAft>
+              <a:buClr>
+                <a:srgbClr val="FBFBFB"/>
+              </a:buClr>
+              <a:buSzPts val="2000"/>
+              <a:buFont typeface="Holtwood One SC"/>
+              <a:buNone/>
+              <a:defRPr sz="2000" b="0" i="0" u="none" strike="noStrike" cap="none">
+                <a:solidFill>
+                  <a:srgbClr val="FBFBFB"/>
+                </a:solidFill>
+                <a:latin typeface="Holtwood One SC"/>
+                <a:ea typeface="Holtwood One SC"/>
+                <a:cs typeface="Holtwood One SC"/>
+                <a:sym typeface="Holtwood One SC"/>
+              </a:defRPr>
+            </a:lvl6pPr>
+            <a:lvl7pPr marL="3200400" marR="0" lvl="6" indent="-317500" algn="l" rtl="0">
+              <a:lnSpc>
+                <a:spcPct val="115000"/>
+              </a:lnSpc>
+              <a:spcBef>
+                <a:spcPts val="1600"/>
+              </a:spcBef>
+              <a:spcAft>
+                <a:spcPts val="0"/>
+              </a:spcAft>
+              <a:buClr>
+                <a:srgbClr val="FBFBFB"/>
+              </a:buClr>
+              <a:buSzPts val="2000"/>
+              <a:buFont typeface="Holtwood One SC"/>
+              <a:buNone/>
+              <a:defRPr sz="2000" b="0" i="0" u="none" strike="noStrike" cap="none">
+                <a:solidFill>
+                  <a:srgbClr val="FBFBFB"/>
+                </a:solidFill>
+                <a:latin typeface="Holtwood One SC"/>
+                <a:ea typeface="Holtwood One SC"/>
+                <a:cs typeface="Holtwood One SC"/>
+                <a:sym typeface="Holtwood One SC"/>
+              </a:defRPr>
+            </a:lvl7pPr>
+            <a:lvl8pPr marL="3657600" marR="0" lvl="7" indent="-317500" algn="l" rtl="0">
+              <a:lnSpc>
+                <a:spcPct val="115000"/>
+              </a:lnSpc>
+              <a:spcBef>
+                <a:spcPts val="1600"/>
+              </a:spcBef>
+              <a:spcAft>
+                <a:spcPts val="0"/>
+              </a:spcAft>
+              <a:buClr>
+                <a:schemeClr val="dk2"/>
+              </a:buClr>
+              <a:buSzPts val="2000"/>
+              <a:buFont typeface="Holtwood One SC"/>
+              <a:buNone/>
+              <a:defRPr sz="2000" b="0" i="0" u="none" strike="noStrike" cap="none">
+                <a:solidFill>
+                  <a:schemeClr val="dk2"/>
+                </a:solidFill>
+                <a:latin typeface="Holtwood One SC"/>
+                <a:ea typeface="Holtwood One SC"/>
+                <a:cs typeface="Holtwood One SC"/>
+                <a:sym typeface="Holtwood One SC"/>
+              </a:defRPr>
+            </a:lvl8pPr>
+            <a:lvl9pPr marL="4114800" marR="0" lvl="8" indent="-317500" algn="l" rtl="0">
+              <a:lnSpc>
+                <a:spcPct val="115000"/>
+              </a:lnSpc>
+              <a:spcBef>
+                <a:spcPts val="1600"/>
+              </a:spcBef>
+              <a:spcAft>
+                <a:spcPts val="1600"/>
+              </a:spcAft>
+              <a:buClr>
+                <a:schemeClr val="dk2"/>
+              </a:buClr>
+              <a:buSzPts val="2000"/>
+              <a:buFont typeface="Holtwood One SC"/>
+              <a:buNone/>
+              <a:defRPr sz="2000" b="0" i="0" u="none" strike="noStrike" cap="none">
+                <a:solidFill>
+                  <a:schemeClr val="dk2"/>
+                </a:solidFill>
+                <a:latin typeface="Holtwood One SC"/>
+                <a:ea typeface="Holtwood One SC"/>
+                <a:cs typeface="Holtwood One SC"/>
+                <a:sym typeface="Holtwood One SC"/>
+              </a:defRPr>
+            </a:lvl9pPr>
+          </a:lstStyle>
+          <a:p>
+            <a:pPr marL="152400" indent="0" algn="l">
+              <a:spcAft>
+                <a:spcPts val="1200"/>
+              </a:spcAft>
+            </a:pPr>
+            <a:r>
+              <a:rPr lang="pt-BR" sz="3600" dirty="0">
+                <a:solidFill>
+                  <a:schemeClr val="accent4"/>
+                </a:solidFill>
+                <a:latin typeface="Arial Black" panose="020B0A04020102020204" pitchFamily="34" charset="0"/>
+              </a:rPr>
+              <a:t>Gita surga bergema, </a:t>
+            </a:r>
+            <a:endParaRPr lang="pt-BR" sz="3600" dirty="0" smtClean="0">
+              <a:solidFill>
+                <a:schemeClr val="accent4"/>
+              </a:solidFill>
+              <a:latin typeface="Arial Black" panose="020B0A04020102020204" pitchFamily="34" charset="0"/>
+            </a:endParaRPr>
+          </a:p>
+          <a:p>
+            <a:pPr marL="152400" indent="0" algn="l">
+              <a:spcAft>
+                <a:spcPts val="1200"/>
+              </a:spcAft>
+            </a:pPr>
+            <a:r>
+              <a:rPr lang="pt-BR" sz="3600" dirty="0" smtClean="0">
+                <a:solidFill>
+                  <a:schemeClr val="accent4"/>
+                </a:solidFill>
+                <a:latin typeface="Arial Black" panose="020B0A04020102020204" pitchFamily="34" charset="0"/>
+              </a:rPr>
+              <a:t>"</a:t>
+            </a:r>
+            <a:r>
+              <a:rPr lang="pt-BR" sz="3600" dirty="0">
+                <a:solidFill>
+                  <a:schemeClr val="accent4"/>
+                </a:solidFill>
+                <a:latin typeface="Arial Black" panose="020B0A04020102020204" pitchFamily="34" charset="0"/>
+              </a:rPr>
+              <a:t>Lahir Raja mulia!</a:t>
+            </a:r>
+          </a:p>
+          <a:p>
+            <a:pPr marL="152400" indent="0" algn="l">
+              <a:spcAft>
+                <a:spcPts val="1200"/>
+              </a:spcAft>
+            </a:pPr>
+            <a:r>
+              <a:rPr lang="pt-BR" sz="3600" dirty="0" smtClean="0">
+                <a:solidFill>
+                  <a:schemeClr val="accent4"/>
+                </a:solidFill>
+                <a:latin typeface="Arial Black" panose="020B0A04020102020204" pitchFamily="34" charset="0"/>
+              </a:rPr>
+              <a:t>Damai </a:t>
+            </a:r>
+            <a:r>
+              <a:rPr lang="pt-BR" sz="3600" dirty="0">
+                <a:solidFill>
+                  <a:schemeClr val="accent4"/>
+                </a:solidFill>
+                <a:latin typeface="Arial Black" panose="020B0A04020102020204" pitchFamily="34" charset="0"/>
+              </a:rPr>
+              <a:t>dan sejahtera </a:t>
+            </a:r>
+            <a:endParaRPr lang="pt-BR" sz="3600" dirty="0" smtClean="0">
+              <a:solidFill>
+                <a:schemeClr val="accent4"/>
+              </a:solidFill>
+              <a:latin typeface="Arial Black" panose="020B0A04020102020204" pitchFamily="34" charset="0"/>
+            </a:endParaRPr>
+          </a:p>
+          <a:p>
+            <a:pPr marL="152400" indent="0" algn="l">
+              <a:spcAft>
+                <a:spcPts val="1200"/>
+              </a:spcAft>
+            </a:pPr>
+            <a:r>
+              <a:rPr lang="pt-BR" sz="3600" dirty="0" smtClean="0">
+                <a:solidFill>
+                  <a:schemeClr val="accent4"/>
+                </a:solidFill>
+                <a:latin typeface="Arial Black" panose="020B0A04020102020204" pitchFamily="34" charset="0"/>
+              </a:rPr>
+              <a:t>turun </a:t>
+            </a:r>
+            <a:r>
+              <a:rPr lang="pt-BR" sz="3600" dirty="0">
+                <a:solidFill>
+                  <a:schemeClr val="accent4"/>
+                </a:solidFill>
+                <a:latin typeface="Arial Black" panose="020B0A04020102020204" pitchFamily="34" charset="0"/>
+              </a:rPr>
+              <a:t>dalam dunia."</a:t>
+            </a:r>
+          </a:p>
+        </p:txBody>
+      </p:sp>
+    </p:spTree>
+    <p:extLst>
+      <p:ext uri="{BB962C8B-B14F-4D97-AF65-F5344CB8AC3E}">
+        <p14:creationId xmlns:p14="http://schemas.microsoft.com/office/powerpoint/2010/main" val="2717324518"/>
+      </p:ext>
+    </p:extLst>
+  </p:cSld>
+  <p:clrMapOvr>
+    <a:masterClrMapping/>
+  </p:clrMapOvr>
+  <p:timing>
+    <p:tnLst>
+      <p:par>
+        <p:cTn id="1" dur="indefinite" restart="never" nodeType="tmRoot"/>
+      </p:par>
+    </p:tnLst>
+  </p:timing>
+</p:sld>
+</file>
+
+<file path=ppt/slides/slide64.xml><?xml version="1.0" encoding="utf-8"?>
+<p:sld xmlns:a="http://schemas.openxmlformats.org/drawingml/2006/main" xmlns:r="http://schemas.openxmlformats.org/officeDocument/2006/relationships" xmlns:p="http://schemas.openxmlformats.org/presentationml/2006/main">
+  <p:cSld>
+    <p:spTree>
+      <p:nvGrpSpPr>
+        <p:cNvPr id="1" name="Shape 828"/>
+        <p:cNvGrpSpPr/>
+        <p:nvPr/>
+      </p:nvGrpSpPr>
+      <p:grpSpPr>
+        <a:xfrm>
+          <a:off x="0" y="0"/>
+          <a:ext cx="0" cy="0"/>
+          <a:chOff x="0" y="0"/>
+          <a:chExt cx="0" cy="0"/>
+        </a:xfrm>
+      </p:grpSpPr>
+      <p:sp>
+        <p:nvSpPr>
+          <p:cNvPr id="7" name="Text Placeholder 1"/>
+          <p:cNvSpPr txBox="1">
+            <a:spLocks/>
+          </p:cNvSpPr>
+          <p:nvPr/>
+        </p:nvSpPr>
+        <p:spPr>
+          <a:xfrm>
+            <a:off x="414671" y="264083"/>
+            <a:ext cx="8612371" cy="3052179"/>
+          </a:xfrm>
+          <a:prstGeom prst="rect">
+            <a:avLst/>
+          </a:prstGeom>
+          <a:noFill/>
+          <a:ln>
+            <a:noFill/>
+          </a:ln>
+        </p:spPr>
+        <p:txBody>
+          <a:bodyPr spcFirstLastPara="1" wrap="square" lIns="91425" tIns="91425" rIns="91425" bIns="91425" anchor="t" anchorCtr="0">
+            <a:noAutofit/>
+          </a:bodyPr>
+          <a:lstStyle>
+            <a:defPPr marR="0" lvl="0" algn="l" rtl="0">
+              <a:lnSpc>
+                <a:spcPct val="100000"/>
+              </a:lnSpc>
+              <a:spcBef>
+                <a:spcPts val="0"/>
+              </a:spcBef>
+              <a:spcAft>
+                <a:spcPts val="0"/>
+              </a:spcAft>
+            </a:defPPr>
+            <a:lvl1pPr marL="457200" marR="0" lvl="0" indent="-323850" algn="ctr" rtl="0">
+              <a:lnSpc>
+                <a:spcPct val="115000"/>
+              </a:lnSpc>
+              <a:spcBef>
+                <a:spcPts val="0"/>
+              </a:spcBef>
+              <a:spcAft>
+                <a:spcPts val="0"/>
+              </a:spcAft>
+              <a:buClr>
+                <a:srgbClr val="FBFBFB"/>
+              </a:buClr>
+              <a:buSzPts val="2000"/>
+              <a:buFont typeface="Holtwood One SC"/>
+              <a:buNone/>
+              <a:defRPr sz="2200" b="0" i="0" u="none" strike="noStrike" cap="none">
+                <a:solidFill>
+                  <a:schemeClr val="dk2"/>
+                </a:solidFill>
+                <a:latin typeface="Fredoka One"/>
+                <a:ea typeface="Fredoka One"/>
+                <a:cs typeface="Fredoka One"/>
+                <a:sym typeface="Fredoka One"/>
+              </a:defRPr>
+            </a:lvl1pPr>
+            <a:lvl2pPr marL="914400" marR="0" lvl="1" indent="-323850" algn="l" rtl="0">
+              <a:lnSpc>
+                <a:spcPct val="115000"/>
+              </a:lnSpc>
+              <a:spcBef>
+                <a:spcPts val="1600"/>
+              </a:spcBef>
+              <a:spcAft>
+                <a:spcPts val="0"/>
+              </a:spcAft>
+              <a:buClr>
+                <a:srgbClr val="FBFBFB"/>
+              </a:buClr>
+              <a:buSzPts val="2000"/>
+              <a:buFont typeface="Holtwood One SC"/>
+              <a:buNone/>
+              <a:defRPr sz="2000" b="0" i="0" u="none" strike="noStrike" cap="none">
+                <a:solidFill>
+                  <a:srgbClr val="FBFBFB"/>
+                </a:solidFill>
+                <a:latin typeface="Holtwood One SC"/>
+                <a:ea typeface="Holtwood One SC"/>
+                <a:cs typeface="Holtwood One SC"/>
+                <a:sym typeface="Holtwood One SC"/>
+              </a:defRPr>
+            </a:lvl2pPr>
+            <a:lvl3pPr marL="1371600" marR="0" lvl="2" indent="-323850" algn="l" rtl="0">
+              <a:lnSpc>
+                <a:spcPct val="115000"/>
+              </a:lnSpc>
+              <a:spcBef>
+                <a:spcPts val="1600"/>
+              </a:spcBef>
+              <a:spcAft>
+                <a:spcPts val="0"/>
+              </a:spcAft>
+              <a:buClr>
+                <a:srgbClr val="FBFBFB"/>
+              </a:buClr>
+              <a:buSzPts val="2000"/>
+              <a:buFont typeface="Holtwood One SC"/>
+              <a:buNone/>
+              <a:defRPr sz="2000" b="0" i="0" u="none" strike="noStrike" cap="none">
+                <a:solidFill>
+                  <a:srgbClr val="FBFBFB"/>
+                </a:solidFill>
+                <a:latin typeface="Holtwood One SC"/>
+                <a:ea typeface="Holtwood One SC"/>
+                <a:cs typeface="Holtwood One SC"/>
+                <a:sym typeface="Holtwood One SC"/>
+              </a:defRPr>
+            </a:lvl3pPr>
+            <a:lvl4pPr marL="1828800" marR="0" lvl="3" indent="-323850" algn="l" rtl="0">
+              <a:lnSpc>
+                <a:spcPct val="115000"/>
+              </a:lnSpc>
+              <a:spcBef>
+                <a:spcPts val="1600"/>
+              </a:spcBef>
+              <a:spcAft>
+                <a:spcPts val="0"/>
+              </a:spcAft>
+              <a:buClr>
+                <a:srgbClr val="FBFBFB"/>
+              </a:buClr>
+              <a:buSzPts val="2000"/>
+              <a:buFont typeface="Holtwood One SC"/>
+              <a:buNone/>
+              <a:defRPr sz="2000" b="0" i="0" u="none" strike="noStrike" cap="none">
+                <a:solidFill>
+                  <a:srgbClr val="FBFBFB"/>
+                </a:solidFill>
+                <a:latin typeface="Holtwood One SC"/>
+                <a:ea typeface="Holtwood One SC"/>
+                <a:cs typeface="Holtwood One SC"/>
+                <a:sym typeface="Holtwood One SC"/>
+              </a:defRPr>
+            </a:lvl4pPr>
+            <a:lvl5pPr marL="2286000" marR="0" lvl="4" indent="-323850" algn="l" rtl="0">
+              <a:lnSpc>
+                <a:spcPct val="115000"/>
+              </a:lnSpc>
+              <a:spcBef>
+                <a:spcPts val="1600"/>
+              </a:spcBef>
+              <a:spcAft>
+                <a:spcPts val="0"/>
+              </a:spcAft>
+              <a:buClr>
+                <a:srgbClr val="FBFBFB"/>
+              </a:buClr>
+              <a:buSzPts val="2000"/>
+              <a:buFont typeface="Holtwood One SC"/>
+              <a:buNone/>
+              <a:defRPr sz="2000" b="0" i="0" u="none" strike="noStrike" cap="none">
+                <a:solidFill>
+                  <a:srgbClr val="FBFBFB"/>
+                </a:solidFill>
+                <a:latin typeface="Holtwood One SC"/>
+                <a:ea typeface="Holtwood One SC"/>
+                <a:cs typeface="Holtwood One SC"/>
+                <a:sym typeface="Holtwood One SC"/>
+              </a:defRPr>
+            </a:lvl5pPr>
+            <a:lvl6pPr marL="2743200" marR="0" lvl="5" indent="-323850" algn="l" rtl="0">
+              <a:lnSpc>
+                <a:spcPct val="115000"/>
+              </a:lnSpc>
+              <a:spcBef>
+                <a:spcPts val="1600"/>
+              </a:spcBef>
+              <a:spcAft>
+                <a:spcPts val="0"/>
+              </a:spcAft>
+              <a:buClr>
+                <a:srgbClr val="FBFBFB"/>
+              </a:buClr>
+              <a:buSzPts val="2000"/>
+              <a:buFont typeface="Holtwood One SC"/>
+              <a:buNone/>
+              <a:defRPr sz="2000" b="0" i="0" u="none" strike="noStrike" cap="none">
+                <a:solidFill>
+                  <a:srgbClr val="FBFBFB"/>
+                </a:solidFill>
+                <a:latin typeface="Holtwood One SC"/>
+                <a:ea typeface="Holtwood One SC"/>
+                <a:cs typeface="Holtwood One SC"/>
+                <a:sym typeface="Holtwood One SC"/>
+              </a:defRPr>
+            </a:lvl6pPr>
+            <a:lvl7pPr marL="3200400" marR="0" lvl="6" indent="-317500" algn="l" rtl="0">
+              <a:lnSpc>
+                <a:spcPct val="115000"/>
+              </a:lnSpc>
+              <a:spcBef>
+                <a:spcPts val="1600"/>
+              </a:spcBef>
+              <a:spcAft>
+                <a:spcPts val="0"/>
+              </a:spcAft>
+              <a:buClr>
+                <a:srgbClr val="FBFBFB"/>
+              </a:buClr>
+              <a:buSzPts val="2000"/>
+              <a:buFont typeface="Holtwood One SC"/>
+              <a:buNone/>
+              <a:defRPr sz="2000" b="0" i="0" u="none" strike="noStrike" cap="none">
+                <a:solidFill>
+                  <a:srgbClr val="FBFBFB"/>
+                </a:solidFill>
+                <a:latin typeface="Holtwood One SC"/>
+                <a:ea typeface="Holtwood One SC"/>
+                <a:cs typeface="Holtwood One SC"/>
+                <a:sym typeface="Holtwood One SC"/>
+              </a:defRPr>
+            </a:lvl7pPr>
+            <a:lvl8pPr marL="3657600" marR="0" lvl="7" indent="-317500" algn="l" rtl="0">
+              <a:lnSpc>
+                <a:spcPct val="115000"/>
+              </a:lnSpc>
+              <a:spcBef>
+                <a:spcPts val="1600"/>
+              </a:spcBef>
+              <a:spcAft>
+                <a:spcPts val="0"/>
+              </a:spcAft>
+              <a:buClr>
+                <a:schemeClr val="dk2"/>
+              </a:buClr>
+              <a:buSzPts val="2000"/>
+              <a:buFont typeface="Holtwood One SC"/>
+              <a:buNone/>
+              <a:defRPr sz="2000" b="0" i="0" u="none" strike="noStrike" cap="none">
+                <a:solidFill>
+                  <a:schemeClr val="dk2"/>
+                </a:solidFill>
+                <a:latin typeface="Holtwood One SC"/>
+                <a:ea typeface="Holtwood One SC"/>
+                <a:cs typeface="Holtwood One SC"/>
+                <a:sym typeface="Holtwood One SC"/>
+              </a:defRPr>
+            </a:lvl8pPr>
+            <a:lvl9pPr marL="4114800" marR="0" lvl="8" indent="-317500" algn="l" rtl="0">
+              <a:lnSpc>
+                <a:spcPct val="115000"/>
+              </a:lnSpc>
+              <a:spcBef>
+                <a:spcPts val="1600"/>
+              </a:spcBef>
+              <a:spcAft>
+                <a:spcPts val="1600"/>
+              </a:spcAft>
+              <a:buClr>
+                <a:schemeClr val="dk2"/>
+              </a:buClr>
+              <a:buSzPts val="2000"/>
+              <a:buFont typeface="Holtwood One SC"/>
+              <a:buNone/>
+              <a:defRPr sz="2000" b="0" i="0" u="none" strike="noStrike" cap="none">
+                <a:solidFill>
+                  <a:schemeClr val="dk2"/>
+                </a:solidFill>
+                <a:latin typeface="Holtwood One SC"/>
+                <a:ea typeface="Holtwood One SC"/>
+                <a:cs typeface="Holtwood One SC"/>
+                <a:sym typeface="Holtwood One SC"/>
+              </a:defRPr>
+            </a:lvl9pPr>
+          </a:lstStyle>
+          <a:p>
+            <a:pPr marL="152400" indent="0" algn="l">
+              <a:spcAft>
+                <a:spcPts val="1200"/>
+              </a:spcAft>
+            </a:pPr>
+            <a:r>
+              <a:rPr lang="sv-SE" sz="3600" dirty="0">
+                <a:solidFill>
+                  <a:schemeClr val="accent4"/>
+                </a:solidFill>
+                <a:latin typeface="Arial Black" panose="020B0A04020102020204" pitchFamily="34" charset="0"/>
+              </a:rPr>
+              <a:t>Bangsa-bangsa, bangkitlah </a:t>
+            </a:r>
+            <a:endParaRPr lang="sv-SE" sz="3600" dirty="0" smtClean="0">
+              <a:solidFill>
+                <a:schemeClr val="accent4"/>
+              </a:solidFill>
+              <a:latin typeface="Arial Black" panose="020B0A04020102020204" pitchFamily="34" charset="0"/>
+            </a:endParaRPr>
+          </a:p>
+          <a:p>
+            <a:pPr marL="152400" indent="0" algn="l">
+              <a:spcAft>
+                <a:spcPts val="1200"/>
+              </a:spcAft>
+            </a:pPr>
+            <a:r>
+              <a:rPr lang="sv-SE" sz="3600" dirty="0" smtClean="0">
+                <a:solidFill>
+                  <a:schemeClr val="accent4"/>
+                </a:solidFill>
+                <a:latin typeface="Arial Black" panose="020B0A04020102020204" pitchFamily="34" charset="0"/>
+              </a:rPr>
+              <a:t>permaklumkan </a:t>
+            </a:r>
+            <a:r>
+              <a:rPr lang="sv-SE" sz="3600" dirty="0">
+                <a:solidFill>
+                  <a:schemeClr val="accent4"/>
+                </a:solidFill>
+                <a:latin typeface="Arial Black" panose="020B0A04020102020204" pitchFamily="34" charset="0"/>
+              </a:rPr>
+              <a:t>segera,</a:t>
+            </a:r>
+          </a:p>
+          <a:p>
+            <a:pPr marL="152400" indent="0" algn="l">
+              <a:spcAft>
+                <a:spcPts val="1200"/>
+              </a:spcAft>
+            </a:pPr>
+            <a:r>
+              <a:rPr lang="sv-SE" sz="3600" dirty="0" smtClean="0">
+                <a:solidFill>
+                  <a:schemeClr val="accent4"/>
+                </a:solidFill>
+                <a:latin typeface="Arial Black" panose="020B0A04020102020204" pitchFamily="34" charset="0"/>
+              </a:rPr>
+              <a:t>Kabar </a:t>
+            </a:r>
+            <a:r>
+              <a:rPr lang="sv-SE" sz="3600" dirty="0">
+                <a:solidFill>
+                  <a:schemeClr val="accent4"/>
+                </a:solidFill>
+                <a:latin typeface="Arial Black" panose="020B0A04020102020204" pitchFamily="34" charset="0"/>
+              </a:rPr>
+              <a:t>baik </a:t>
+            </a:r>
+            <a:r>
+              <a:rPr lang="sv-SE" sz="3600" dirty="0" smtClean="0">
+                <a:solidFill>
+                  <a:schemeClr val="accent4"/>
+                </a:solidFill>
+                <a:latin typeface="Arial Black" panose="020B0A04020102020204" pitchFamily="34" charset="0"/>
+              </a:rPr>
+              <a:t>cemerlang</a:t>
+            </a:r>
+          </a:p>
+          <a:p>
+            <a:pPr marL="152400" indent="0" algn="l">
+              <a:spcAft>
+                <a:spcPts val="1200"/>
+              </a:spcAft>
+            </a:pPr>
+            <a:r>
+              <a:rPr lang="sv-SE" sz="3600" dirty="0" smtClean="0">
+                <a:solidFill>
+                  <a:schemeClr val="accent4"/>
+                </a:solidFill>
+                <a:latin typeface="Arial Black" panose="020B0A04020102020204" pitchFamily="34" charset="0"/>
+              </a:rPr>
+              <a:t>Lahir </a:t>
+            </a:r>
+            <a:r>
+              <a:rPr lang="sv-SE" sz="3600" dirty="0">
+                <a:solidFill>
+                  <a:schemeClr val="accent4"/>
+                </a:solidFill>
+                <a:latin typeface="Arial Black" panose="020B0A04020102020204" pitchFamily="34" charset="0"/>
+              </a:rPr>
+              <a:t>Kristus, Sang Terang!</a:t>
+            </a:r>
+          </a:p>
+          <a:p>
+            <a:pPr marL="152400" indent="0" algn="l">
+              <a:spcAft>
+                <a:spcPts val="1200"/>
+              </a:spcAft>
+            </a:pPr>
+            <a:r>
+              <a:rPr lang="sv-SE" sz="3600" dirty="0" smtClean="0">
+                <a:solidFill>
+                  <a:schemeClr val="accent4"/>
+                </a:solidFill>
+                <a:latin typeface="Arial Black" panose="020B0A04020102020204" pitchFamily="34" charset="0"/>
+              </a:rPr>
+              <a:t>Gita </a:t>
+            </a:r>
+            <a:r>
+              <a:rPr lang="sv-SE" sz="3600" dirty="0">
+                <a:solidFill>
+                  <a:schemeClr val="accent4"/>
+                </a:solidFill>
+                <a:latin typeface="Arial Black" panose="020B0A04020102020204" pitchFamily="34" charset="0"/>
+              </a:rPr>
+              <a:t>surga bergema, </a:t>
+            </a:r>
+            <a:endParaRPr lang="sv-SE" sz="3600" dirty="0" smtClean="0">
+              <a:solidFill>
+                <a:schemeClr val="accent4"/>
+              </a:solidFill>
+              <a:latin typeface="Arial Black" panose="020B0A04020102020204" pitchFamily="34" charset="0"/>
+            </a:endParaRPr>
+          </a:p>
+          <a:p>
+            <a:pPr marL="152400" indent="0" algn="l">
+              <a:spcAft>
+                <a:spcPts val="1200"/>
+              </a:spcAft>
+            </a:pPr>
+            <a:r>
+              <a:rPr lang="sv-SE" sz="3600" dirty="0" smtClean="0">
+                <a:solidFill>
+                  <a:schemeClr val="accent4"/>
+                </a:solidFill>
+                <a:latin typeface="Arial Black" panose="020B0A04020102020204" pitchFamily="34" charset="0"/>
+              </a:rPr>
+              <a:t>"</a:t>
+            </a:r>
+            <a:r>
+              <a:rPr lang="sv-SE" sz="3600" dirty="0">
+                <a:solidFill>
+                  <a:schemeClr val="accent4"/>
+                </a:solidFill>
+                <a:latin typeface="Arial Black" panose="020B0A04020102020204" pitchFamily="34" charset="0"/>
+              </a:rPr>
+              <a:t>Lahir Raja mulia !"</a:t>
+            </a:r>
+          </a:p>
+        </p:txBody>
+      </p:sp>
+    </p:spTree>
+    <p:extLst>
+      <p:ext uri="{BB962C8B-B14F-4D97-AF65-F5344CB8AC3E}">
+        <p14:creationId xmlns:p14="http://schemas.microsoft.com/office/powerpoint/2010/main" val="770542484"/>
+      </p:ext>
+    </p:extLst>
+  </p:cSld>
+  <p:clrMapOvr>
+    <a:masterClrMapping/>
+  </p:clrMapOvr>
+  <p:timing>
+    <p:tnLst>
+      <p:par>
+        <p:cTn id="1" dur="indefinite" restart="never" nodeType="tmRoot"/>
+      </p:par>
+    </p:tnLst>
+  </p:timing>
+</p:sld>
+</file>
+
+<file path=ppt/slides/slide65.xml><?xml version="1.0" encoding="utf-8"?>
+<p:sld xmlns:a="http://schemas.openxmlformats.org/drawingml/2006/main" xmlns:r="http://schemas.openxmlformats.org/officeDocument/2006/relationships" xmlns:p="http://schemas.openxmlformats.org/presentationml/2006/main">
+  <p:cSld>
+    <p:spTree>
+      <p:nvGrpSpPr>
+        <p:cNvPr id="1" name="Shape 828"/>
+        <p:cNvGrpSpPr/>
+        <p:nvPr/>
+      </p:nvGrpSpPr>
+      <p:grpSpPr>
+        <a:xfrm>
+          <a:off x="0" y="0"/>
+          <a:ext cx="0" cy="0"/>
+          <a:chOff x="0" y="0"/>
+          <a:chExt cx="0" cy="0"/>
+        </a:xfrm>
+      </p:grpSpPr>
+      <p:sp>
+        <p:nvSpPr>
+          <p:cNvPr id="7" name="Text Placeholder 1"/>
+          <p:cNvSpPr txBox="1">
+            <a:spLocks/>
+          </p:cNvSpPr>
+          <p:nvPr/>
+        </p:nvSpPr>
+        <p:spPr>
+          <a:xfrm>
+            <a:off x="340243" y="774443"/>
+            <a:ext cx="8559208" cy="3052179"/>
+          </a:xfrm>
+          <a:prstGeom prst="rect">
+            <a:avLst/>
+          </a:prstGeom>
+          <a:noFill/>
+          <a:ln>
+            <a:noFill/>
+          </a:ln>
+        </p:spPr>
+        <p:txBody>
+          <a:bodyPr spcFirstLastPara="1" wrap="square" lIns="91425" tIns="91425" rIns="91425" bIns="91425" anchor="t" anchorCtr="0">
+            <a:noAutofit/>
+          </a:bodyPr>
+          <a:lstStyle>
+            <a:defPPr marR="0" lvl="0" algn="l" rtl="0">
+              <a:lnSpc>
+                <a:spcPct val="100000"/>
+              </a:lnSpc>
+              <a:spcBef>
+                <a:spcPts val="0"/>
+              </a:spcBef>
+              <a:spcAft>
+                <a:spcPts val="0"/>
+              </a:spcAft>
+            </a:defPPr>
+            <a:lvl1pPr marL="457200" marR="0" lvl="0" indent="-323850" algn="ctr" rtl="0">
+              <a:lnSpc>
+                <a:spcPct val="115000"/>
+              </a:lnSpc>
+              <a:spcBef>
+                <a:spcPts val="0"/>
+              </a:spcBef>
+              <a:spcAft>
+                <a:spcPts val="0"/>
+              </a:spcAft>
+              <a:buClr>
+                <a:srgbClr val="FBFBFB"/>
+              </a:buClr>
+              <a:buSzPts val="2000"/>
+              <a:buFont typeface="Holtwood One SC"/>
+              <a:buNone/>
+              <a:defRPr sz="2200" b="0" i="0" u="none" strike="noStrike" cap="none">
+                <a:solidFill>
+                  <a:schemeClr val="dk2"/>
+                </a:solidFill>
+                <a:latin typeface="Fredoka One"/>
+                <a:ea typeface="Fredoka One"/>
+                <a:cs typeface="Fredoka One"/>
+                <a:sym typeface="Fredoka One"/>
+              </a:defRPr>
+            </a:lvl1pPr>
+            <a:lvl2pPr marL="914400" marR="0" lvl="1" indent="-323850" algn="l" rtl="0">
+              <a:lnSpc>
+                <a:spcPct val="115000"/>
+              </a:lnSpc>
+              <a:spcBef>
+                <a:spcPts val="1600"/>
+              </a:spcBef>
+              <a:spcAft>
+                <a:spcPts val="0"/>
+              </a:spcAft>
+              <a:buClr>
+                <a:srgbClr val="FBFBFB"/>
+              </a:buClr>
+              <a:buSzPts val="2000"/>
+              <a:buFont typeface="Holtwood One SC"/>
+              <a:buNone/>
+              <a:defRPr sz="2000" b="0" i="0" u="none" strike="noStrike" cap="none">
+                <a:solidFill>
+                  <a:srgbClr val="FBFBFB"/>
+                </a:solidFill>
+                <a:latin typeface="Holtwood One SC"/>
+                <a:ea typeface="Holtwood One SC"/>
+                <a:cs typeface="Holtwood One SC"/>
+                <a:sym typeface="Holtwood One SC"/>
+              </a:defRPr>
+            </a:lvl2pPr>
+            <a:lvl3pPr marL="1371600" marR="0" lvl="2" indent="-323850" algn="l" rtl="0">
+              <a:lnSpc>
+                <a:spcPct val="115000"/>
+              </a:lnSpc>
+              <a:spcBef>
+                <a:spcPts val="1600"/>
+              </a:spcBef>
+              <a:spcAft>
+                <a:spcPts val="0"/>
+              </a:spcAft>
+              <a:buClr>
+                <a:srgbClr val="FBFBFB"/>
+              </a:buClr>
+              <a:buSzPts val="2000"/>
+              <a:buFont typeface="Holtwood One SC"/>
+              <a:buNone/>
+              <a:defRPr sz="2000" b="0" i="0" u="none" strike="noStrike" cap="none">
+                <a:solidFill>
+                  <a:srgbClr val="FBFBFB"/>
+                </a:solidFill>
+                <a:latin typeface="Holtwood One SC"/>
+                <a:ea typeface="Holtwood One SC"/>
+                <a:cs typeface="Holtwood One SC"/>
+                <a:sym typeface="Holtwood One SC"/>
+              </a:defRPr>
+            </a:lvl3pPr>
+            <a:lvl4pPr marL="1828800" marR="0" lvl="3" indent="-323850" algn="l" rtl="0">
+              <a:lnSpc>
+                <a:spcPct val="115000"/>
+              </a:lnSpc>
+              <a:spcBef>
+                <a:spcPts val="1600"/>
+              </a:spcBef>
+              <a:spcAft>
+                <a:spcPts val="0"/>
+              </a:spcAft>
+              <a:buClr>
+                <a:srgbClr val="FBFBFB"/>
+              </a:buClr>
+              <a:buSzPts val="2000"/>
+              <a:buFont typeface="Holtwood One SC"/>
+              <a:buNone/>
+              <a:defRPr sz="2000" b="0" i="0" u="none" strike="noStrike" cap="none">
+                <a:solidFill>
+                  <a:srgbClr val="FBFBFB"/>
+                </a:solidFill>
+                <a:latin typeface="Holtwood One SC"/>
+                <a:ea typeface="Holtwood One SC"/>
+                <a:cs typeface="Holtwood One SC"/>
+                <a:sym typeface="Holtwood One SC"/>
+              </a:defRPr>
+            </a:lvl4pPr>
+            <a:lvl5pPr marL="2286000" marR="0" lvl="4" indent="-323850" algn="l" rtl="0">
+              <a:lnSpc>
+                <a:spcPct val="115000"/>
+              </a:lnSpc>
+              <a:spcBef>
+                <a:spcPts val="1600"/>
+              </a:spcBef>
+              <a:spcAft>
+                <a:spcPts val="0"/>
+              </a:spcAft>
+              <a:buClr>
+                <a:srgbClr val="FBFBFB"/>
+              </a:buClr>
+              <a:buSzPts val="2000"/>
+              <a:buFont typeface="Holtwood One SC"/>
+              <a:buNone/>
+              <a:defRPr sz="2000" b="0" i="0" u="none" strike="noStrike" cap="none">
+                <a:solidFill>
+                  <a:srgbClr val="FBFBFB"/>
+                </a:solidFill>
+                <a:latin typeface="Holtwood One SC"/>
+                <a:ea typeface="Holtwood One SC"/>
+                <a:cs typeface="Holtwood One SC"/>
+                <a:sym typeface="Holtwood One SC"/>
+              </a:defRPr>
+            </a:lvl5pPr>
+            <a:lvl6pPr marL="2743200" marR="0" lvl="5" indent="-323850" algn="l" rtl="0">
+              <a:lnSpc>
+                <a:spcPct val="115000"/>
+              </a:lnSpc>
+              <a:spcBef>
+                <a:spcPts val="1600"/>
+              </a:spcBef>
+              <a:spcAft>
+                <a:spcPts val="0"/>
+              </a:spcAft>
+              <a:buClr>
+                <a:srgbClr val="FBFBFB"/>
+              </a:buClr>
+              <a:buSzPts val="2000"/>
+              <a:buFont typeface="Holtwood One SC"/>
+              <a:buNone/>
+              <a:defRPr sz="2000" b="0" i="0" u="none" strike="noStrike" cap="none">
+                <a:solidFill>
+                  <a:srgbClr val="FBFBFB"/>
+                </a:solidFill>
+                <a:latin typeface="Holtwood One SC"/>
+                <a:ea typeface="Holtwood One SC"/>
+                <a:cs typeface="Holtwood One SC"/>
+                <a:sym typeface="Holtwood One SC"/>
+              </a:defRPr>
+            </a:lvl6pPr>
+            <a:lvl7pPr marL="3200400" marR="0" lvl="6" indent="-317500" algn="l" rtl="0">
+              <a:lnSpc>
+                <a:spcPct val="115000"/>
+              </a:lnSpc>
+              <a:spcBef>
+                <a:spcPts val="1600"/>
+              </a:spcBef>
+              <a:spcAft>
+                <a:spcPts val="0"/>
+              </a:spcAft>
+              <a:buClr>
+                <a:srgbClr val="FBFBFB"/>
+              </a:buClr>
+              <a:buSzPts val="2000"/>
+              <a:buFont typeface="Holtwood One SC"/>
+              <a:buNone/>
+              <a:defRPr sz="2000" b="0" i="0" u="none" strike="noStrike" cap="none">
+                <a:solidFill>
+                  <a:srgbClr val="FBFBFB"/>
+                </a:solidFill>
+                <a:latin typeface="Holtwood One SC"/>
+                <a:ea typeface="Holtwood One SC"/>
+                <a:cs typeface="Holtwood One SC"/>
+                <a:sym typeface="Holtwood One SC"/>
+              </a:defRPr>
+            </a:lvl7pPr>
+            <a:lvl8pPr marL="3657600" marR="0" lvl="7" indent="-317500" algn="l" rtl="0">
+              <a:lnSpc>
+                <a:spcPct val="115000"/>
+              </a:lnSpc>
+              <a:spcBef>
+                <a:spcPts val="1600"/>
+              </a:spcBef>
+              <a:spcAft>
+                <a:spcPts val="0"/>
+              </a:spcAft>
+              <a:buClr>
+                <a:schemeClr val="dk2"/>
+              </a:buClr>
+              <a:buSzPts val="2000"/>
+              <a:buFont typeface="Holtwood One SC"/>
+              <a:buNone/>
+              <a:defRPr sz="2000" b="0" i="0" u="none" strike="noStrike" cap="none">
+                <a:solidFill>
+                  <a:schemeClr val="dk2"/>
+                </a:solidFill>
+                <a:latin typeface="Holtwood One SC"/>
+                <a:ea typeface="Holtwood One SC"/>
+                <a:cs typeface="Holtwood One SC"/>
+                <a:sym typeface="Holtwood One SC"/>
+              </a:defRPr>
+            </a:lvl8pPr>
+            <a:lvl9pPr marL="4114800" marR="0" lvl="8" indent="-317500" algn="l" rtl="0">
+              <a:lnSpc>
+                <a:spcPct val="115000"/>
+              </a:lnSpc>
+              <a:spcBef>
+                <a:spcPts val="1600"/>
+              </a:spcBef>
+              <a:spcAft>
+                <a:spcPts val="1600"/>
+              </a:spcAft>
+              <a:buClr>
+                <a:schemeClr val="dk2"/>
+              </a:buClr>
+              <a:buSzPts val="2000"/>
+              <a:buFont typeface="Holtwood One SC"/>
+              <a:buNone/>
+              <a:defRPr sz="2000" b="0" i="0" u="none" strike="noStrike" cap="none">
+                <a:solidFill>
+                  <a:schemeClr val="dk2"/>
+                </a:solidFill>
+                <a:latin typeface="Holtwood One SC"/>
+                <a:ea typeface="Holtwood One SC"/>
+                <a:cs typeface="Holtwood One SC"/>
+                <a:sym typeface="Holtwood One SC"/>
+              </a:defRPr>
+            </a:lvl9pPr>
+          </a:lstStyle>
+          <a:p>
+            <a:pPr marL="152400" indent="0" algn="l">
+              <a:spcAft>
+                <a:spcPts val="1200"/>
+              </a:spcAft>
+            </a:pPr>
+            <a:r>
+              <a:rPr lang="pt-BR" sz="3600" dirty="0">
+                <a:solidFill>
+                  <a:schemeClr val="accent4"/>
+                </a:solidFill>
+                <a:latin typeface="Arial Black" panose="020B0A04020102020204" pitchFamily="34" charset="0"/>
+              </a:rPr>
+              <a:t>Yang di surga disembah Kristus, </a:t>
+            </a:r>
+            <a:endParaRPr lang="pt-BR" sz="3600" dirty="0" smtClean="0">
+              <a:solidFill>
+                <a:schemeClr val="accent4"/>
+              </a:solidFill>
+              <a:latin typeface="Arial Black" panose="020B0A04020102020204" pitchFamily="34" charset="0"/>
+            </a:endParaRPr>
+          </a:p>
+          <a:p>
+            <a:pPr marL="152400" indent="0" algn="l">
+              <a:spcAft>
+                <a:spcPts val="1200"/>
+              </a:spcAft>
+            </a:pPr>
+            <a:r>
+              <a:rPr lang="pt-BR" sz="3600" dirty="0" smtClean="0">
+                <a:solidFill>
+                  <a:schemeClr val="accent4"/>
+                </a:solidFill>
+                <a:latin typeface="Arial Black" panose="020B0A04020102020204" pitchFamily="34" charset="0"/>
+              </a:rPr>
+              <a:t>Raja </a:t>
+            </a:r>
+            <a:r>
+              <a:rPr lang="pt-BR" sz="3600" dirty="0">
+                <a:solidFill>
+                  <a:schemeClr val="accent4"/>
+                </a:solidFill>
+                <a:latin typeface="Arial Black" panose="020B0A04020102020204" pitchFamily="34" charset="0"/>
+              </a:rPr>
+              <a:t>yang baka,</a:t>
+            </a:r>
+          </a:p>
+          <a:p>
+            <a:pPr marL="152400" indent="0" algn="l">
+              <a:spcAft>
+                <a:spcPts val="1200"/>
+              </a:spcAft>
+            </a:pPr>
+            <a:r>
+              <a:rPr lang="pt-BR" sz="3600" dirty="0" smtClean="0">
+                <a:solidFill>
+                  <a:schemeClr val="accent4"/>
+                </a:solidFill>
+                <a:latin typeface="Arial Black" panose="020B0A04020102020204" pitchFamily="34" charset="0"/>
+              </a:rPr>
+              <a:t>Lahir </a:t>
+            </a:r>
+            <a:r>
+              <a:rPr lang="pt-BR" sz="3600" dirty="0">
+                <a:solidFill>
+                  <a:schemeClr val="accent4"/>
+                </a:solidFill>
+                <a:latin typeface="Arial Black" panose="020B0A04020102020204" pitchFamily="34" charset="0"/>
+              </a:rPr>
+              <a:t>dalam dunia </a:t>
+            </a:r>
+            <a:endParaRPr lang="pt-BR" sz="3600" dirty="0" smtClean="0">
+              <a:solidFill>
+                <a:schemeClr val="accent4"/>
+              </a:solidFill>
+              <a:latin typeface="Arial Black" panose="020B0A04020102020204" pitchFamily="34" charset="0"/>
+            </a:endParaRPr>
+          </a:p>
+          <a:p>
+            <a:pPr marL="152400" indent="0" algn="l">
+              <a:spcAft>
+                <a:spcPts val="1200"/>
+              </a:spcAft>
+            </a:pPr>
+            <a:r>
+              <a:rPr lang="pt-BR" sz="3600" dirty="0" smtClean="0">
+                <a:solidFill>
+                  <a:schemeClr val="accent4"/>
+                </a:solidFill>
+                <a:latin typeface="Arial Black" panose="020B0A04020102020204" pitchFamily="34" charset="0"/>
+              </a:rPr>
+              <a:t>dan </a:t>
+            </a:r>
+            <a:r>
+              <a:rPr lang="pt-BR" sz="3600" dirty="0">
+                <a:solidFill>
+                  <a:schemeClr val="accent4"/>
+                </a:solidFill>
+                <a:latin typeface="Arial Black" panose="020B0A04020102020204" pitchFamily="34" charset="0"/>
+              </a:rPr>
+              <a:t>Maria bundaNya.</a:t>
+            </a:r>
+          </a:p>
+        </p:txBody>
+      </p:sp>
+    </p:spTree>
+    <p:extLst>
+      <p:ext uri="{BB962C8B-B14F-4D97-AF65-F5344CB8AC3E}">
+        <p14:creationId xmlns:p14="http://schemas.microsoft.com/office/powerpoint/2010/main" val="1884011829"/>
+      </p:ext>
+    </p:extLst>
+  </p:cSld>
+  <p:clrMapOvr>
+    <a:masterClrMapping/>
+  </p:clrMapOvr>
+  <p:timing>
+    <p:tnLst>
+      <p:par>
+        <p:cTn id="1" dur="indefinite" restart="never" nodeType="tmRoot"/>
+      </p:par>
+    </p:tnLst>
+  </p:timing>
+</p:sld>
+</file>
+
+<file path=ppt/slides/slide66.xml><?xml version="1.0" encoding="utf-8"?>
+<p:sld xmlns:a="http://schemas.openxmlformats.org/drawingml/2006/main" xmlns:r="http://schemas.openxmlformats.org/officeDocument/2006/relationships" xmlns:p="http://schemas.openxmlformats.org/presentationml/2006/main">
+  <p:cSld>
+    <p:spTree>
+      <p:nvGrpSpPr>
+        <p:cNvPr id="1" name="Shape 828"/>
+        <p:cNvGrpSpPr/>
+        <p:nvPr/>
+      </p:nvGrpSpPr>
+      <p:grpSpPr>
+        <a:xfrm>
+          <a:off x="0" y="0"/>
+          <a:ext cx="0" cy="0"/>
+          <a:chOff x="0" y="0"/>
+          <a:chExt cx="0" cy="0"/>
+        </a:xfrm>
+      </p:grpSpPr>
+      <p:sp>
+        <p:nvSpPr>
+          <p:cNvPr id="7" name="Text Placeholder 1"/>
+          <p:cNvSpPr txBox="1">
+            <a:spLocks/>
+          </p:cNvSpPr>
+          <p:nvPr/>
+        </p:nvSpPr>
+        <p:spPr>
+          <a:xfrm>
             <a:off x="414671" y="327877"/>
             <a:ext cx="8612371" cy="3052179"/>
           </a:xfrm>
@@ -42742,6 +45848,908 @@
               </a:spcAft>
             </a:pPr>
             <a:r>
+              <a:rPr lang="sv-SE" sz="3600" dirty="0">
+                <a:solidFill>
+                  <a:schemeClr val="accent4"/>
+                </a:solidFill>
+                <a:latin typeface="Arial Black" panose="020B0A04020102020204" pitchFamily="34" charset="0"/>
+              </a:rPr>
+              <a:t>Dalam daging dikenal Firman </a:t>
+            </a:r>
+            <a:endParaRPr lang="sv-SE" sz="3600" dirty="0" smtClean="0">
+              <a:solidFill>
+                <a:schemeClr val="accent4"/>
+              </a:solidFill>
+              <a:latin typeface="Arial Black" panose="020B0A04020102020204" pitchFamily="34" charset="0"/>
+            </a:endParaRPr>
+          </a:p>
+          <a:p>
+            <a:pPr marL="152400" indent="0" algn="l">
+              <a:spcAft>
+                <a:spcPts val="1200"/>
+              </a:spcAft>
+            </a:pPr>
+            <a:r>
+              <a:rPr lang="sv-SE" sz="3600" dirty="0" smtClean="0">
+                <a:solidFill>
+                  <a:schemeClr val="accent4"/>
+                </a:solidFill>
+                <a:latin typeface="Arial Black" panose="020B0A04020102020204" pitchFamily="34" charset="0"/>
+              </a:rPr>
+              <a:t>Allah </a:t>
+            </a:r>
+            <a:r>
+              <a:rPr lang="sv-SE" sz="3600" dirty="0">
+                <a:solidFill>
+                  <a:schemeClr val="accent4"/>
+                </a:solidFill>
+                <a:latin typeface="Arial Black" panose="020B0A04020102020204" pitchFamily="34" charset="0"/>
+              </a:rPr>
+              <a:t>yang </a:t>
+            </a:r>
+            <a:r>
+              <a:rPr lang="sv-SE" sz="3600" dirty="0" smtClean="0">
+                <a:solidFill>
+                  <a:schemeClr val="accent4"/>
+                </a:solidFill>
+                <a:latin typeface="Arial Black" panose="020B0A04020102020204" pitchFamily="34" charset="0"/>
+              </a:rPr>
+              <a:t>kekal </a:t>
+            </a:r>
+          </a:p>
+          <a:p>
+            <a:pPr marL="152400" indent="0" algn="l">
+              <a:spcAft>
+                <a:spcPts val="1200"/>
+              </a:spcAft>
+            </a:pPr>
+            <a:r>
+              <a:rPr lang="sv-SE" sz="3600" dirty="0">
+                <a:solidFill>
+                  <a:schemeClr val="accent4"/>
+                </a:solidFill>
+                <a:latin typeface="Arial Black" panose="020B0A04020102020204" pitchFamily="34" charset="0"/>
+              </a:rPr>
+              <a:t>D</a:t>
+            </a:r>
+            <a:r>
+              <a:rPr lang="sv-SE" sz="3600" dirty="0" smtClean="0">
+                <a:solidFill>
+                  <a:schemeClr val="accent4"/>
+                </a:solidFill>
+                <a:latin typeface="Arial Black" panose="020B0A04020102020204" pitchFamily="34" charset="0"/>
+              </a:rPr>
+              <a:t>alam </a:t>
+            </a:r>
+            <a:r>
+              <a:rPr lang="sv-SE" sz="3600" dirty="0">
+                <a:solidFill>
+                  <a:schemeClr val="accent4"/>
+                </a:solidFill>
+                <a:latin typeface="Arial Black" panose="020B0A04020102020204" pitchFamily="34" charset="0"/>
+              </a:rPr>
+              <a:t>Anak yang kecil </a:t>
+            </a:r>
+            <a:endParaRPr lang="sv-SE" sz="3600" dirty="0" smtClean="0">
+              <a:solidFill>
+                <a:schemeClr val="accent4"/>
+              </a:solidFill>
+              <a:latin typeface="Arial Black" panose="020B0A04020102020204" pitchFamily="34" charset="0"/>
+            </a:endParaRPr>
+          </a:p>
+          <a:p>
+            <a:pPr marL="152400" indent="0" algn="l">
+              <a:spcAft>
+                <a:spcPts val="1200"/>
+              </a:spcAft>
+            </a:pPr>
+            <a:r>
+              <a:rPr lang="sv-SE" sz="3600" dirty="0" smtClean="0">
+                <a:solidFill>
+                  <a:schemeClr val="accent4"/>
+                </a:solidFill>
+                <a:latin typeface="Arial Black" panose="020B0A04020102020204" pitchFamily="34" charset="0"/>
+              </a:rPr>
+              <a:t>nyatalah </a:t>
+            </a:r>
+            <a:r>
+              <a:rPr lang="sv-SE" sz="3600" dirty="0">
+                <a:solidFill>
+                  <a:schemeClr val="accent4"/>
+                </a:solidFill>
+                <a:latin typeface="Arial Black" panose="020B0A04020102020204" pitchFamily="34" charset="0"/>
+              </a:rPr>
+              <a:t>Imanuel !</a:t>
+            </a:r>
+          </a:p>
+          <a:p>
+            <a:pPr marL="152400" indent="0" algn="l">
+              <a:spcAft>
+                <a:spcPts val="1200"/>
+              </a:spcAft>
+            </a:pPr>
+            <a:r>
+              <a:rPr lang="sv-SE" sz="3600" dirty="0" smtClean="0">
+                <a:solidFill>
+                  <a:schemeClr val="accent4"/>
+                </a:solidFill>
+                <a:latin typeface="Arial Black" panose="020B0A04020102020204" pitchFamily="34" charset="0"/>
+              </a:rPr>
+              <a:t>Gita </a:t>
+            </a:r>
+            <a:r>
+              <a:rPr lang="sv-SE" sz="3600" dirty="0">
+                <a:solidFill>
+                  <a:schemeClr val="accent4"/>
+                </a:solidFill>
+                <a:latin typeface="Arial Black" panose="020B0A04020102020204" pitchFamily="34" charset="0"/>
+              </a:rPr>
+              <a:t>surga bergema, </a:t>
+            </a:r>
+            <a:endParaRPr lang="sv-SE" sz="3600" dirty="0" smtClean="0">
+              <a:solidFill>
+                <a:schemeClr val="accent4"/>
+              </a:solidFill>
+              <a:latin typeface="Arial Black" panose="020B0A04020102020204" pitchFamily="34" charset="0"/>
+            </a:endParaRPr>
+          </a:p>
+          <a:p>
+            <a:pPr marL="152400" indent="0" algn="l">
+              <a:spcAft>
+                <a:spcPts val="1200"/>
+              </a:spcAft>
+            </a:pPr>
+            <a:r>
+              <a:rPr lang="sv-SE" sz="3600" dirty="0" smtClean="0">
+                <a:solidFill>
+                  <a:schemeClr val="accent4"/>
+                </a:solidFill>
+                <a:latin typeface="Arial Black" panose="020B0A04020102020204" pitchFamily="34" charset="0"/>
+              </a:rPr>
+              <a:t>"</a:t>
+            </a:r>
+            <a:r>
+              <a:rPr lang="sv-SE" sz="3600" dirty="0">
+                <a:solidFill>
+                  <a:schemeClr val="accent4"/>
+                </a:solidFill>
+                <a:latin typeface="Arial Black" panose="020B0A04020102020204" pitchFamily="34" charset="0"/>
+              </a:rPr>
+              <a:t>Lahir Raja mulia!"</a:t>
+            </a:r>
+          </a:p>
+        </p:txBody>
+      </p:sp>
+    </p:spTree>
+    <p:extLst>
+      <p:ext uri="{BB962C8B-B14F-4D97-AF65-F5344CB8AC3E}">
+        <p14:creationId xmlns:p14="http://schemas.microsoft.com/office/powerpoint/2010/main" val="3686982243"/>
+      </p:ext>
+    </p:extLst>
+  </p:cSld>
+  <p:clrMapOvr>
+    <a:masterClrMapping/>
+  </p:clrMapOvr>
+  <p:timing>
+    <p:tnLst>
+      <p:par>
+        <p:cTn id="1" dur="indefinite" restart="never" nodeType="tmRoot"/>
+      </p:par>
+    </p:tnLst>
+  </p:timing>
+</p:sld>
+</file>
+
+<file path=ppt/slides/slide67.xml><?xml version="1.0" encoding="utf-8"?>
+<p:sld xmlns:a="http://schemas.openxmlformats.org/drawingml/2006/main" xmlns:r="http://schemas.openxmlformats.org/officeDocument/2006/relationships" xmlns:p="http://schemas.openxmlformats.org/presentationml/2006/main">
+  <p:cSld>
+    <p:spTree>
+      <p:nvGrpSpPr>
+        <p:cNvPr id="1" name="Shape 828"/>
+        <p:cNvGrpSpPr/>
+        <p:nvPr/>
+      </p:nvGrpSpPr>
+      <p:grpSpPr>
+        <a:xfrm>
+          <a:off x="0" y="0"/>
+          <a:ext cx="0" cy="0"/>
+          <a:chOff x="0" y="0"/>
+          <a:chExt cx="0" cy="0"/>
+        </a:xfrm>
+      </p:grpSpPr>
+      <p:sp>
+        <p:nvSpPr>
+          <p:cNvPr id="7" name="Text Placeholder 1"/>
+          <p:cNvSpPr txBox="1">
+            <a:spLocks/>
+          </p:cNvSpPr>
+          <p:nvPr/>
+        </p:nvSpPr>
+        <p:spPr>
+          <a:xfrm>
+            <a:off x="340243" y="774443"/>
+            <a:ext cx="8559208" cy="3052179"/>
+          </a:xfrm>
+          <a:prstGeom prst="rect">
+            <a:avLst/>
+          </a:prstGeom>
+          <a:noFill/>
+          <a:ln>
+            <a:noFill/>
+          </a:ln>
+        </p:spPr>
+        <p:txBody>
+          <a:bodyPr spcFirstLastPara="1" wrap="square" lIns="91425" tIns="91425" rIns="91425" bIns="91425" anchor="t" anchorCtr="0">
+            <a:noAutofit/>
+          </a:bodyPr>
+          <a:lstStyle>
+            <a:defPPr marR="0" lvl="0" algn="l" rtl="0">
+              <a:lnSpc>
+                <a:spcPct val="100000"/>
+              </a:lnSpc>
+              <a:spcBef>
+                <a:spcPts val="0"/>
+              </a:spcBef>
+              <a:spcAft>
+                <a:spcPts val="0"/>
+              </a:spcAft>
+            </a:defPPr>
+            <a:lvl1pPr marL="457200" marR="0" lvl="0" indent="-323850" algn="ctr" rtl="0">
+              <a:lnSpc>
+                <a:spcPct val="115000"/>
+              </a:lnSpc>
+              <a:spcBef>
+                <a:spcPts val="0"/>
+              </a:spcBef>
+              <a:spcAft>
+                <a:spcPts val="0"/>
+              </a:spcAft>
+              <a:buClr>
+                <a:srgbClr val="FBFBFB"/>
+              </a:buClr>
+              <a:buSzPts val="2000"/>
+              <a:buFont typeface="Holtwood One SC"/>
+              <a:buNone/>
+              <a:defRPr sz="2200" b="0" i="0" u="none" strike="noStrike" cap="none">
+                <a:solidFill>
+                  <a:schemeClr val="dk2"/>
+                </a:solidFill>
+                <a:latin typeface="Fredoka One"/>
+                <a:ea typeface="Fredoka One"/>
+                <a:cs typeface="Fredoka One"/>
+                <a:sym typeface="Fredoka One"/>
+              </a:defRPr>
+            </a:lvl1pPr>
+            <a:lvl2pPr marL="914400" marR="0" lvl="1" indent="-323850" algn="l" rtl="0">
+              <a:lnSpc>
+                <a:spcPct val="115000"/>
+              </a:lnSpc>
+              <a:spcBef>
+                <a:spcPts val="1600"/>
+              </a:spcBef>
+              <a:spcAft>
+                <a:spcPts val="0"/>
+              </a:spcAft>
+              <a:buClr>
+                <a:srgbClr val="FBFBFB"/>
+              </a:buClr>
+              <a:buSzPts val="2000"/>
+              <a:buFont typeface="Holtwood One SC"/>
+              <a:buNone/>
+              <a:defRPr sz="2000" b="0" i="0" u="none" strike="noStrike" cap="none">
+                <a:solidFill>
+                  <a:srgbClr val="FBFBFB"/>
+                </a:solidFill>
+                <a:latin typeface="Holtwood One SC"/>
+                <a:ea typeface="Holtwood One SC"/>
+                <a:cs typeface="Holtwood One SC"/>
+                <a:sym typeface="Holtwood One SC"/>
+              </a:defRPr>
+            </a:lvl2pPr>
+            <a:lvl3pPr marL="1371600" marR="0" lvl="2" indent="-323850" algn="l" rtl="0">
+              <a:lnSpc>
+                <a:spcPct val="115000"/>
+              </a:lnSpc>
+              <a:spcBef>
+                <a:spcPts val="1600"/>
+              </a:spcBef>
+              <a:spcAft>
+                <a:spcPts val="0"/>
+              </a:spcAft>
+              <a:buClr>
+                <a:srgbClr val="FBFBFB"/>
+              </a:buClr>
+              <a:buSzPts val="2000"/>
+              <a:buFont typeface="Holtwood One SC"/>
+              <a:buNone/>
+              <a:defRPr sz="2000" b="0" i="0" u="none" strike="noStrike" cap="none">
+                <a:solidFill>
+                  <a:srgbClr val="FBFBFB"/>
+                </a:solidFill>
+                <a:latin typeface="Holtwood One SC"/>
+                <a:ea typeface="Holtwood One SC"/>
+                <a:cs typeface="Holtwood One SC"/>
+                <a:sym typeface="Holtwood One SC"/>
+              </a:defRPr>
+            </a:lvl3pPr>
+            <a:lvl4pPr marL="1828800" marR="0" lvl="3" indent="-323850" algn="l" rtl="0">
+              <a:lnSpc>
+                <a:spcPct val="115000"/>
+              </a:lnSpc>
+              <a:spcBef>
+                <a:spcPts val="1600"/>
+              </a:spcBef>
+              <a:spcAft>
+                <a:spcPts val="0"/>
+              </a:spcAft>
+              <a:buClr>
+                <a:srgbClr val="FBFBFB"/>
+              </a:buClr>
+              <a:buSzPts val="2000"/>
+              <a:buFont typeface="Holtwood One SC"/>
+              <a:buNone/>
+              <a:defRPr sz="2000" b="0" i="0" u="none" strike="noStrike" cap="none">
+                <a:solidFill>
+                  <a:srgbClr val="FBFBFB"/>
+                </a:solidFill>
+                <a:latin typeface="Holtwood One SC"/>
+                <a:ea typeface="Holtwood One SC"/>
+                <a:cs typeface="Holtwood One SC"/>
+                <a:sym typeface="Holtwood One SC"/>
+              </a:defRPr>
+            </a:lvl4pPr>
+            <a:lvl5pPr marL="2286000" marR="0" lvl="4" indent="-323850" algn="l" rtl="0">
+              <a:lnSpc>
+                <a:spcPct val="115000"/>
+              </a:lnSpc>
+              <a:spcBef>
+                <a:spcPts val="1600"/>
+              </a:spcBef>
+              <a:spcAft>
+                <a:spcPts val="0"/>
+              </a:spcAft>
+              <a:buClr>
+                <a:srgbClr val="FBFBFB"/>
+              </a:buClr>
+              <a:buSzPts val="2000"/>
+              <a:buFont typeface="Holtwood One SC"/>
+              <a:buNone/>
+              <a:defRPr sz="2000" b="0" i="0" u="none" strike="noStrike" cap="none">
+                <a:solidFill>
+                  <a:srgbClr val="FBFBFB"/>
+                </a:solidFill>
+                <a:latin typeface="Holtwood One SC"/>
+                <a:ea typeface="Holtwood One SC"/>
+                <a:cs typeface="Holtwood One SC"/>
+                <a:sym typeface="Holtwood One SC"/>
+              </a:defRPr>
+            </a:lvl5pPr>
+            <a:lvl6pPr marL="2743200" marR="0" lvl="5" indent="-323850" algn="l" rtl="0">
+              <a:lnSpc>
+                <a:spcPct val="115000"/>
+              </a:lnSpc>
+              <a:spcBef>
+                <a:spcPts val="1600"/>
+              </a:spcBef>
+              <a:spcAft>
+                <a:spcPts val="0"/>
+              </a:spcAft>
+              <a:buClr>
+                <a:srgbClr val="FBFBFB"/>
+              </a:buClr>
+              <a:buSzPts val="2000"/>
+              <a:buFont typeface="Holtwood One SC"/>
+              <a:buNone/>
+              <a:defRPr sz="2000" b="0" i="0" u="none" strike="noStrike" cap="none">
+                <a:solidFill>
+                  <a:srgbClr val="FBFBFB"/>
+                </a:solidFill>
+                <a:latin typeface="Holtwood One SC"/>
+                <a:ea typeface="Holtwood One SC"/>
+                <a:cs typeface="Holtwood One SC"/>
+                <a:sym typeface="Holtwood One SC"/>
+              </a:defRPr>
+            </a:lvl6pPr>
+            <a:lvl7pPr marL="3200400" marR="0" lvl="6" indent="-317500" algn="l" rtl="0">
+              <a:lnSpc>
+                <a:spcPct val="115000"/>
+              </a:lnSpc>
+              <a:spcBef>
+                <a:spcPts val="1600"/>
+              </a:spcBef>
+              <a:spcAft>
+                <a:spcPts val="0"/>
+              </a:spcAft>
+              <a:buClr>
+                <a:srgbClr val="FBFBFB"/>
+              </a:buClr>
+              <a:buSzPts val="2000"/>
+              <a:buFont typeface="Holtwood One SC"/>
+              <a:buNone/>
+              <a:defRPr sz="2000" b="0" i="0" u="none" strike="noStrike" cap="none">
+                <a:solidFill>
+                  <a:srgbClr val="FBFBFB"/>
+                </a:solidFill>
+                <a:latin typeface="Holtwood One SC"/>
+                <a:ea typeface="Holtwood One SC"/>
+                <a:cs typeface="Holtwood One SC"/>
+                <a:sym typeface="Holtwood One SC"/>
+              </a:defRPr>
+            </a:lvl7pPr>
+            <a:lvl8pPr marL="3657600" marR="0" lvl="7" indent="-317500" algn="l" rtl="0">
+              <a:lnSpc>
+                <a:spcPct val="115000"/>
+              </a:lnSpc>
+              <a:spcBef>
+                <a:spcPts val="1600"/>
+              </a:spcBef>
+              <a:spcAft>
+                <a:spcPts val="0"/>
+              </a:spcAft>
+              <a:buClr>
+                <a:schemeClr val="dk2"/>
+              </a:buClr>
+              <a:buSzPts val="2000"/>
+              <a:buFont typeface="Holtwood One SC"/>
+              <a:buNone/>
+              <a:defRPr sz="2000" b="0" i="0" u="none" strike="noStrike" cap="none">
+                <a:solidFill>
+                  <a:schemeClr val="dk2"/>
+                </a:solidFill>
+                <a:latin typeface="Holtwood One SC"/>
+                <a:ea typeface="Holtwood One SC"/>
+                <a:cs typeface="Holtwood One SC"/>
+                <a:sym typeface="Holtwood One SC"/>
+              </a:defRPr>
+            </a:lvl8pPr>
+            <a:lvl9pPr marL="4114800" marR="0" lvl="8" indent="-317500" algn="l" rtl="0">
+              <a:lnSpc>
+                <a:spcPct val="115000"/>
+              </a:lnSpc>
+              <a:spcBef>
+                <a:spcPts val="1600"/>
+              </a:spcBef>
+              <a:spcAft>
+                <a:spcPts val="1600"/>
+              </a:spcAft>
+              <a:buClr>
+                <a:schemeClr val="dk2"/>
+              </a:buClr>
+              <a:buSzPts val="2000"/>
+              <a:buFont typeface="Holtwood One SC"/>
+              <a:buNone/>
+              <a:defRPr sz="2000" b="0" i="0" u="none" strike="noStrike" cap="none">
+                <a:solidFill>
+                  <a:schemeClr val="dk2"/>
+                </a:solidFill>
+                <a:latin typeface="Holtwood One SC"/>
+                <a:ea typeface="Holtwood One SC"/>
+                <a:cs typeface="Holtwood One SC"/>
+                <a:sym typeface="Holtwood One SC"/>
+              </a:defRPr>
+            </a:lvl9pPr>
+          </a:lstStyle>
+          <a:p>
+            <a:pPr marL="152400" indent="0" algn="l">
+              <a:spcAft>
+                <a:spcPts val="1200"/>
+              </a:spcAft>
+            </a:pPr>
+            <a:r>
+              <a:rPr lang="pt-BR" sz="3600" dirty="0">
+                <a:solidFill>
+                  <a:schemeClr val="accent4"/>
+                </a:solidFill>
+                <a:latin typeface="Arial Black" panose="020B0A04020102020204" pitchFamily="34" charset="0"/>
+              </a:rPr>
+              <a:t>Raja Damai yang besar, </a:t>
+            </a:r>
+            <a:endParaRPr lang="pt-BR" sz="3600" dirty="0" smtClean="0">
+              <a:solidFill>
+                <a:schemeClr val="accent4"/>
+              </a:solidFill>
+              <a:latin typeface="Arial Black" panose="020B0A04020102020204" pitchFamily="34" charset="0"/>
+            </a:endParaRPr>
+          </a:p>
+          <a:p>
+            <a:pPr marL="152400" indent="0" algn="l">
+              <a:spcAft>
+                <a:spcPts val="1200"/>
+              </a:spcAft>
+            </a:pPr>
+            <a:r>
+              <a:rPr lang="pt-BR" sz="3600" dirty="0" smtClean="0">
+                <a:solidFill>
+                  <a:schemeClr val="accent4"/>
+                </a:solidFill>
+                <a:latin typeface="Arial Black" panose="020B0A04020102020204" pitchFamily="34" charset="0"/>
+              </a:rPr>
+              <a:t>Surya </a:t>
+            </a:r>
+            <a:r>
+              <a:rPr lang="pt-BR" sz="3600" dirty="0">
+                <a:solidFill>
+                  <a:schemeClr val="accent4"/>
+                </a:solidFill>
+                <a:latin typeface="Arial Black" panose="020B0A04020102020204" pitchFamily="34" charset="0"/>
+              </a:rPr>
+              <a:t>Hidup yang benar,</a:t>
+            </a:r>
+          </a:p>
+          <a:p>
+            <a:pPr marL="152400" indent="0" algn="l">
+              <a:spcAft>
+                <a:spcPts val="1200"/>
+              </a:spcAft>
+            </a:pPr>
+            <a:r>
+              <a:rPr lang="pt-BR" sz="3600" dirty="0" smtClean="0">
+                <a:solidFill>
+                  <a:schemeClr val="accent4"/>
+                </a:solidFill>
+                <a:latin typeface="Arial Black" panose="020B0A04020102020204" pitchFamily="34" charset="0"/>
+              </a:rPr>
+              <a:t>menyembuhkan </a:t>
+            </a:r>
+            <a:r>
+              <a:rPr lang="pt-BR" sz="3600" dirty="0">
+                <a:solidFill>
+                  <a:schemeClr val="accent4"/>
+                </a:solidFill>
+                <a:latin typeface="Arial Black" panose="020B0A04020102020204" pitchFamily="34" charset="0"/>
+              </a:rPr>
+              <a:t>dunia </a:t>
+            </a:r>
+            <a:endParaRPr lang="pt-BR" sz="3600" dirty="0" smtClean="0">
+              <a:solidFill>
+                <a:schemeClr val="accent4"/>
+              </a:solidFill>
+              <a:latin typeface="Arial Black" panose="020B0A04020102020204" pitchFamily="34" charset="0"/>
+            </a:endParaRPr>
+          </a:p>
+          <a:p>
+            <a:pPr marL="152400" indent="0" algn="l">
+              <a:spcAft>
+                <a:spcPts val="1200"/>
+              </a:spcAft>
+            </a:pPr>
+            <a:r>
+              <a:rPr lang="pt-BR" sz="3600" dirty="0" smtClean="0">
+                <a:solidFill>
+                  <a:schemeClr val="accent4"/>
+                </a:solidFill>
+                <a:latin typeface="Arial Black" panose="020B0A04020102020204" pitchFamily="34" charset="0"/>
+              </a:rPr>
+              <a:t>di </a:t>
+            </a:r>
+            <a:r>
+              <a:rPr lang="pt-BR" sz="3600" dirty="0">
+                <a:solidFill>
+                  <a:schemeClr val="accent4"/>
+                </a:solidFill>
+                <a:latin typeface="Arial Black" panose="020B0A04020102020204" pitchFamily="34" charset="0"/>
+              </a:rPr>
+              <a:t>naungan sayapNya,</a:t>
+            </a:r>
+          </a:p>
+        </p:txBody>
+      </p:sp>
+    </p:spTree>
+    <p:extLst>
+      <p:ext uri="{BB962C8B-B14F-4D97-AF65-F5344CB8AC3E}">
+        <p14:creationId xmlns:p14="http://schemas.microsoft.com/office/powerpoint/2010/main" val="1493349074"/>
+      </p:ext>
+    </p:extLst>
+  </p:cSld>
+  <p:clrMapOvr>
+    <a:masterClrMapping/>
+  </p:clrMapOvr>
+  <p:timing>
+    <p:tnLst>
+      <p:par>
+        <p:cTn id="1" dur="indefinite" restart="never" nodeType="tmRoot"/>
+      </p:par>
+    </p:tnLst>
+  </p:timing>
+</p:sld>
+</file>
+
+<file path=ppt/slides/slide68.xml><?xml version="1.0" encoding="utf-8"?>
+<p:sld xmlns:a="http://schemas.openxmlformats.org/drawingml/2006/main" xmlns:r="http://schemas.openxmlformats.org/officeDocument/2006/relationships" xmlns:p="http://schemas.openxmlformats.org/presentationml/2006/main">
+  <p:cSld>
+    <p:spTree>
+      <p:nvGrpSpPr>
+        <p:cNvPr id="1" name="Shape 828"/>
+        <p:cNvGrpSpPr/>
+        <p:nvPr/>
+      </p:nvGrpSpPr>
+      <p:grpSpPr>
+        <a:xfrm>
+          <a:off x="0" y="0"/>
+          <a:ext cx="0" cy="0"/>
+          <a:chOff x="0" y="0"/>
+          <a:chExt cx="0" cy="0"/>
+        </a:xfrm>
+      </p:grpSpPr>
+      <p:sp>
+        <p:nvSpPr>
+          <p:cNvPr id="7" name="Text Placeholder 1"/>
+          <p:cNvSpPr txBox="1">
+            <a:spLocks/>
+          </p:cNvSpPr>
+          <p:nvPr/>
+        </p:nvSpPr>
+        <p:spPr>
+          <a:xfrm>
+            <a:off x="414671" y="327877"/>
+            <a:ext cx="8612371" cy="3052179"/>
+          </a:xfrm>
+          <a:prstGeom prst="rect">
+            <a:avLst/>
+          </a:prstGeom>
+          <a:noFill/>
+          <a:ln>
+            <a:noFill/>
+          </a:ln>
+        </p:spPr>
+        <p:txBody>
+          <a:bodyPr spcFirstLastPara="1" wrap="square" lIns="91425" tIns="91425" rIns="91425" bIns="91425" anchor="t" anchorCtr="0">
+            <a:noAutofit/>
+          </a:bodyPr>
+          <a:lstStyle>
+            <a:defPPr marR="0" lvl="0" algn="l" rtl="0">
+              <a:lnSpc>
+                <a:spcPct val="100000"/>
+              </a:lnSpc>
+              <a:spcBef>
+                <a:spcPts val="0"/>
+              </a:spcBef>
+              <a:spcAft>
+                <a:spcPts val="0"/>
+              </a:spcAft>
+            </a:defPPr>
+            <a:lvl1pPr marL="457200" marR="0" lvl="0" indent="-323850" algn="ctr" rtl="0">
+              <a:lnSpc>
+                <a:spcPct val="115000"/>
+              </a:lnSpc>
+              <a:spcBef>
+                <a:spcPts val="0"/>
+              </a:spcBef>
+              <a:spcAft>
+                <a:spcPts val="0"/>
+              </a:spcAft>
+              <a:buClr>
+                <a:srgbClr val="FBFBFB"/>
+              </a:buClr>
+              <a:buSzPts val="2000"/>
+              <a:buFont typeface="Holtwood One SC"/>
+              <a:buNone/>
+              <a:defRPr sz="2200" b="0" i="0" u="none" strike="noStrike" cap="none">
+                <a:solidFill>
+                  <a:schemeClr val="dk2"/>
+                </a:solidFill>
+                <a:latin typeface="Fredoka One"/>
+                <a:ea typeface="Fredoka One"/>
+                <a:cs typeface="Fredoka One"/>
+                <a:sym typeface="Fredoka One"/>
+              </a:defRPr>
+            </a:lvl1pPr>
+            <a:lvl2pPr marL="914400" marR="0" lvl="1" indent="-323850" algn="l" rtl="0">
+              <a:lnSpc>
+                <a:spcPct val="115000"/>
+              </a:lnSpc>
+              <a:spcBef>
+                <a:spcPts val="1600"/>
+              </a:spcBef>
+              <a:spcAft>
+                <a:spcPts val="0"/>
+              </a:spcAft>
+              <a:buClr>
+                <a:srgbClr val="FBFBFB"/>
+              </a:buClr>
+              <a:buSzPts val="2000"/>
+              <a:buFont typeface="Holtwood One SC"/>
+              <a:buNone/>
+              <a:defRPr sz="2000" b="0" i="0" u="none" strike="noStrike" cap="none">
+                <a:solidFill>
+                  <a:srgbClr val="FBFBFB"/>
+                </a:solidFill>
+                <a:latin typeface="Holtwood One SC"/>
+                <a:ea typeface="Holtwood One SC"/>
+                <a:cs typeface="Holtwood One SC"/>
+                <a:sym typeface="Holtwood One SC"/>
+              </a:defRPr>
+            </a:lvl2pPr>
+            <a:lvl3pPr marL="1371600" marR="0" lvl="2" indent="-323850" algn="l" rtl="0">
+              <a:lnSpc>
+                <a:spcPct val="115000"/>
+              </a:lnSpc>
+              <a:spcBef>
+                <a:spcPts val="1600"/>
+              </a:spcBef>
+              <a:spcAft>
+                <a:spcPts val="0"/>
+              </a:spcAft>
+              <a:buClr>
+                <a:srgbClr val="FBFBFB"/>
+              </a:buClr>
+              <a:buSzPts val="2000"/>
+              <a:buFont typeface="Holtwood One SC"/>
+              <a:buNone/>
+              <a:defRPr sz="2000" b="0" i="0" u="none" strike="noStrike" cap="none">
+                <a:solidFill>
+                  <a:srgbClr val="FBFBFB"/>
+                </a:solidFill>
+                <a:latin typeface="Holtwood One SC"/>
+                <a:ea typeface="Holtwood One SC"/>
+                <a:cs typeface="Holtwood One SC"/>
+                <a:sym typeface="Holtwood One SC"/>
+              </a:defRPr>
+            </a:lvl3pPr>
+            <a:lvl4pPr marL="1828800" marR="0" lvl="3" indent="-323850" algn="l" rtl="0">
+              <a:lnSpc>
+                <a:spcPct val="115000"/>
+              </a:lnSpc>
+              <a:spcBef>
+                <a:spcPts val="1600"/>
+              </a:spcBef>
+              <a:spcAft>
+                <a:spcPts val="0"/>
+              </a:spcAft>
+              <a:buClr>
+                <a:srgbClr val="FBFBFB"/>
+              </a:buClr>
+              <a:buSzPts val="2000"/>
+              <a:buFont typeface="Holtwood One SC"/>
+              <a:buNone/>
+              <a:defRPr sz="2000" b="0" i="0" u="none" strike="noStrike" cap="none">
+                <a:solidFill>
+                  <a:srgbClr val="FBFBFB"/>
+                </a:solidFill>
+                <a:latin typeface="Holtwood One SC"/>
+                <a:ea typeface="Holtwood One SC"/>
+                <a:cs typeface="Holtwood One SC"/>
+                <a:sym typeface="Holtwood One SC"/>
+              </a:defRPr>
+            </a:lvl4pPr>
+            <a:lvl5pPr marL="2286000" marR="0" lvl="4" indent="-323850" algn="l" rtl="0">
+              <a:lnSpc>
+                <a:spcPct val="115000"/>
+              </a:lnSpc>
+              <a:spcBef>
+                <a:spcPts val="1600"/>
+              </a:spcBef>
+              <a:spcAft>
+                <a:spcPts val="0"/>
+              </a:spcAft>
+              <a:buClr>
+                <a:srgbClr val="FBFBFB"/>
+              </a:buClr>
+              <a:buSzPts val="2000"/>
+              <a:buFont typeface="Holtwood One SC"/>
+              <a:buNone/>
+              <a:defRPr sz="2000" b="0" i="0" u="none" strike="noStrike" cap="none">
+                <a:solidFill>
+                  <a:srgbClr val="FBFBFB"/>
+                </a:solidFill>
+                <a:latin typeface="Holtwood One SC"/>
+                <a:ea typeface="Holtwood One SC"/>
+                <a:cs typeface="Holtwood One SC"/>
+                <a:sym typeface="Holtwood One SC"/>
+              </a:defRPr>
+            </a:lvl5pPr>
+            <a:lvl6pPr marL="2743200" marR="0" lvl="5" indent="-323850" algn="l" rtl="0">
+              <a:lnSpc>
+                <a:spcPct val="115000"/>
+              </a:lnSpc>
+              <a:spcBef>
+                <a:spcPts val="1600"/>
+              </a:spcBef>
+              <a:spcAft>
+                <a:spcPts val="0"/>
+              </a:spcAft>
+              <a:buClr>
+                <a:srgbClr val="FBFBFB"/>
+              </a:buClr>
+              <a:buSzPts val="2000"/>
+              <a:buFont typeface="Holtwood One SC"/>
+              <a:buNone/>
+              <a:defRPr sz="2000" b="0" i="0" u="none" strike="noStrike" cap="none">
+                <a:solidFill>
+                  <a:srgbClr val="FBFBFB"/>
+                </a:solidFill>
+                <a:latin typeface="Holtwood One SC"/>
+                <a:ea typeface="Holtwood One SC"/>
+                <a:cs typeface="Holtwood One SC"/>
+                <a:sym typeface="Holtwood One SC"/>
+              </a:defRPr>
+            </a:lvl6pPr>
+            <a:lvl7pPr marL="3200400" marR="0" lvl="6" indent="-317500" algn="l" rtl="0">
+              <a:lnSpc>
+                <a:spcPct val="115000"/>
+              </a:lnSpc>
+              <a:spcBef>
+                <a:spcPts val="1600"/>
+              </a:spcBef>
+              <a:spcAft>
+                <a:spcPts val="0"/>
+              </a:spcAft>
+              <a:buClr>
+                <a:srgbClr val="FBFBFB"/>
+              </a:buClr>
+              <a:buSzPts val="2000"/>
+              <a:buFont typeface="Holtwood One SC"/>
+              <a:buNone/>
+              <a:defRPr sz="2000" b="0" i="0" u="none" strike="noStrike" cap="none">
+                <a:solidFill>
+                  <a:srgbClr val="FBFBFB"/>
+                </a:solidFill>
+                <a:latin typeface="Holtwood One SC"/>
+                <a:ea typeface="Holtwood One SC"/>
+                <a:cs typeface="Holtwood One SC"/>
+                <a:sym typeface="Holtwood One SC"/>
+              </a:defRPr>
+            </a:lvl7pPr>
+            <a:lvl8pPr marL="3657600" marR="0" lvl="7" indent="-317500" algn="l" rtl="0">
+              <a:lnSpc>
+                <a:spcPct val="115000"/>
+              </a:lnSpc>
+              <a:spcBef>
+                <a:spcPts val="1600"/>
+              </a:spcBef>
+              <a:spcAft>
+                <a:spcPts val="0"/>
+              </a:spcAft>
+              <a:buClr>
+                <a:schemeClr val="dk2"/>
+              </a:buClr>
+              <a:buSzPts val="2000"/>
+              <a:buFont typeface="Holtwood One SC"/>
+              <a:buNone/>
+              <a:defRPr sz="2000" b="0" i="0" u="none" strike="noStrike" cap="none">
+                <a:solidFill>
+                  <a:schemeClr val="dk2"/>
+                </a:solidFill>
+                <a:latin typeface="Holtwood One SC"/>
+                <a:ea typeface="Holtwood One SC"/>
+                <a:cs typeface="Holtwood One SC"/>
+                <a:sym typeface="Holtwood One SC"/>
+              </a:defRPr>
+            </a:lvl8pPr>
+            <a:lvl9pPr marL="4114800" marR="0" lvl="8" indent="-317500" algn="l" rtl="0">
+              <a:lnSpc>
+                <a:spcPct val="115000"/>
+              </a:lnSpc>
+              <a:spcBef>
+                <a:spcPts val="1600"/>
+              </a:spcBef>
+              <a:spcAft>
+                <a:spcPts val="1600"/>
+              </a:spcAft>
+              <a:buClr>
+                <a:schemeClr val="dk2"/>
+              </a:buClr>
+              <a:buSzPts val="2000"/>
+              <a:buFont typeface="Holtwood One SC"/>
+              <a:buNone/>
+              <a:defRPr sz="2000" b="0" i="0" u="none" strike="noStrike" cap="none">
+                <a:solidFill>
+                  <a:schemeClr val="dk2"/>
+                </a:solidFill>
+                <a:latin typeface="Holtwood One SC"/>
+                <a:ea typeface="Holtwood One SC"/>
+                <a:cs typeface="Holtwood One SC"/>
+                <a:sym typeface="Holtwood One SC"/>
+              </a:defRPr>
+            </a:lvl9pPr>
+          </a:lstStyle>
+          <a:p>
+            <a:pPr marL="152400" indent="0" algn="l">
+              <a:spcAft>
+                <a:spcPts val="1200"/>
+              </a:spcAft>
+            </a:pPr>
+            <a:r>
               <a:rPr lang="sv-SE" sz="3600" dirty="0" smtClean="0">
                 <a:solidFill>
                   <a:schemeClr val="accent4"/>
@@ -42902,12 +46910,6 @@
               </a:rPr>
               <a:t>Lahir Raja mulia!"</a:t>
             </a:r>
-            <a:endParaRPr lang="sv-SE" sz="3600" dirty="0">
-              <a:solidFill>
-                <a:schemeClr val="accent4"/>
-              </a:solidFill>
-              <a:latin typeface="Arial Black" panose="020B0A04020102020204" pitchFamily="34" charset="0"/>
-            </a:endParaRPr>
           </a:p>
         </p:txBody>
       </p:sp>
@@ -43322,12 +47324,6 @@
               </a:rPr>
               <a:t>Bayi Penebus</a:t>
             </a:r>
-            <a:endParaRPr lang="fi-FI" sz="3600" dirty="0">
-              <a:solidFill>
-                <a:schemeClr val="accent4"/>
-              </a:solidFill>
-              <a:latin typeface="Arial Black" panose="020B0A04020102020204" pitchFamily="34" charset="0"/>
-            </a:endParaRPr>
           </a:p>
         </p:txBody>
       </p:sp>
